--- a/TwiNotify.pptx
+++ b/TwiNotify.pptx
@@ -1607,6 +1607,30 @@
             <pc:docMk/>
             <pc:sldMk cId="1612453805" sldId="270"/>
             <ac:spMk id="2" creationId="{E6029BE2-34A5-4C9F-A4CC-087EB6E019D2}"/>
+          </ac:spMkLst>
+        </pc:spChg>
+      </pc:sldChg>
+    </pc:docChg>
+  </pc:docChgLst>
+  <pc:docChgLst>
+    <pc:chgData name="Grishma Thakkar" userId="2efd40a67bde863d" providerId="Windows Live" clId="Web-{AA59F4C5-EEA4-466C-A04E-5798D2A01B88}"/>
+    <pc:docChg chg="modSld">
+      <pc:chgData name="Grishma Thakkar" userId="2efd40a67bde863d" providerId="Windows Live" clId="Web-{AA59F4C5-EEA4-466C-A04E-5798D2A01B88}" dt="2018-11-11T15:14:52.701" v="4" actId="1076"/>
+      <pc:docMkLst>
+        <pc:docMk/>
+      </pc:docMkLst>
+      <pc:sldChg chg="modSp">
+        <pc:chgData name="Grishma Thakkar" userId="2efd40a67bde863d" providerId="Windows Live" clId="Web-{AA59F4C5-EEA4-466C-A04E-5798D2A01B88}" dt="2018-11-11T15:14:52.701" v="4" actId="1076"/>
+        <pc:sldMkLst>
+          <pc:docMk/>
+          <pc:sldMk cId="2408531364" sldId="258"/>
+        </pc:sldMkLst>
+        <pc:spChg chg="mod">
+          <ac:chgData name="Grishma Thakkar" userId="2efd40a67bde863d" providerId="Windows Live" clId="Web-{AA59F4C5-EEA4-466C-A04E-5798D2A01B88}" dt="2018-11-11T15:14:52.701" v="4" actId="1076"/>
+          <ac:spMkLst>
+            <pc:docMk/>
+            <pc:sldMk cId="2408531364" sldId="258"/>
+            <ac:spMk id="3" creationId="{2EAD1617-BBE0-4347-90C8-C48DF1EC6558}"/>
           </ac:spMkLst>
         </pc:spChg>
       </pc:sldChg>
@@ -16379,8 +16403,8 @@
         </p:nvSpPr>
         <p:spPr>
           <a:xfrm>
-            <a:off x="5900282" y="4998105"/>
-            <a:ext cx="6106416" cy="2076333"/>
+            <a:off x="6811245" y="5914797"/>
+            <a:ext cx="5911620" cy="1973206"/>
           </a:xfrm>
         </p:spPr>
         <p:txBody>
@@ -16391,7 +16415,7 @@
           <a:p>
             <a:pPr algn="l"/>
             <a:r>
-              <a:rPr lang="en-US" sz="4800">
+              <a:rPr lang="en-US" sz="2000" dirty="0">
                 <a:solidFill>
                   <a:schemeClr val="bg1"/>
                 </a:solidFill>
@@ -16400,7 +16424,7 @@
               <a:t>BOSTON HACKS 2018</a:t>
             </a:r>
             <a:br>
-              <a:rPr lang="en-US" sz="4800" dirty="0">
+              <a:rPr lang="en-US" sz="2000" dirty="0">
                 <a:solidFill>
                   <a:schemeClr val="bg1"/>
                 </a:solidFill>
@@ -16408,19 +16432,14 @@
               </a:rPr>
             </a:br>
             <a:r>
-              <a:rPr lang="en-US" sz="4800">
+              <a:rPr lang="en-US" sz="2000" dirty="0">
                 <a:solidFill>
                   <a:schemeClr val="bg1"/>
                 </a:solidFill>
                 <a:cs typeface="Calibri Light"/>
               </a:rPr>
-              <a:t>Link: </a:t>
+              <a:t>Link: https://github.com/kaleketan07/TwiNotify</a:t>
             </a:r>
-            <a:endParaRPr lang="en-US" sz="4800">
-              <a:solidFill>
-                <a:schemeClr val="bg1"/>
-              </a:solidFill>
-            </a:endParaRPr>
           </a:p>
         </p:txBody>
       </p:sp>
@@ -16442,9 +16461,14 @@
         </p:nvSpPr>
         <p:spPr>
           <a:xfrm>
-            <a:off x="6072446" y="2668075"/>
-            <a:ext cx="5319431" cy="972180"/>
+            <a:off x="6097428" y="2674321"/>
+            <a:ext cx="5300695" cy="697361"/>
           </a:xfrm>
+          <a:ln>
+            <a:solidFill>
+              <a:schemeClr val="bg1"/>
+            </a:solidFill>
+          </a:ln>
         </p:spPr>
         <p:txBody>
           <a:bodyPr vert="horz" lIns="91440" tIns="45720" rIns="91440" bIns="45720" rtlCol="0" anchor="b">
@@ -17047,7 +17071,7 @@
           <a:lstStyle/>
           <a:p>
             <a:r>
-              <a:rPr lang="en-US">
+              <a:rPr lang="en-US" dirty="0">
                 <a:solidFill>
                   <a:srgbClr val="FFFFFF"/>
                 </a:solidFill>
@@ -17086,12 +17110,20 @@
           <a:lstStyle/>
           <a:p>
             <a:r>
-              <a:rPr lang="en-US">
+              <a:rPr lang="en-US" dirty="0">
                 <a:solidFill>
                   <a:srgbClr val="FFF27B"/>
                 </a:solidFill>
               </a:rPr>
-              <a:t>- Team TwiNotify</a:t>
+              <a:t>- Team </a:t>
+            </a:r>
+            <a:r>
+              <a:rPr lang="en-US" dirty="0" err="1">
+                <a:solidFill>
+                  <a:srgbClr val="FFF27B"/>
+                </a:solidFill>
+              </a:rPr>
+              <a:t>TwiNotify</a:t>
             </a:r>
           </a:p>
         </p:txBody>

--- a/TwiNotify.pptx
+++ b/TwiNotify.pptx
@@ -7,14 +7,15 @@
   <p:sldIdLst>
     <p:sldId id="258" r:id="rId2"/>
     <p:sldId id="257" r:id="rId3"/>
-    <p:sldId id="261" r:id="rId4"/>
-    <p:sldId id="259" r:id="rId5"/>
-    <p:sldId id="269" r:id="rId6"/>
-    <p:sldId id="265" r:id="rId7"/>
-    <p:sldId id="267" r:id="rId8"/>
-    <p:sldId id="268" r:id="rId9"/>
-    <p:sldId id="263" r:id="rId10"/>
-    <p:sldId id="266" r:id="rId11"/>
+    <p:sldId id="270" r:id="rId4"/>
+    <p:sldId id="261" r:id="rId5"/>
+    <p:sldId id="259" r:id="rId6"/>
+    <p:sldId id="269" r:id="rId7"/>
+    <p:sldId id="265" r:id="rId8"/>
+    <p:sldId id="267" r:id="rId9"/>
+    <p:sldId id="268" r:id="rId10"/>
+    <p:sldId id="263" r:id="rId11"/>
+    <p:sldId id="266" r:id="rId12"/>
   </p:sldIdLst>
   <p:sldSz cx="12192000" cy="6858000"/>
   <p:notesSz cx="6858000" cy="9144000"/>
@@ -125,6 +126,7 @@
 <p1510:revInfo xmlns:a="http://schemas.openxmlformats.org/drawingml/2006/main" xmlns:r="http://schemas.openxmlformats.org/officeDocument/2006/relationships" xmlns:p1510="http://schemas.microsoft.com/office/powerpoint/2015/10/main">
   <p1510:revLst>
     <p1510:client id="{0C4CAB85-7212-4F73-9F96-DEE8007815EC}" v="9" dt="2018-11-11T14:14:32.845"/>
+    <p1510:client id="{D8CFA0EF-F138-4358-9AF3-5E50C58A0EF1}" v="42" dt="2018-11-11T16:45:30.034"/>
   </p1510:revLst>
 </p1510:revInfo>
 </file>
@@ -1637,6 +1639,139 @@
     </pc:docChg>
   </pc:docChgLst>
   <pc:docChgLst>
+    <pc:chgData name="Grishma Thakkar" userId="2efd40a67bde863d" providerId="Windows Live" clId="Web-{D8CFA0EF-F138-4358-9AF3-5E50C58A0EF1}"/>
+    <pc:docChg chg="addSld modSld">
+      <pc:chgData name="Grishma Thakkar" userId="2efd40a67bde863d" providerId="Windows Live" clId="Web-{D8CFA0EF-F138-4358-9AF3-5E50C58A0EF1}" dt="2018-11-11T16:50:10.439" v="301" actId="20577"/>
+      <pc:docMkLst>
+        <pc:docMk/>
+      </pc:docMkLst>
+      <pc:sldChg chg="modSp">
+        <pc:chgData name="Grishma Thakkar" userId="2efd40a67bde863d" providerId="Windows Live" clId="Web-{D8CFA0EF-F138-4358-9AF3-5E50C58A0EF1}" dt="2018-11-11T16:46:06.894" v="184" actId="1076"/>
+        <pc:sldMkLst>
+          <pc:docMk/>
+          <pc:sldMk cId="3375096421" sldId="257"/>
+        </pc:sldMkLst>
+        <pc:spChg chg="mod">
+          <ac:chgData name="Grishma Thakkar" userId="2efd40a67bde863d" providerId="Windows Live" clId="Web-{D8CFA0EF-F138-4358-9AF3-5E50C58A0EF1}" dt="2018-11-11T16:46:06.894" v="184" actId="1076"/>
+          <ac:spMkLst>
+            <pc:docMk/>
+            <pc:sldMk cId="3375096421" sldId="257"/>
+            <ac:spMk id="2" creationId="{9405809D-0DBB-40DD-829C-9BCE5C5F8895}"/>
+          </ac:spMkLst>
+        </pc:spChg>
+      </pc:sldChg>
+      <pc:sldChg chg="modSp">
+        <pc:chgData name="Grishma Thakkar" userId="2efd40a67bde863d" providerId="Windows Live" clId="Web-{D8CFA0EF-F138-4358-9AF3-5E50C58A0EF1}" dt="2018-11-11T16:50:08.689" v="299" actId="20577"/>
+        <pc:sldMkLst>
+          <pc:docMk/>
+          <pc:sldMk cId="3153300592" sldId="259"/>
+        </pc:sldMkLst>
+        <pc:spChg chg="mod">
+          <ac:chgData name="Grishma Thakkar" userId="2efd40a67bde863d" providerId="Windows Live" clId="Web-{D8CFA0EF-F138-4358-9AF3-5E50C58A0EF1}" dt="2018-11-11T16:50:08.689" v="299" actId="20577"/>
+          <ac:spMkLst>
+            <pc:docMk/>
+            <pc:sldMk cId="3153300592" sldId="259"/>
+            <ac:spMk id="2" creationId="{E6029BE2-34A5-4C9F-A4CC-087EB6E019D2}"/>
+          </ac:spMkLst>
+        </pc:spChg>
+      </pc:sldChg>
+      <pc:sldChg chg="modSp">
+        <pc:chgData name="Grishma Thakkar" userId="2efd40a67bde863d" providerId="Windows Live" clId="Web-{D8CFA0EF-F138-4358-9AF3-5E50C58A0EF1}" dt="2018-11-11T16:49:59.532" v="298" actId="1076"/>
+        <pc:sldMkLst>
+          <pc:docMk/>
+          <pc:sldMk cId="261473062" sldId="261"/>
+        </pc:sldMkLst>
+        <pc:spChg chg="mod">
+          <ac:chgData name="Grishma Thakkar" userId="2efd40a67bde863d" providerId="Windows Live" clId="Web-{D8CFA0EF-F138-4358-9AF3-5E50C58A0EF1}" dt="2018-11-11T16:49:59.532" v="298" actId="1076"/>
+          <ac:spMkLst>
+            <pc:docMk/>
+            <pc:sldMk cId="261473062" sldId="261"/>
+            <ac:spMk id="2" creationId="{E6029BE2-34A5-4C9F-A4CC-087EB6E019D2}"/>
+          </ac:spMkLst>
+        </pc:spChg>
+      </pc:sldChg>
+      <pc:sldChg chg="addSp delSp modSp new mod setBg">
+        <pc:chgData name="Grishma Thakkar" userId="2efd40a67bde863d" providerId="Windows Live" clId="Web-{D8CFA0EF-F138-4358-9AF3-5E50C58A0EF1}" dt="2018-11-11T16:48:39.899" v="292" actId="20577"/>
+        <pc:sldMkLst>
+          <pc:docMk/>
+          <pc:sldMk cId="1288059223" sldId="270"/>
+        </pc:sldMkLst>
+        <pc:spChg chg="mod">
+          <ac:chgData name="Grishma Thakkar" userId="2efd40a67bde863d" providerId="Windows Live" clId="Web-{D8CFA0EF-F138-4358-9AF3-5E50C58A0EF1}" dt="2018-11-11T16:48:39.899" v="292" actId="20577"/>
+          <ac:spMkLst>
+            <pc:docMk/>
+            <pc:sldMk cId="1288059223" sldId="270"/>
+            <ac:spMk id="2" creationId="{0AC7536D-C588-44F2-BAD8-F9E41760E55F}"/>
+          </ac:spMkLst>
+        </pc:spChg>
+        <pc:spChg chg="add">
+          <ac:chgData name="Grishma Thakkar" userId="2efd40a67bde863d" providerId="Windows Live" clId="Web-{D8CFA0EF-F138-4358-9AF3-5E50C58A0EF1}" dt="2018-11-11T16:48:18.195" v="289"/>
+          <ac:spMkLst>
+            <pc:docMk/>
+            <pc:sldMk cId="1288059223" sldId="270"/>
+            <ac:spMk id="6" creationId="{46C2E80F-49A6-4372-B103-219D417A55ED}"/>
+          </ac:spMkLst>
+        </pc:spChg>
+        <pc:spChg chg="del mod replId">
+          <ac:chgData name="Grishma Thakkar" userId="2efd40a67bde863d" providerId="Windows Live" clId="Web-{D8CFA0EF-F138-4358-9AF3-5E50C58A0EF1}" dt="2018-11-11T16:48:18.195" v="289"/>
+          <ac:spMkLst>
+            <pc:docMk/>
+            <pc:sldMk cId="1288059223" sldId="270"/>
+            <ac:spMk id="7" creationId="{1F2F3E48-B752-4AB1-ADC6-8FD7D29CDCBC}"/>
+          </ac:spMkLst>
+        </pc:spChg>
+        <pc:spChg chg="add del">
+          <ac:chgData name="Grishma Thakkar" userId="2efd40a67bde863d" providerId="Windows Live" clId="Web-{D8CFA0EF-F138-4358-9AF3-5E50C58A0EF1}" dt="2018-11-11T16:48:18.102" v="288"/>
+          <ac:spMkLst>
+            <pc:docMk/>
+            <pc:sldMk cId="1288059223" sldId="270"/>
+            <ac:spMk id="10" creationId="{6166C6D1-23AC-49C4-BA07-238E4E9F8CEB}"/>
+          </ac:spMkLst>
+        </pc:spChg>
+        <pc:spChg chg="add del">
+          <ac:chgData name="Grishma Thakkar" userId="2efd40a67bde863d" providerId="Windows Live" clId="Web-{D8CFA0EF-F138-4358-9AF3-5E50C58A0EF1}" dt="2018-11-11T16:48:18.102" v="288"/>
+          <ac:spMkLst>
+            <pc:docMk/>
+            <pc:sldMk cId="1288059223" sldId="270"/>
+            <ac:spMk id="12" creationId="{E186B68C-84BC-4A6E-99D1-EE87483C1349}"/>
+          </ac:spMkLst>
+        </pc:spChg>
+        <pc:spChg chg="add del">
+          <ac:chgData name="Grishma Thakkar" userId="2efd40a67bde863d" providerId="Windows Live" clId="Web-{D8CFA0EF-F138-4358-9AF3-5E50C58A0EF1}" dt="2018-11-11T16:48:18.102" v="288"/>
+          <ac:spMkLst>
+            <pc:docMk/>
+            <pc:sldMk cId="1288059223" sldId="270"/>
+            <ac:spMk id="14" creationId="{B775CD93-9DF2-48CB-9F57-1BCA9A46C7FA}"/>
+          </ac:spMkLst>
+        </pc:spChg>
+        <pc:spChg chg="add del">
+          <ac:chgData name="Grishma Thakkar" userId="2efd40a67bde863d" providerId="Windows Live" clId="Web-{D8CFA0EF-F138-4358-9AF3-5E50C58A0EF1}" dt="2018-11-11T16:48:18.102" v="288"/>
+          <ac:spMkLst>
+            <pc:docMk/>
+            <pc:sldMk cId="1288059223" sldId="270"/>
+            <ac:spMk id="16" creationId="{1C091803-41C2-48E0-9228-5148460C7479}"/>
+          </ac:spMkLst>
+        </pc:spChg>
+        <pc:graphicFrameChg chg="add">
+          <ac:chgData name="Grishma Thakkar" userId="2efd40a67bde863d" providerId="Windows Live" clId="Web-{D8CFA0EF-F138-4358-9AF3-5E50C58A0EF1}" dt="2018-11-11T16:48:18.195" v="289"/>
+          <ac:graphicFrameMkLst>
+            <pc:docMk/>
+            <pc:sldMk cId="1288059223" sldId="270"/>
+            <ac:graphicFrameMk id="5" creationId="{4107AB8D-63B6-420E-919A-0EC30EF9EE6D}"/>
+          </ac:graphicFrameMkLst>
+        </pc:graphicFrameChg>
+        <pc:picChg chg="add del">
+          <ac:chgData name="Grishma Thakkar" userId="2efd40a67bde863d" providerId="Windows Live" clId="Web-{D8CFA0EF-F138-4358-9AF3-5E50C58A0EF1}" dt="2018-11-11T16:48:18.102" v="288"/>
+          <ac:picMkLst>
+            <pc:docMk/>
+            <pc:sldMk cId="1288059223" sldId="270"/>
+            <ac:picMk id="7" creationId="{E604F58B-B17B-432F-B915-720C1EB6C001}"/>
+          </ac:picMkLst>
+        </pc:picChg>
+      </pc:sldChg>
+    </pc:docChg>
+  </pc:docChgLst>
+  <pc:docChgLst>
     <pc:chgData clId="Web-{0C4CAB85-7212-4F73-9F96-DEE8007815EC}"/>
     <pc:docChg chg="modSld">
       <pc:chgData name="" userId="" providerId="" clId="Web-{0C4CAB85-7212-4F73-9F96-DEE8007815EC}" dt="2018-11-10T19:50:46.062" v="3" actId="20577"/>
@@ -1664,6 +1799,759 @@
 </file>
 
 <file path=ppt/diagrams/colors1.xml><?xml version="1.0" encoding="utf-8"?>
+<dgm:colorsDef xmlns:dgm="http://schemas.openxmlformats.org/drawingml/2006/diagram" xmlns:a="http://schemas.openxmlformats.org/drawingml/2006/main" uniqueId="urn:microsoft.com/office/officeart/2018/5/colors/Iconchunking_neutralicon_accent0_3">
+  <dgm:title val=""/>
+  <dgm:desc val=""/>
+  <dgm:catLst>
+    <dgm:cat type="mainScheme" pri="10300"/>
+  </dgm:catLst>
+  <dgm:styleLbl name="node0">
+    <dgm:fillClrLst meth="repeat">
+      <a:schemeClr val="dk2"/>
+    </dgm:fillClrLst>
+    <dgm:linClrLst meth="repeat">
+      <a:schemeClr val="lt2"/>
+    </dgm:linClrLst>
+    <dgm:effectClrLst/>
+    <dgm:txLinClrLst/>
+    <dgm:txFillClrLst/>
+    <dgm:txEffectClrLst/>
+  </dgm:styleLbl>
+  <dgm:styleLbl name="alignNode1">
+    <dgm:fillClrLst meth="repeat">
+      <a:schemeClr val="dk2"/>
+    </dgm:fillClrLst>
+    <dgm:linClrLst meth="repeat">
+      <a:schemeClr val="dk2"/>
+    </dgm:linClrLst>
+    <dgm:effectClrLst/>
+    <dgm:txLinClrLst/>
+    <dgm:txFillClrLst/>
+    <dgm:txEffectClrLst/>
+  </dgm:styleLbl>
+  <dgm:styleLbl name="node1">
+    <dgm:fillClrLst meth="repeat">
+      <a:schemeClr val="bg1"/>
+    </dgm:fillClrLst>
+    <dgm:linClrLst meth="repeat">
+      <a:schemeClr val="lt2">
+        <a:alpha val="0"/>
+      </a:schemeClr>
+    </dgm:linClrLst>
+    <dgm:effectClrLst/>
+    <dgm:txLinClrLst/>
+    <dgm:txFillClrLst meth="repeat">
+      <a:schemeClr val="dk1"/>
+    </dgm:txFillClrLst>
+    <dgm:txEffectClrLst/>
+  </dgm:styleLbl>
+  <dgm:styleLbl name="lnNode1">
+    <dgm:fillClrLst meth="repeat">
+      <a:schemeClr val="dk2"/>
+    </dgm:fillClrLst>
+    <dgm:linClrLst meth="repeat">
+      <a:schemeClr val="lt2"/>
+    </dgm:linClrLst>
+    <dgm:effectClrLst/>
+    <dgm:txLinClrLst/>
+    <dgm:txFillClrLst/>
+    <dgm:txEffectClrLst/>
+  </dgm:styleLbl>
+  <dgm:styleLbl name="vennNode1">
+    <dgm:fillClrLst meth="repeat">
+      <a:schemeClr val="dk2">
+        <a:alpha val="50000"/>
+      </a:schemeClr>
+    </dgm:fillClrLst>
+    <dgm:linClrLst meth="repeat">
+      <a:schemeClr val="lt2"/>
+    </dgm:linClrLst>
+    <dgm:effectClrLst/>
+    <dgm:txLinClrLst/>
+    <dgm:txFillClrLst/>
+    <dgm:txEffectClrLst/>
+  </dgm:styleLbl>
+  <dgm:styleLbl name="node2">
+    <dgm:fillClrLst meth="repeat">
+      <a:schemeClr val="dk2"/>
+    </dgm:fillClrLst>
+    <dgm:linClrLst meth="repeat">
+      <a:schemeClr val="lt2"/>
+    </dgm:linClrLst>
+    <dgm:effectClrLst/>
+    <dgm:txLinClrLst/>
+    <dgm:txFillClrLst/>
+    <dgm:txEffectClrLst/>
+  </dgm:styleLbl>
+  <dgm:styleLbl name="node3">
+    <dgm:fillClrLst meth="repeat">
+      <a:schemeClr val="dk2"/>
+    </dgm:fillClrLst>
+    <dgm:linClrLst meth="repeat">
+      <a:schemeClr val="lt2"/>
+    </dgm:linClrLst>
+    <dgm:effectClrLst/>
+    <dgm:txLinClrLst/>
+    <dgm:txFillClrLst/>
+    <dgm:txEffectClrLst/>
+  </dgm:styleLbl>
+  <dgm:styleLbl name="node4">
+    <dgm:fillClrLst meth="repeat">
+      <a:schemeClr val="dk2"/>
+    </dgm:fillClrLst>
+    <dgm:linClrLst meth="repeat">
+      <a:schemeClr val="lt2"/>
+    </dgm:linClrLst>
+    <dgm:effectClrLst/>
+    <dgm:txLinClrLst/>
+    <dgm:txFillClrLst/>
+    <dgm:txEffectClrLst/>
+  </dgm:styleLbl>
+  <dgm:styleLbl name="fgImgPlace1">
+    <dgm:fillClrLst meth="repeat">
+      <a:schemeClr val="dk2">
+        <a:tint val="50000"/>
+      </a:schemeClr>
+    </dgm:fillClrLst>
+    <dgm:linClrLst meth="repeat">
+      <a:schemeClr val="lt2"/>
+    </dgm:linClrLst>
+    <dgm:effectClrLst/>
+    <dgm:txLinClrLst/>
+    <dgm:txFillClrLst meth="repeat">
+      <a:schemeClr val="lt2"/>
+    </dgm:txFillClrLst>
+    <dgm:txEffectClrLst/>
+  </dgm:styleLbl>
+  <dgm:styleLbl name="alignImgPlace1">
+    <dgm:fillClrLst meth="repeat">
+      <a:schemeClr val="dk2">
+        <a:tint val="50000"/>
+      </a:schemeClr>
+    </dgm:fillClrLst>
+    <dgm:linClrLst meth="repeat">
+      <a:schemeClr val="dk2">
+        <a:shade val="80000"/>
+      </a:schemeClr>
+    </dgm:linClrLst>
+    <dgm:effectClrLst/>
+    <dgm:txLinClrLst/>
+    <dgm:txFillClrLst meth="repeat">
+      <a:schemeClr val="lt2"/>
+    </dgm:txFillClrLst>
+    <dgm:txEffectClrLst/>
+  </dgm:styleLbl>
+  <dgm:styleLbl name="bgImgPlace1">
+    <dgm:fillClrLst meth="repeat">
+      <a:schemeClr val="dk2">
+        <a:tint val="50000"/>
+      </a:schemeClr>
+    </dgm:fillClrLst>
+    <dgm:linClrLst meth="repeat">
+      <a:schemeClr val="dk2">
+        <a:shade val="80000"/>
+      </a:schemeClr>
+    </dgm:linClrLst>
+    <dgm:effectClrLst/>
+    <dgm:txLinClrLst/>
+    <dgm:txFillClrLst meth="repeat">
+      <a:schemeClr val="lt2"/>
+    </dgm:txFillClrLst>
+    <dgm:txEffectClrLst/>
+  </dgm:styleLbl>
+  <dgm:styleLbl name="sibTrans2D1">
+    <dgm:fillClrLst meth="repeat">
+      <a:schemeClr val="dk2">
+        <a:tint val="60000"/>
+      </a:schemeClr>
+    </dgm:fillClrLst>
+    <dgm:linClrLst meth="repeat">
+      <a:schemeClr val="dk2">
+        <a:tint val="60000"/>
+      </a:schemeClr>
+    </dgm:linClrLst>
+    <dgm:effectClrLst/>
+    <dgm:txLinClrLst/>
+    <dgm:txFillClrLst/>
+    <dgm:txEffectClrLst/>
+  </dgm:styleLbl>
+  <dgm:styleLbl name="fgSibTrans2D1">
+    <dgm:fillClrLst meth="repeat">
+      <a:schemeClr val="dk2">
+        <a:tint val="60000"/>
+      </a:schemeClr>
+    </dgm:fillClrLst>
+    <dgm:linClrLst meth="repeat">
+      <a:schemeClr val="dk2">
+        <a:tint val="60000"/>
+      </a:schemeClr>
+    </dgm:linClrLst>
+    <dgm:effectClrLst/>
+    <dgm:txLinClrLst/>
+    <dgm:txFillClrLst/>
+    <dgm:txEffectClrLst/>
+  </dgm:styleLbl>
+  <dgm:styleLbl name="bgSibTrans2D1">
+    <dgm:fillClrLst meth="repeat">
+      <a:schemeClr val="dk2">
+        <a:tint val="60000"/>
+      </a:schemeClr>
+    </dgm:fillClrLst>
+    <dgm:linClrLst meth="repeat">
+      <a:schemeClr val="dk2">
+        <a:tint val="60000"/>
+      </a:schemeClr>
+    </dgm:linClrLst>
+    <dgm:effectClrLst/>
+    <dgm:txLinClrLst/>
+    <dgm:txFillClrLst/>
+    <dgm:txEffectClrLst/>
+  </dgm:styleLbl>
+  <dgm:styleLbl name="sibTrans1D1">
+    <dgm:fillClrLst meth="repeat">
+      <a:schemeClr val="dk2"/>
+    </dgm:fillClrLst>
+    <dgm:linClrLst meth="repeat">
+      <a:schemeClr val="dk2"/>
+    </dgm:linClrLst>
+    <dgm:effectClrLst/>
+    <dgm:txLinClrLst/>
+    <dgm:txFillClrLst meth="repeat">
+      <a:schemeClr val="lt2"/>
+    </dgm:txFillClrLst>
+    <dgm:txEffectClrLst/>
+  </dgm:styleLbl>
+  <dgm:styleLbl name="callout">
+    <dgm:fillClrLst meth="repeat">
+      <a:schemeClr val="dk2"/>
+    </dgm:fillClrLst>
+    <dgm:linClrLst meth="repeat">
+      <a:schemeClr val="dk2">
+        <a:tint val="50000"/>
+      </a:schemeClr>
+    </dgm:linClrLst>
+    <dgm:effectClrLst/>
+    <dgm:txLinClrLst/>
+    <dgm:txFillClrLst meth="repeat">
+      <a:schemeClr val="lt2"/>
+    </dgm:txFillClrLst>
+    <dgm:txEffectClrLst/>
+  </dgm:styleLbl>
+  <dgm:styleLbl name="asst0">
+    <dgm:fillClrLst meth="repeat">
+      <a:schemeClr val="dk2"/>
+    </dgm:fillClrLst>
+    <dgm:linClrLst meth="repeat">
+      <a:schemeClr val="lt2"/>
+    </dgm:linClrLst>
+    <dgm:effectClrLst/>
+    <dgm:txLinClrLst/>
+    <dgm:txFillClrLst/>
+    <dgm:txEffectClrLst/>
+  </dgm:styleLbl>
+  <dgm:styleLbl name="asst1">
+    <dgm:fillClrLst meth="repeat">
+      <a:schemeClr val="dk2"/>
+    </dgm:fillClrLst>
+    <dgm:linClrLst meth="repeat">
+      <a:schemeClr val="lt2"/>
+    </dgm:linClrLst>
+    <dgm:effectClrLst/>
+    <dgm:txLinClrLst/>
+    <dgm:txFillClrLst/>
+    <dgm:txEffectClrLst/>
+  </dgm:styleLbl>
+  <dgm:styleLbl name="asst2">
+    <dgm:fillClrLst meth="repeat">
+      <a:schemeClr val="dk2"/>
+    </dgm:fillClrLst>
+    <dgm:linClrLst meth="repeat">
+      <a:schemeClr val="lt2"/>
+    </dgm:linClrLst>
+    <dgm:effectClrLst/>
+    <dgm:txLinClrLst/>
+    <dgm:txFillClrLst/>
+    <dgm:txEffectClrLst/>
+  </dgm:styleLbl>
+  <dgm:styleLbl name="asst3">
+    <dgm:fillClrLst meth="repeat">
+      <a:schemeClr val="dk2"/>
+    </dgm:fillClrLst>
+    <dgm:linClrLst meth="repeat">
+      <a:schemeClr val="lt2"/>
+    </dgm:linClrLst>
+    <dgm:effectClrLst/>
+    <dgm:txLinClrLst/>
+    <dgm:txFillClrLst/>
+    <dgm:txEffectClrLst/>
+  </dgm:styleLbl>
+  <dgm:styleLbl name="asst4">
+    <dgm:fillClrLst meth="repeat">
+      <a:schemeClr val="dk2"/>
+    </dgm:fillClrLst>
+    <dgm:linClrLst meth="repeat">
+      <a:schemeClr val="lt2"/>
+    </dgm:linClrLst>
+    <dgm:effectClrLst/>
+    <dgm:txLinClrLst/>
+    <dgm:txFillClrLst/>
+    <dgm:txEffectClrLst/>
+  </dgm:styleLbl>
+  <dgm:styleLbl name="parChTrans2D1">
+    <dgm:fillClrLst meth="repeat">
+      <a:schemeClr val="dk2">
+        <a:tint val="60000"/>
+      </a:schemeClr>
+    </dgm:fillClrLst>
+    <dgm:linClrLst meth="repeat">
+      <a:schemeClr val="dk2">
+        <a:tint val="60000"/>
+      </a:schemeClr>
+    </dgm:linClrLst>
+    <dgm:effectClrLst/>
+    <dgm:txLinClrLst/>
+    <dgm:txFillClrLst meth="repeat">
+      <a:schemeClr val="lt2"/>
+    </dgm:txFillClrLst>
+    <dgm:txEffectClrLst/>
+  </dgm:styleLbl>
+  <dgm:styleLbl name="parChTrans2D2">
+    <dgm:fillClrLst meth="repeat">
+      <a:schemeClr val="dk2"/>
+    </dgm:fillClrLst>
+    <dgm:linClrLst meth="repeat">
+      <a:schemeClr val="dk2"/>
+    </dgm:linClrLst>
+    <dgm:effectClrLst/>
+    <dgm:txLinClrLst/>
+    <dgm:txFillClrLst meth="repeat">
+      <a:schemeClr val="lt2"/>
+    </dgm:txFillClrLst>
+    <dgm:txEffectClrLst/>
+  </dgm:styleLbl>
+  <dgm:styleLbl name="parChTrans2D3">
+    <dgm:fillClrLst meth="repeat">
+      <a:schemeClr val="dk2"/>
+    </dgm:fillClrLst>
+    <dgm:linClrLst meth="repeat">
+      <a:schemeClr val="dk2"/>
+    </dgm:linClrLst>
+    <dgm:effectClrLst/>
+    <dgm:txLinClrLst/>
+    <dgm:txFillClrLst meth="repeat">
+      <a:schemeClr val="lt2"/>
+    </dgm:txFillClrLst>
+    <dgm:txEffectClrLst/>
+  </dgm:styleLbl>
+  <dgm:styleLbl name="parChTrans2D4">
+    <dgm:fillClrLst meth="repeat">
+      <a:schemeClr val="dk2"/>
+    </dgm:fillClrLst>
+    <dgm:linClrLst meth="repeat">
+      <a:schemeClr val="dk2"/>
+    </dgm:linClrLst>
+    <dgm:effectClrLst/>
+    <dgm:txLinClrLst/>
+    <dgm:txFillClrLst meth="repeat">
+      <a:schemeClr val="lt2"/>
+    </dgm:txFillClrLst>
+    <dgm:txEffectClrLst/>
+  </dgm:styleLbl>
+  <dgm:styleLbl name="parChTrans1D1">
+    <dgm:fillClrLst meth="repeat">
+      <a:schemeClr val="dk2"/>
+    </dgm:fillClrLst>
+    <dgm:linClrLst meth="repeat">
+      <a:schemeClr val="dk2">
+        <a:shade val="60000"/>
+      </a:schemeClr>
+    </dgm:linClrLst>
+    <dgm:effectClrLst/>
+    <dgm:txLinClrLst/>
+    <dgm:txFillClrLst meth="repeat">
+      <a:schemeClr val="tx1"/>
+    </dgm:txFillClrLst>
+    <dgm:txEffectClrLst/>
+  </dgm:styleLbl>
+  <dgm:styleLbl name="parChTrans1D2">
+    <dgm:fillClrLst meth="repeat">
+      <a:schemeClr val="dk2"/>
+    </dgm:fillClrLst>
+    <dgm:linClrLst meth="repeat">
+      <a:schemeClr val="dk2">
+        <a:shade val="60000"/>
+      </a:schemeClr>
+    </dgm:linClrLst>
+    <dgm:effectClrLst/>
+    <dgm:txLinClrLst/>
+    <dgm:txFillClrLst meth="repeat">
+      <a:schemeClr val="tx1"/>
+    </dgm:txFillClrLst>
+    <dgm:txEffectClrLst/>
+  </dgm:styleLbl>
+  <dgm:styleLbl name="parChTrans1D3">
+    <dgm:fillClrLst meth="repeat">
+      <a:schemeClr val="dk2"/>
+    </dgm:fillClrLst>
+    <dgm:linClrLst meth="repeat">
+      <a:schemeClr val="dk2">
+        <a:shade val="80000"/>
+      </a:schemeClr>
+    </dgm:linClrLst>
+    <dgm:effectClrLst/>
+    <dgm:txLinClrLst/>
+    <dgm:txFillClrLst meth="repeat">
+      <a:schemeClr val="tx1"/>
+    </dgm:txFillClrLst>
+    <dgm:txEffectClrLst/>
+  </dgm:styleLbl>
+  <dgm:styleLbl name="parChTrans1D4">
+    <dgm:fillClrLst meth="repeat">
+      <a:schemeClr val="dk2"/>
+    </dgm:fillClrLst>
+    <dgm:linClrLst meth="repeat">
+      <a:schemeClr val="dk2">
+        <a:shade val="80000"/>
+      </a:schemeClr>
+    </dgm:linClrLst>
+    <dgm:effectClrLst/>
+    <dgm:txLinClrLst/>
+    <dgm:txFillClrLst meth="repeat">
+      <a:schemeClr val="tx1"/>
+    </dgm:txFillClrLst>
+    <dgm:txEffectClrLst/>
+  </dgm:styleLbl>
+  <dgm:styleLbl name="fgAcc1">
+    <dgm:fillClrLst meth="repeat">
+      <a:schemeClr val="lt2">
+        <a:alpha val="90000"/>
+      </a:schemeClr>
+    </dgm:fillClrLst>
+    <dgm:linClrLst meth="repeat">
+      <a:schemeClr val="dk2"/>
+    </dgm:linClrLst>
+    <dgm:effectClrLst/>
+    <dgm:txLinClrLst/>
+    <dgm:txFillClrLst meth="repeat">
+      <a:schemeClr val="dk1"/>
+    </dgm:txFillClrLst>
+    <dgm:txEffectClrLst/>
+  </dgm:styleLbl>
+  <dgm:styleLbl name="conFgAcc1">
+    <dgm:fillClrLst meth="repeat">
+      <a:schemeClr val="lt2">
+        <a:alpha val="90000"/>
+      </a:schemeClr>
+    </dgm:fillClrLst>
+    <dgm:linClrLst meth="repeat">
+      <a:schemeClr val="dk2"/>
+    </dgm:linClrLst>
+    <dgm:effectClrLst/>
+    <dgm:txLinClrLst/>
+    <dgm:txFillClrLst meth="repeat">
+      <a:schemeClr val="dk1"/>
+    </dgm:txFillClrLst>
+    <dgm:txEffectClrLst/>
+  </dgm:styleLbl>
+  <dgm:styleLbl name="alignAcc1">
+    <dgm:fillClrLst meth="repeat">
+      <a:schemeClr val="lt2">
+        <a:alpha val="90000"/>
+      </a:schemeClr>
+    </dgm:fillClrLst>
+    <dgm:linClrLst meth="repeat">
+      <a:schemeClr val="dk2"/>
+    </dgm:linClrLst>
+    <dgm:effectClrLst/>
+    <dgm:txLinClrLst/>
+    <dgm:txFillClrLst meth="repeat">
+      <a:schemeClr val="dk1"/>
+    </dgm:txFillClrLst>
+    <dgm:txEffectClrLst/>
+  </dgm:styleLbl>
+  <dgm:styleLbl name="trAlignAcc1">
+    <dgm:fillClrLst meth="repeat">
+      <a:schemeClr val="lt2">
+        <a:alpha val="40000"/>
+      </a:schemeClr>
+    </dgm:fillClrLst>
+    <dgm:linClrLst meth="repeat">
+      <a:schemeClr val="dk2"/>
+    </dgm:linClrLst>
+    <dgm:effectClrLst/>
+    <dgm:txLinClrLst/>
+    <dgm:txFillClrLst meth="repeat">
+      <a:schemeClr val="dk1"/>
+    </dgm:txFillClrLst>
+    <dgm:txEffectClrLst/>
+  </dgm:styleLbl>
+  <dgm:styleLbl name="bgAcc1">
+    <dgm:fillClrLst meth="repeat">
+      <a:schemeClr val="lt2">
+        <a:alpha val="90000"/>
+      </a:schemeClr>
+    </dgm:fillClrLst>
+    <dgm:linClrLst meth="repeat">
+      <a:schemeClr val="dk2"/>
+    </dgm:linClrLst>
+    <dgm:effectClrLst/>
+    <dgm:txLinClrLst/>
+    <dgm:txFillClrLst meth="repeat">
+      <a:schemeClr val="dk1"/>
+    </dgm:txFillClrLst>
+    <dgm:txEffectClrLst/>
+  </dgm:styleLbl>
+  <dgm:styleLbl name="solidFgAcc1">
+    <dgm:fillClrLst meth="repeat">
+      <a:schemeClr val="lt2"/>
+    </dgm:fillClrLst>
+    <dgm:linClrLst meth="repeat">
+      <a:schemeClr val="dk2"/>
+    </dgm:linClrLst>
+    <dgm:effectClrLst/>
+    <dgm:txLinClrLst/>
+    <dgm:txFillClrLst meth="repeat">
+      <a:schemeClr val="dk1"/>
+    </dgm:txFillClrLst>
+    <dgm:txEffectClrLst/>
+  </dgm:styleLbl>
+  <dgm:styleLbl name="solidAlignAcc1">
+    <dgm:fillClrLst meth="repeat">
+      <a:schemeClr val="lt2"/>
+    </dgm:fillClrLst>
+    <dgm:linClrLst meth="repeat">
+      <a:schemeClr val="dk2"/>
+    </dgm:linClrLst>
+    <dgm:effectClrLst/>
+    <dgm:txLinClrLst/>
+    <dgm:txFillClrLst meth="repeat">
+      <a:schemeClr val="dk1"/>
+    </dgm:txFillClrLst>
+    <dgm:txEffectClrLst/>
+  </dgm:styleLbl>
+  <dgm:styleLbl name="solidBgAcc1">
+    <dgm:fillClrLst meth="repeat">
+      <a:schemeClr val="lt2"/>
+    </dgm:fillClrLst>
+    <dgm:linClrLst meth="repeat">
+      <a:schemeClr val="dk2"/>
+    </dgm:linClrLst>
+    <dgm:effectClrLst/>
+    <dgm:txLinClrLst/>
+    <dgm:txFillClrLst meth="repeat">
+      <a:schemeClr val="dk1"/>
+    </dgm:txFillClrLst>
+    <dgm:txEffectClrLst/>
+  </dgm:styleLbl>
+  <dgm:styleLbl name="fgAccFollowNode1">
+    <dgm:fillClrLst meth="repeat">
+      <a:schemeClr val="dk2">
+        <a:alpha val="90000"/>
+        <a:tint val="40000"/>
+      </a:schemeClr>
+    </dgm:fillClrLst>
+    <dgm:linClrLst meth="repeat">
+      <a:schemeClr val="dk2">
+        <a:alpha val="90000"/>
+        <a:tint val="40000"/>
+      </a:schemeClr>
+    </dgm:linClrLst>
+    <dgm:effectClrLst/>
+    <dgm:txLinClrLst/>
+    <dgm:txFillClrLst meth="repeat">
+      <a:schemeClr val="dk1"/>
+    </dgm:txFillClrLst>
+    <dgm:txEffectClrLst/>
+  </dgm:styleLbl>
+  <dgm:styleLbl name="alignAccFollowNode1">
+    <dgm:fillClrLst meth="repeat">
+      <a:schemeClr val="dk2">
+        <a:alpha val="90000"/>
+        <a:tint val="40000"/>
+      </a:schemeClr>
+    </dgm:fillClrLst>
+    <dgm:linClrLst meth="repeat">
+      <a:schemeClr val="dk2">
+        <a:alpha val="90000"/>
+        <a:tint val="40000"/>
+      </a:schemeClr>
+    </dgm:linClrLst>
+    <dgm:effectClrLst/>
+    <dgm:txLinClrLst/>
+    <dgm:txFillClrLst meth="repeat">
+      <a:schemeClr val="dk1"/>
+    </dgm:txFillClrLst>
+    <dgm:txEffectClrLst/>
+  </dgm:styleLbl>
+  <dgm:styleLbl name="bgAccFollowNode1">
+    <dgm:fillClrLst meth="repeat">
+      <a:schemeClr val="dk2">
+        <a:alpha val="90000"/>
+        <a:tint val="40000"/>
+      </a:schemeClr>
+    </dgm:fillClrLst>
+    <dgm:linClrLst meth="repeat">
+      <a:schemeClr val="dk2">
+        <a:alpha val="90000"/>
+        <a:tint val="40000"/>
+      </a:schemeClr>
+    </dgm:linClrLst>
+    <dgm:effectClrLst/>
+    <dgm:txLinClrLst/>
+    <dgm:txFillClrLst meth="repeat">
+      <a:schemeClr val="dk1"/>
+    </dgm:txFillClrLst>
+    <dgm:txEffectClrLst/>
+  </dgm:styleLbl>
+  <dgm:styleLbl name="fgAcc0">
+    <dgm:fillClrLst meth="repeat">
+      <a:schemeClr val="lt2">
+        <a:alpha val="90000"/>
+      </a:schemeClr>
+    </dgm:fillClrLst>
+    <dgm:linClrLst meth="repeat">
+      <a:schemeClr val="dk2"/>
+    </dgm:linClrLst>
+    <dgm:effectClrLst/>
+    <dgm:txLinClrLst/>
+    <dgm:txFillClrLst meth="repeat">
+      <a:schemeClr val="dk1"/>
+    </dgm:txFillClrLst>
+    <dgm:txEffectClrLst/>
+  </dgm:styleLbl>
+  <dgm:styleLbl name="fgAcc2">
+    <dgm:fillClrLst meth="repeat">
+      <a:schemeClr val="lt2">
+        <a:alpha val="90000"/>
+      </a:schemeClr>
+    </dgm:fillClrLst>
+    <dgm:linClrLst meth="repeat">
+      <a:schemeClr val="dk2"/>
+    </dgm:linClrLst>
+    <dgm:effectClrLst/>
+    <dgm:txLinClrLst/>
+    <dgm:txFillClrLst meth="repeat">
+      <a:schemeClr val="dk1"/>
+    </dgm:txFillClrLst>
+    <dgm:txEffectClrLst/>
+  </dgm:styleLbl>
+  <dgm:styleLbl name="fgAcc3">
+    <dgm:fillClrLst meth="repeat">
+      <a:schemeClr val="lt2">
+        <a:alpha val="90000"/>
+      </a:schemeClr>
+    </dgm:fillClrLst>
+    <dgm:linClrLst meth="repeat">
+      <a:schemeClr val="dk2"/>
+    </dgm:linClrLst>
+    <dgm:effectClrLst/>
+    <dgm:txLinClrLst/>
+    <dgm:txFillClrLst meth="repeat">
+      <a:schemeClr val="dk1"/>
+    </dgm:txFillClrLst>
+    <dgm:txEffectClrLst/>
+  </dgm:styleLbl>
+  <dgm:styleLbl name="fgAcc4">
+    <dgm:fillClrLst meth="repeat">
+      <a:schemeClr val="lt2">
+        <a:alpha val="90000"/>
+      </a:schemeClr>
+    </dgm:fillClrLst>
+    <dgm:linClrLst meth="repeat">
+      <a:schemeClr val="dk2"/>
+    </dgm:linClrLst>
+    <dgm:effectClrLst/>
+    <dgm:txLinClrLst/>
+    <dgm:txFillClrLst meth="repeat">
+      <a:schemeClr val="dk1"/>
+    </dgm:txFillClrLst>
+    <dgm:txEffectClrLst/>
+  </dgm:styleLbl>
+  <dgm:styleLbl name="bgShp">
+    <dgm:fillClrLst meth="repeat">
+      <a:schemeClr val="dk2"/>
+    </dgm:fillClrLst>
+    <dgm:linClrLst meth="repeat">
+      <a:schemeClr val="lt2">
+        <a:alpha val="0"/>
+      </a:schemeClr>
+    </dgm:linClrLst>
+    <dgm:effectClrLst/>
+    <dgm:txLinClrLst/>
+    <dgm:txFillClrLst/>
+    <dgm:txEffectClrLst/>
+  </dgm:styleLbl>
+  <dgm:styleLbl name="dkBgShp">
+    <dgm:fillClrLst meth="repeat">
+      <a:schemeClr val="dk2">
+        <a:shade val="80000"/>
+      </a:schemeClr>
+    </dgm:fillClrLst>
+    <dgm:linClrLst meth="repeat">
+      <a:schemeClr val="dk2"/>
+    </dgm:linClrLst>
+    <dgm:effectClrLst/>
+    <dgm:txLinClrLst/>
+    <dgm:txFillClrLst meth="repeat">
+      <a:schemeClr val="lt1"/>
+    </dgm:txFillClrLst>
+    <dgm:txEffectClrLst/>
+  </dgm:styleLbl>
+  <dgm:styleLbl name="trBgShp">
+    <dgm:fillClrLst meth="repeat">
+      <a:schemeClr val="dk2">
+        <a:tint val="50000"/>
+        <a:alpha val="40000"/>
+      </a:schemeClr>
+    </dgm:fillClrLst>
+    <dgm:linClrLst meth="repeat">
+      <a:schemeClr val="dk2"/>
+    </dgm:linClrLst>
+    <dgm:effectClrLst/>
+    <dgm:txLinClrLst/>
+    <dgm:txFillClrLst meth="repeat">
+      <a:schemeClr val="lt1"/>
+    </dgm:txFillClrLst>
+    <dgm:txEffectClrLst/>
+  </dgm:styleLbl>
+  <dgm:styleLbl name="fgShp">
+    <dgm:fillClrLst meth="repeat">
+      <a:schemeClr val="dk2">
+        <a:tint val="60000"/>
+      </a:schemeClr>
+    </dgm:fillClrLst>
+    <dgm:linClrLst meth="repeat">
+      <a:schemeClr val="lt2"/>
+    </dgm:linClrLst>
+    <dgm:effectClrLst/>
+    <dgm:txLinClrLst/>
+    <dgm:txFillClrLst meth="repeat">
+      <a:schemeClr val="dk1"/>
+    </dgm:txFillClrLst>
+    <dgm:txEffectClrLst/>
+  </dgm:styleLbl>
+  <dgm:styleLbl name="revTx">
+    <dgm:fillClrLst meth="repeat">
+      <a:schemeClr val="lt2">
+        <a:alpha val="0"/>
+      </a:schemeClr>
+    </dgm:fillClrLst>
+    <dgm:linClrLst meth="repeat">
+      <a:schemeClr val="dk1">
+        <a:alpha val="0"/>
+      </a:schemeClr>
+    </dgm:linClrLst>
+    <dgm:effectClrLst/>
+    <dgm:txLinClrLst/>
+    <dgm:txFillClrLst meth="repeat">
+      <a:schemeClr val="tx1"/>
+    </dgm:txFillClrLst>
+    <dgm:txEffectClrLst/>
+  </dgm:styleLbl>
+</dgm:colorsDef>
+</file>
+
+<file path=ppt/diagrams/colors2.xml><?xml version="1.0" encoding="utf-8"?>
 <dgm:colorsDef xmlns:dgm="http://schemas.openxmlformats.org/drawingml/2006/diagram" xmlns:a="http://schemas.openxmlformats.org/drawingml/2006/main" uniqueId="urn:microsoft.com/office/officeart/2018/5/colors/Iconchunking_neutralbg_colorful1">
   <dgm:title val=""/>
   <dgm:desc val=""/>
@@ -2584,7 +3472,7 @@
 </dgm:colorsDef>
 </file>
 
-<file path=ppt/diagrams/colors2.xml><?xml version="1.0" encoding="utf-8"?>
+<file path=ppt/diagrams/colors3.xml><?xml version="1.0" encoding="utf-8"?>
 <dgm:colorsDef xmlns:dgm="http://schemas.openxmlformats.org/drawingml/2006/diagram" xmlns:a="http://schemas.openxmlformats.org/drawingml/2006/main" uniqueId="urn:microsoft.com/office/officeart/2005/8/colors/colorful2">
   <dgm:title val=""/>
   <dgm:desc val=""/>
@@ -3366,7 +4254,7 @@
 </dgm:colorsDef>
 </file>
 
-<file path=ppt/diagrams/colors3.xml><?xml version="1.0" encoding="utf-8"?>
+<file path=ppt/diagrams/colors4.xml><?xml version="1.0" encoding="utf-8"?>
 <dgm:colorsDef xmlns:dgm="http://schemas.openxmlformats.org/drawingml/2006/diagram" xmlns:a="http://schemas.openxmlformats.org/drawingml/2006/main" uniqueId="urn:microsoft.com/office/officeart/2005/8/colors/colorful2">
   <dgm:title val=""/>
   <dgm:desc val=""/>
@@ -4148,7 +5036,7 @@
 </dgm:colorsDef>
 </file>
 
-<file path=ppt/diagrams/colors4.xml><?xml version="1.0" encoding="utf-8"?>
+<file path=ppt/diagrams/colors5.xml><?xml version="1.0" encoding="utf-8"?>
 <dgm:colorsDef xmlns:dgm="http://schemas.openxmlformats.org/drawingml/2006/diagram" xmlns:a="http://schemas.openxmlformats.org/drawingml/2006/main" uniqueId="urn:microsoft.com/office/officeart/2018/5/colors/Iconchunking_neutralicon_accent0_3">
   <dgm:title val=""/>
   <dgm:desc val=""/>
@@ -4902,6 +5790,238 @@
 </file>
 
 <file path=ppt/diagrams/data1.xml><?xml version="1.0" encoding="utf-8"?>
+<dgm:dataModel xmlns:dgm="http://schemas.openxmlformats.org/drawingml/2006/diagram" xmlns:a="http://schemas.openxmlformats.org/drawingml/2006/main">
+  <dgm:ptLst>
+    <dgm:pt modelId="{F4D3766F-6FAE-4247-AFE2-F4EEEC694A09}" type="doc">
+      <dgm:prSet loTypeId="urn:microsoft.com/office/officeart/2018/5/layout/IconCircleLabelList" loCatId="icon" qsTypeId="urn:microsoft.com/office/officeart/2005/8/quickstyle/simple1" qsCatId="simple" csTypeId="urn:microsoft.com/office/officeart/2018/5/colors/Iconchunking_neutralicon_accent0_3" csCatId="mainScheme" phldr="1"/>
+      <dgm:spPr/>
+      <dgm:t>
+        <a:bodyPr/>
+        <a:lstStyle/>
+        <a:p>
+          <a:endParaRPr lang="en-US"/>
+        </a:p>
+      </dgm:t>
+    </dgm:pt>
+    <dgm:pt modelId="{38F79382-0FD9-44DB-B2F3-D06152EE323A}">
+      <dgm:prSet/>
+      <dgm:spPr/>
+      <dgm:t>
+        <a:bodyPr/>
+        <a:lstStyle/>
+        <a:p>
+          <a:pPr>
+            <a:defRPr cap="all"/>
+          </a:pPr>
+          <a:r>
+            <a:rPr lang="en-US"/>
+            <a:t>Alerts despite of unreliable or poor internet connection</a:t>
+          </a:r>
+        </a:p>
+      </dgm:t>
+    </dgm:pt>
+    <dgm:pt modelId="{2DC90331-AE6B-4144-BC41-08489D3F3CCF}" type="parTrans" cxnId="{4B053C30-CB9A-45AF-A1EC-B1F67530260B}">
+      <dgm:prSet/>
+      <dgm:spPr/>
+      <dgm:t>
+        <a:bodyPr/>
+        <a:lstStyle/>
+        <a:p>
+          <a:endParaRPr lang="en-US"/>
+        </a:p>
+      </dgm:t>
+    </dgm:pt>
+    <dgm:pt modelId="{7302363F-0877-49CF-AB4F-B519E50F3169}" type="sibTrans" cxnId="{4B053C30-CB9A-45AF-A1EC-B1F67530260B}">
+      <dgm:prSet/>
+      <dgm:spPr/>
+      <dgm:t>
+        <a:bodyPr/>
+        <a:lstStyle/>
+        <a:p>
+          <a:endParaRPr lang="en-US"/>
+        </a:p>
+      </dgm:t>
+    </dgm:pt>
+    <dgm:pt modelId="{EBE66CF5-3DB1-4586-ABAE-52AFD0B13DB3}">
+      <dgm:prSet/>
+      <dgm:spPr/>
+      <dgm:t>
+        <a:bodyPr/>
+        <a:lstStyle/>
+        <a:p>
+          <a:pPr>
+            <a:defRPr cap="all"/>
+          </a:pPr>
+          <a:r>
+            <a:rPr lang="en-US"/>
+            <a:t>Provides information in a clear and concise manner</a:t>
+          </a:r>
+        </a:p>
+      </dgm:t>
+    </dgm:pt>
+    <dgm:pt modelId="{7EBE5ADF-B917-4B26-8815-DD734A62D32F}" type="parTrans" cxnId="{AC5D49BB-45FF-4781-B0D2-5518EC554C66}">
+      <dgm:prSet/>
+      <dgm:spPr/>
+      <dgm:t>
+        <a:bodyPr/>
+        <a:lstStyle/>
+        <a:p>
+          <a:endParaRPr lang="en-US"/>
+        </a:p>
+      </dgm:t>
+    </dgm:pt>
+    <dgm:pt modelId="{6A37FB95-B8C8-447E-A12B-277CA1E37222}" type="sibTrans" cxnId="{AC5D49BB-45FF-4781-B0D2-5518EC554C66}">
+      <dgm:prSet/>
+      <dgm:spPr/>
+      <dgm:t>
+        <a:bodyPr/>
+        <a:lstStyle/>
+        <a:p>
+          <a:endParaRPr lang="en-US"/>
+        </a:p>
+      </dgm:t>
+    </dgm:pt>
+    <dgm:pt modelId="{F84583C0-4F94-4224-9B78-17E1DF2D43AC}" type="pres">
+      <dgm:prSet presAssocID="{F4D3766F-6FAE-4247-AFE2-F4EEEC694A09}" presName="root" presStyleCnt="0">
+        <dgm:presLayoutVars>
+          <dgm:dir/>
+          <dgm:resizeHandles val="exact"/>
+        </dgm:presLayoutVars>
+      </dgm:prSet>
+      <dgm:spPr/>
+    </dgm:pt>
+    <dgm:pt modelId="{FE5B2CA4-07B6-40FC-B1CA-B81186D99A96}" type="pres">
+      <dgm:prSet presAssocID="{38F79382-0FD9-44DB-B2F3-D06152EE323A}" presName="compNode" presStyleCnt="0"/>
+      <dgm:spPr/>
+    </dgm:pt>
+    <dgm:pt modelId="{44F59C01-1CF8-42BC-AB5C-D739D9F40E1E}" type="pres">
+      <dgm:prSet presAssocID="{38F79382-0FD9-44DB-B2F3-D06152EE323A}" presName="iconBgRect" presStyleLbl="bgShp" presStyleIdx="0" presStyleCnt="2"/>
+      <dgm:spPr/>
+    </dgm:pt>
+    <dgm:pt modelId="{3394D891-8E8D-4725-ACBE-49EB32437434}" type="pres">
+      <dgm:prSet presAssocID="{38F79382-0FD9-44DB-B2F3-D06152EE323A}" presName="iconRect" presStyleLbl="node1" presStyleIdx="0" presStyleCnt="2"/>
+      <dgm:spPr>
+        <a:blipFill>
+          <a:blip xmlns:r="http://schemas.openxmlformats.org/officeDocument/2006/relationships" r:embed="rId1">
+            <a:extLst>
+              <a:ext uri="{28A0092B-C50C-407E-A947-70E740481C1C}">
+                <a14:useLocalDpi xmlns:a14="http://schemas.microsoft.com/office/drawing/2010/main" val="0"/>
+              </a:ext>
+              <a:ext uri="{96DAC541-7B7A-43D3-8B79-37D633B846F1}">
+                <asvg:svgBlip xmlns:asvg="http://schemas.microsoft.com/office/drawing/2016/SVG/main" r:embed="rId2"/>
+              </a:ext>
+            </a:extLst>
+          </a:blip>
+          <a:stretch>
+            <a:fillRect/>
+          </a:stretch>
+        </a:blipFill>
+        <a:ln>
+          <a:noFill/>
+        </a:ln>
+      </dgm:spPr>
+      <dgm:extLst>
+        <a:ext uri="{E40237B7-FDA0-4F09-8148-C483321AD2D9}">
+          <dgm14:cNvPr xmlns:dgm14="http://schemas.microsoft.com/office/drawing/2010/diagram" id="0" name="" descr="Warning"/>
+        </a:ext>
+      </dgm:extLst>
+    </dgm:pt>
+    <dgm:pt modelId="{C5B2331F-3561-40FE-AF4A-366D52E99C68}" type="pres">
+      <dgm:prSet presAssocID="{38F79382-0FD9-44DB-B2F3-D06152EE323A}" presName="spaceRect" presStyleCnt="0"/>
+      <dgm:spPr/>
+    </dgm:pt>
+    <dgm:pt modelId="{3A24C8CE-CBD2-4F74-AA41-F0BE08A9D0CD}" type="pres">
+      <dgm:prSet presAssocID="{38F79382-0FD9-44DB-B2F3-D06152EE323A}" presName="textRect" presStyleLbl="revTx" presStyleIdx="0" presStyleCnt="2">
+        <dgm:presLayoutVars>
+          <dgm:chMax val="1"/>
+          <dgm:chPref val="1"/>
+        </dgm:presLayoutVars>
+      </dgm:prSet>
+      <dgm:spPr/>
+    </dgm:pt>
+    <dgm:pt modelId="{695EB372-51FE-4CF8-AED8-343A7480F267}" type="pres">
+      <dgm:prSet presAssocID="{7302363F-0877-49CF-AB4F-B519E50F3169}" presName="sibTrans" presStyleCnt="0"/>
+      <dgm:spPr/>
+    </dgm:pt>
+    <dgm:pt modelId="{4D450BBA-A10F-4368-8559-6A8E69EB3994}" type="pres">
+      <dgm:prSet presAssocID="{EBE66CF5-3DB1-4586-ABAE-52AFD0B13DB3}" presName="compNode" presStyleCnt="0"/>
+      <dgm:spPr/>
+    </dgm:pt>
+    <dgm:pt modelId="{80DFE500-4740-42C5-9E9B-B5C11A615ACE}" type="pres">
+      <dgm:prSet presAssocID="{EBE66CF5-3DB1-4586-ABAE-52AFD0B13DB3}" presName="iconBgRect" presStyleLbl="bgShp" presStyleIdx="1" presStyleCnt="2"/>
+      <dgm:spPr/>
+    </dgm:pt>
+    <dgm:pt modelId="{BDCA849C-312C-4E63-9263-7F5D8FD51022}" type="pres">
+      <dgm:prSet presAssocID="{EBE66CF5-3DB1-4586-ABAE-52AFD0B13DB3}" presName="iconRect" presStyleLbl="node1" presStyleIdx="1" presStyleCnt="2"/>
+      <dgm:spPr>
+        <a:blipFill>
+          <a:blip xmlns:r="http://schemas.openxmlformats.org/officeDocument/2006/relationships" r:embed="rId3">
+            <a:extLst>
+              <a:ext uri="{28A0092B-C50C-407E-A947-70E740481C1C}">
+                <a14:useLocalDpi xmlns:a14="http://schemas.microsoft.com/office/drawing/2010/main" val="0"/>
+              </a:ext>
+              <a:ext uri="{96DAC541-7B7A-43D3-8B79-37D633B846F1}">
+                <asvg:svgBlip xmlns:asvg="http://schemas.microsoft.com/office/drawing/2016/SVG/main" r:embed="rId4"/>
+              </a:ext>
+            </a:extLst>
+          </a:blip>
+          <a:stretch>
+            <a:fillRect/>
+          </a:stretch>
+        </a:blipFill>
+        <a:ln>
+          <a:noFill/>
+        </a:ln>
+      </dgm:spPr>
+      <dgm:extLst>
+        <a:ext uri="{E40237B7-FDA0-4F09-8148-C483321AD2D9}">
+          <dgm14:cNvPr xmlns:dgm14="http://schemas.microsoft.com/office/drawing/2010/diagram" id="0" name="" descr="Team"/>
+        </a:ext>
+      </dgm:extLst>
+    </dgm:pt>
+    <dgm:pt modelId="{83F3BBF7-5CA1-4405-BC44-2E13DE87F83C}" type="pres">
+      <dgm:prSet presAssocID="{EBE66CF5-3DB1-4586-ABAE-52AFD0B13DB3}" presName="spaceRect" presStyleCnt="0"/>
+      <dgm:spPr/>
+    </dgm:pt>
+    <dgm:pt modelId="{153664A8-93D8-4A76-A239-4C21F7D43AC6}" type="pres">
+      <dgm:prSet presAssocID="{EBE66CF5-3DB1-4586-ABAE-52AFD0B13DB3}" presName="textRect" presStyleLbl="revTx" presStyleIdx="1" presStyleCnt="2">
+        <dgm:presLayoutVars>
+          <dgm:chMax val="1"/>
+          <dgm:chPref val="1"/>
+        </dgm:presLayoutVars>
+      </dgm:prSet>
+      <dgm:spPr/>
+    </dgm:pt>
+  </dgm:ptLst>
+  <dgm:cxnLst>
+    <dgm:cxn modelId="{F0FD6E00-1FAF-4595-B169-EF6D93CB6750}" type="presOf" srcId="{EBE66CF5-3DB1-4586-ABAE-52AFD0B13DB3}" destId="{153664A8-93D8-4A76-A239-4C21F7D43AC6}" srcOrd="0" destOrd="0" presId="urn:microsoft.com/office/officeart/2018/5/layout/IconCircleLabelList"/>
+    <dgm:cxn modelId="{4B053C30-CB9A-45AF-A1EC-B1F67530260B}" srcId="{F4D3766F-6FAE-4247-AFE2-F4EEEC694A09}" destId="{38F79382-0FD9-44DB-B2F3-D06152EE323A}" srcOrd="0" destOrd="0" parTransId="{2DC90331-AE6B-4144-BC41-08489D3F3CCF}" sibTransId="{7302363F-0877-49CF-AB4F-B519E50F3169}"/>
+    <dgm:cxn modelId="{352C2A4A-859F-470B-A55D-895A80DD02F9}" type="presOf" srcId="{38F79382-0FD9-44DB-B2F3-D06152EE323A}" destId="{3A24C8CE-CBD2-4F74-AA41-F0BE08A9D0CD}" srcOrd="0" destOrd="0" presId="urn:microsoft.com/office/officeart/2018/5/layout/IconCircleLabelList"/>
+    <dgm:cxn modelId="{AC5D49BB-45FF-4781-B0D2-5518EC554C66}" srcId="{F4D3766F-6FAE-4247-AFE2-F4EEEC694A09}" destId="{EBE66CF5-3DB1-4586-ABAE-52AFD0B13DB3}" srcOrd="1" destOrd="0" parTransId="{7EBE5ADF-B917-4B26-8815-DD734A62D32F}" sibTransId="{6A37FB95-B8C8-447E-A12B-277CA1E37222}"/>
+    <dgm:cxn modelId="{7EAC13DB-6808-4B14-9E95-FFF4504381C3}" type="presOf" srcId="{F4D3766F-6FAE-4247-AFE2-F4EEEC694A09}" destId="{F84583C0-4F94-4224-9B78-17E1DF2D43AC}" srcOrd="0" destOrd="0" presId="urn:microsoft.com/office/officeart/2018/5/layout/IconCircleLabelList"/>
+    <dgm:cxn modelId="{880A6B4A-77DC-499C-8B59-1912882E7F7A}" type="presParOf" srcId="{F84583C0-4F94-4224-9B78-17E1DF2D43AC}" destId="{FE5B2CA4-07B6-40FC-B1CA-B81186D99A96}" srcOrd="0" destOrd="0" presId="urn:microsoft.com/office/officeart/2018/5/layout/IconCircleLabelList"/>
+    <dgm:cxn modelId="{419B7B5C-8EE2-4C29-9731-A797F88CDCBE}" type="presParOf" srcId="{FE5B2CA4-07B6-40FC-B1CA-B81186D99A96}" destId="{44F59C01-1CF8-42BC-AB5C-D739D9F40E1E}" srcOrd="0" destOrd="0" presId="urn:microsoft.com/office/officeart/2018/5/layout/IconCircleLabelList"/>
+    <dgm:cxn modelId="{3C1F4908-3476-4443-8AA8-4D5A7DCD30C3}" type="presParOf" srcId="{FE5B2CA4-07B6-40FC-B1CA-B81186D99A96}" destId="{3394D891-8E8D-4725-ACBE-49EB32437434}" srcOrd="1" destOrd="0" presId="urn:microsoft.com/office/officeart/2018/5/layout/IconCircleLabelList"/>
+    <dgm:cxn modelId="{D4DA7AEE-FA77-4861-8652-306C16C646FB}" type="presParOf" srcId="{FE5B2CA4-07B6-40FC-B1CA-B81186D99A96}" destId="{C5B2331F-3561-40FE-AF4A-366D52E99C68}" srcOrd="2" destOrd="0" presId="urn:microsoft.com/office/officeart/2018/5/layout/IconCircleLabelList"/>
+    <dgm:cxn modelId="{18AD5106-4567-4DA3-9C6C-69C567141FE1}" type="presParOf" srcId="{FE5B2CA4-07B6-40FC-B1CA-B81186D99A96}" destId="{3A24C8CE-CBD2-4F74-AA41-F0BE08A9D0CD}" srcOrd="3" destOrd="0" presId="urn:microsoft.com/office/officeart/2018/5/layout/IconCircleLabelList"/>
+    <dgm:cxn modelId="{3328646F-7788-46E6-A2B7-FDA9AA10110B}" type="presParOf" srcId="{F84583C0-4F94-4224-9B78-17E1DF2D43AC}" destId="{695EB372-51FE-4CF8-AED8-343A7480F267}" srcOrd="1" destOrd="0" presId="urn:microsoft.com/office/officeart/2018/5/layout/IconCircleLabelList"/>
+    <dgm:cxn modelId="{2D147BA6-F1D6-45BD-8391-3A52FE69A8E2}" type="presParOf" srcId="{F84583C0-4F94-4224-9B78-17E1DF2D43AC}" destId="{4D450BBA-A10F-4368-8559-6A8E69EB3994}" srcOrd="2" destOrd="0" presId="urn:microsoft.com/office/officeart/2018/5/layout/IconCircleLabelList"/>
+    <dgm:cxn modelId="{1370E25F-94CA-40A0-A571-BA6740FA01CB}" type="presParOf" srcId="{4D450BBA-A10F-4368-8559-6A8E69EB3994}" destId="{80DFE500-4740-42C5-9E9B-B5C11A615ACE}" srcOrd="0" destOrd="0" presId="urn:microsoft.com/office/officeart/2018/5/layout/IconCircleLabelList"/>
+    <dgm:cxn modelId="{584A4B18-805C-4872-929A-456DBB94A106}" type="presParOf" srcId="{4D450BBA-A10F-4368-8559-6A8E69EB3994}" destId="{BDCA849C-312C-4E63-9263-7F5D8FD51022}" srcOrd="1" destOrd="0" presId="urn:microsoft.com/office/officeart/2018/5/layout/IconCircleLabelList"/>
+    <dgm:cxn modelId="{083EE471-DE80-424E-84BA-95751BDBA250}" type="presParOf" srcId="{4D450BBA-A10F-4368-8559-6A8E69EB3994}" destId="{83F3BBF7-5CA1-4405-BC44-2E13DE87F83C}" srcOrd="2" destOrd="0" presId="urn:microsoft.com/office/officeart/2018/5/layout/IconCircleLabelList"/>
+    <dgm:cxn modelId="{7B84D5FD-0F7D-41AD-A254-FA3EA79D95BF}" type="presParOf" srcId="{4D450BBA-A10F-4368-8559-6A8E69EB3994}" destId="{153664A8-93D8-4A76-A239-4C21F7D43AC6}" srcOrd="3" destOrd="0" presId="urn:microsoft.com/office/officeart/2018/5/layout/IconCircleLabelList"/>
+  </dgm:cxnLst>
+  <dgm:bg/>
+  <dgm:whole/>
+  <dgm:extLst>
+    <a:ext uri="http://schemas.microsoft.com/office/drawing/2008/diagram">
+      <dsp:dataModelExt xmlns:dsp="http://schemas.microsoft.com/office/drawing/2008/diagram" relId="rId6" minVer="http://schemas.openxmlformats.org/drawingml/2006/diagram"/>
+    </a:ext>
+  </dgm:extLst>
+</dgm:dataModel>
+</file>
+
+<file path=ppt/diagrams/data2.xml><?xml version="1.0" encoding="utf-8"?>
 <dgm:dataModel xmlns:dgm="http://schemas.openxmlformats.org/drawingml/2006/diagram" xmlns:a="http://schemas.openxmlformats.org/drawingml/2006/main">
   <dgm:ptLst>
     <dgm:pt modelId="{BC12768B-00BB-47E6-8D1C-937B17357801}" type="doc">
@@ -5531,7 +6651,7 @@
 </dgm:dataModel>
 </file>
 
-<file path=ppt/diagrams/data2.xml><?xml version="1.0" encoding="utf-8"?>
+<file path=ppt/diagrams/data3.xml><?xml version="1.0" encoding="utf-8"?>
 <dgm:dataModel xmlns:dgm="http://schemas.openxmlformats.org/drawingml/2006/diagram" xmlns:a="http://schemas.openxmlformats.org/drawingml/2006/main">
   <dgm:ptLst>
     <dgm:pt modelId="{C07FF388-1641-4A38-A351-6D9319E44000}" type="doc">
@@ -5730,7 +6850,7 @@
 </dgm:dataModel>
 </file>
 
-<file path=ppt/diagrams/data3.xml><?xml version="1.0" encoding="utf-8"?>
+<file path=ppt/diagrams/data4.xml><?xml version="1.0" encoding="utf-8"?>
 <dgm:dataModel xmlns:dgm="http://schemas.openxmlformats.org/drawingml/2006/diagram" xmlns:a="http://schemas.openxmlformats.org/drawingml/2006/main">
   <dgm:ptLst>
     <dgm:pt modelId="{C07FF388-1641-4A38-A351-6D9319E44000}" type="doc">
@@ -6037,7 +7157,7 @@
 </dgm:dataModel>
 </file>
 
-<file path=ppt/diagrams/data4.xml><?xml version="1.0" encoding="utf-8"?>
+<file path=ppt/diagrams/data5.xml><?xml version="1.0" encoding="utf-8"?>
 <dgm:dataModel xmlns:dgm="http://schemas.openxmlformats.org/drawingml/2006/diagram" xmlns:a="http://schemas.openxmlformats.org/drawingml/2006/main">
   <dgm:ptLst>
     <dgm:pt modelId="{508CE08B-5241-437C-87DC-F1BFDFA35342}" type="doc">
@@ -6379,6 +7499,318 @@
 </file>
 
 <file path=ppt/diagrams/drawing1.xml><?xml version="1.0" encoding="utf-8"?>
+<dsp:drawing xmlns:dgm="http://schemas.openxmlformats.org/drawingml/2006/diagram" xmlns:dsp="http://schemas.microsoft.com/office/drawing/2008/diagram" xmlns:a="http://schemas.openxmlformats.org/drawingml/2006/main">
+  <dsp:spTree>
+    <dsp:nvGrpSpPr>
+      <dsp:cNvPr id="0" name=""/>
+      <dsp:cNvGrpSpPr/>
+    </dsp:nvGrpSpPr>
+    <dsp:grpSpPr/>
+    <dsp:sp modelId="{44F59C01-1CF8-42BC-AB5C-D739D9F40E1E}">
+      <dsp:nvSpPr>
+        <dsp:cNvPr id="0" name=""/>
+        <dsp:cNvSpPr/>
+      </dsp:nvSpPr>
+      <dsp:spPr>
+        <a:xfrm>
+          <a:off x="596036" y="1390212"/>
+          <a:ext cx="1818562" cy="1818562"/>
+        </a:xfrm>
+        <a:prstGeom prst="ellipse">
+          <a:avLst/>
+        </a:prstGeom>
+        <a:solidFill>
+          <a:schemeClr val="dk2">
+            <a:hueOff val="0"/>
+            <a:satOff val="0"/>
+            <a:lumOff val="0"/>
+            <a:alphaOff val="0"/>
+          </a:schemeClr>
+        </a:solidFill>
+        <a:ln>
+          <a:noFill/>
+        </a:ln>
+        <a:effectLst/>
+      </dsp:spPr>
+      <dsp:style>
+        <a:lnRef idx="0">
+          <a:scrgbClr r="0" g="0" b="0"/>
+        </a:lnRef>
+        <a:fillRef idx="1">
+          <a:scrgbClr r="0" g="0" b="0"/>
+        </a:fillRef>
+        <a:effectRef idx="0">
+          <a:scrgbClr r="0" g="0" b="0"/>
+        </a:effectRef>
+        <a:fontRef idx="minor"/>
+      </dsp:style>
+    </dsp:sp>
+    <dsp:sp modelId="{3394D891-8E8D-4725-ACBE-49EB32437434}">
+      <dsp:nvSpPr>
+        <dsp:cNvPr id="0" name=""/>
+        <dsp:cNvSpPr/>
+      </dsp:nvSpPr>
+      <dsp:spPr>
+        <a:xfrm>
+          <a:off x="983598" y="1777775"/>
+          <a:ext cx="1043437" cy="1043437"/>
+        </a:xfrm>
+        <a:prstGeom prst="rect">
+          <a:avLst/>
+        </a:prstGeom>
+        <a:blipFill>
+          <a:blip xmlns:r="http://schemas.openxmlformats.org/officeDocument/2006/relationships" r:embed="rId1">
+            <a:extLst>
+              <a:ext uri="{28A0092B-C50C-407E-A947-70E740481C1C}">
+                <a14:useLocalDpi xmlns:a14="http://schemas.microsoft.com/office/drawing/2010/main" val="0"/>
+              </a:ext>
+              <a:ext uri="{96DAC541-7B7A-43D3-8B79-37D633B846F1}">
+                <asvg:svgBlip xmlns:asvg="http://schemas.microsoft.com/office/drawing/2016/SVG/main" r:embed="rId2"/>
+              </a:ext>
+            </a:extLst>
+          </a:blip>
+          <a:stretch>
+            <a:fillRect/>
+          </a:stretch>
+        </a:blipFill>
+        <a:ln w="12700" cap="flat" cmpd="sng" algn="ctr">
+          <a:noFill/>
+          <a:prstDash val="solid"/>
+          <a:miter lim="800000"/>
+        </a:ln>
+        <a:effectLst/>
+      </dsp:spPr>
+      <dsp:style>
+        <a:lnRef idx="2">
+          <a:scrgbClr r="0" g="0" b="0"/>
+        </a:lnRef>
+        <a:fillRef idx="1">
+          <a:scrgbClr r="0" g="0" b="0"/>
+        </a:fillRef>
+        <a:effectRef idx="0">
+          <a:scrgbClr r="0" g="0" b="0"/>
+        </a:effectRef>
+        <a:fontRef idx="minor">
+          <a:schemeClr val="lt1"/>
+        </a:fontRef>
+      </dsp:style>
+    </dsp:sp>
+    <dsp:sp modelId="{3A24C8CE-CBD2-4F74-AA41-F0BE08A9D0CD}">
+      <dsp:nvSpPr>
+        <dsp:cNvPr id="0" name=""/>
+        <dsp:cNvSpPr/>
+      </dsp:nvSpPr>
+      <dsp:spPr>
+        <a:xfrm>
+          <a:off x="14692" y="3775213"/>
+          <a:ext cx="2981250" cy="720000"/>
+        </a:xfrm>
+        <a:prstGeom prst="rect">
+          <a:avLst/>
+        </a:prstGeom>
+        <a:noFill/>
+        <a:ln>
+          <a:noFill/>
+        </a:ln>
+        <a:effectLst/>
+      </dsp:spPr>
+      <dsp:style>
+        <a:lnRef idx="0">
+          <a:scrgbClr r="0" g="0" b="0"/>
+        </a:lnRef>
+        <a:fillRef idx="0">
+          <a:scrgbClr r="0" g="0" b="0"/>
+        </a:fillRef>
+        <a:effectRef idx="0">
+          <a:scrgbClr r="0" g="0" b="0"/>
+        </a:effectRef>
+        <a:fontRef idx="minor"/>
+      </dsp:style>
+      <dsp:txBody>
+        <a:bodyPr spcFirstLastPara="0" vert="horz" wrap="square" lIns="0" tIns="0" rIns="0" bIns="0" numCol="1" spcCol="1270" anchor="t" anchorCtr="0">
+          <a:noAutofit/>
+        </a:bodyPr>
+        <a:lstStyle/>
+        <a:p>
+          <a:pPr marL="0" lvl="0" indent="0" algn="ctr" defTabSz="755650">
+            <a:lnSpc>
+              <a:spcPct val="90000"/>
+            </a:lnSpc>
+            <a:spcBef>
+              <a:spcPct val="0"/>
+            </a:spcBef>
+            <a:spcAft>
+              <a:spcPct val="35000"/>
+            </a:spcAft>
+            <a:buNone/>
+            <a:defRPr cap="all"/>
+          </a:pPr>
+          <a:r>
+            <a:rPr lang="en-US" sz="1700" kern="1200"/>
+            <a:t>Alerts despite of unreliable or poor internet connection</a:t>
+          </a:r>
+        </a:p>
+      </dsp:txBody>
+      <dsp:txXfrm>
+        <a:off x="14692" y="3775213"/>
+        <a:ext cx="2981250" cy="720000"/>
+      </dsp:txXfrm>
+    </dsp:sp>
+    <dsp:sp modelId="{80DFE500-4740-42C5-9E9B-B5C11A615ACE}">
+      <dsp:nvSpPr>
+        <dsp:cNvPr id="0" name=""/>
+        <dsp:cNvSpPr/>
+      </dsp:nvSpPr>
+      <dsp:spPr>
+        <a:xfrm>
+          <a:off x="4099005" y="1390212"/>
+          <a:ext cx="1818562" cy="1818562"/>
+        </a:xfrm>
+        <a:prstGeom prst="ellipse">
+          <a:avLst/>
+        </a:prstGeom>
+        <a:solidFill>
+          <a:schemeClr val="dk2">
+            <a:hueOff val="0"/>
+            <a:satOff val="0"/>
+            <a:lumOff val="0"/>
+            <a:alphaOff val="0"/>
+          </a:schemeClr>
+        </a:solidFill>
+        <a:ln>
+          <a:noFill/>
+        </a:ln>
+        <a:effectLst/>
+      </dsp:spPr>
+      <dsp:style>
+        <a:lnRef idx="0">
+          <a:scrgbClr r="0" g="0" b="0"/>
+        </a:lnRef>
+        <a:fillRef idx="1">
+          <a:scrgbClr r="0" g="0" b="0"/>
+        </a:fillRef>
+        <a:effectRef idx="0">
+          <a:scrgbClr r="0" g="0" b="0"/>
+        </a:effectRef>
+        <a:fontRef idx="minor"/>
+      </dsp:style>
+    </dsp:sp>
+    <dsp:sp modelId="{BDCA849C-312C-4E63-9263-7F5D8FD51022}">
+      <dsp:nvSpPr>
+        <dsp:cNvPr id="0" name=""/>
+        <dsp:cNvSpPr/>
+      </dsp:nvSpPr>
+      <dsp:spPr>
+        <a:xfrm>
+          <a:off x="4486567" y="1777775"/>
+          <a:ext cx="1043437" cy="1043437"/>
+        </a:xfrm>
+        <a:prstGeom prst="rect">
+          <a:avLst/>
+        </a:prstGeom>
+        <a:blipFill>
+          <a:blip xmlns:r="http://schemas.openxmlformats.org/officeDocument/2006/relationships" r:embed="rId3">
+            <a:extLst>
+              <a:ext uri="{28A0092B-C50C-407E-A947-70E740481C1C}">
+                <a14:useLocalDpi xmlns:a14="http://schemas.microsoft.com/office/drawing/2010/main" val="0"/>
+              </a:ext>
+              <a:ext uri="{96DAC541-7B7A-43D3-8B79-37D633B846F1}">
+                <asvg:svgBlip xmlns:asvg="http://schemas.microsoft.com/office/drawing/2016/SVG/main" r:embed="rId4"/>
+              </a:ext>
+            </a:extLst>
+          </a:blip>
+          <a:stretch>
+            <a:fillRect/>
+          </a:stretch>
+        </a:blipFill>
+        <a:ln w="12700" cap="flat" cmpd="sng" algn="ctr">
+          <a:noFill/>
+          <a:prstDash val="solid"/>
+          <a:miter lim="800000"/>
+        </a:ln>
+        <a:effectLst/>
+      </dsp:spPr>
+      <dsp:style>
+        <a:lnRef idx="2">
+          <a:scrgbClr r="0" g="0" b="0"/>
+        </a:lnRef>
+        <a:fillRef idx="1">
+          <a:scrgbClr r="0" g="0" b="0"/>
+        </a:fillRef>
+        <a:effectRef idx="0">
+          <a:scrgbClr r="0" g="0" b="0"/>
+        </a:effectRef>
+        <a:fontRef idx="minor">
+          <a:schemeClr val="lt1"/>
+        </a:fontRef>
+      </dsp:style>
+    </dsp:sp>
+    <dsp:sp modelId="{153664A8-93D8-4A76-A239-4C21F7D43AC6}">
+      <dsp:nvSpPr>
+        <dsp:cNvPr id="0" name=""/>
+        <dsp:cNvSpPr/>
+      </dsp:nvSpPr>
+      <dsp:spPr>
+        <a:xfrm>
+          <a:off x="3517661" y="3775213"/>
+          <a:ext cx="2981250" cy="720000"/>
+        </a:xfrm>
+        <a:prstGeom prst="rect">
+          <a:avLst/>
+        </a:prstGeom>
+        <a:noFill/>
+        <a:ln>
+          <a:noFill/>
+        </a:ln>
+        <a:effectLst/>
+      </dsp:spPr>
+      <dsp:style>
+        <a:lnRef idx="0">
+          <a:scrgbClr r="0" g="0" b="0"/>
+        </a:lnRef>
+        <a:fillRef idx="0">
+          <a:scrgbClr r="0" g="0" b="0"/>
+        </a:fillRef>
+        <a:effectRef idx="0">
+          <a:scrgbClr r="0" g="0" b="0"/>
+        </a:effectRef>
+        <a:fontRef idx="minor"/>
+      </dsp:style>
+      <dsp:txBody>
+        <a:bodyPr spcFirstLastPara="0" vert="horz" wrap="square" lIns="0" tIns="0" rIns="0" bIns="0" numCol="1" spcCol="1270" anchor="t" anchorCtr="0">
+          <a:noAutofit/>
+        </a:bodyPr>
+        <a:lstStyle/>
+        <a:p>
+          <a:pPr marL="0" lvl="0" indent="0" algn="ctr" defTabSz="755650">
+            <a:lnSpc>
+              <a:spcPct val="90000"/>
+            </a:lnSpc>
+            <a:spcBef>
+              <a:spcPct val="0"/>
+            </a:spcBef>
+            <a:spcAft>
+              <a:spcPct val="35000"/>
+            </a:spcAft>
+            <a:buNone/>
+            <a:defRPr cap="all"/>
+          </a:pPr>
+          <a:r>
+            <a:rPr lang="en-US" sz="1700" kern="1200"/>
+            <a:t>Provides information in a clear and concise manner</a:t>
+          </a:r>
+        </a:p>
+      </dsp:txBody>
+      <dsp:txXfrm>
+        <a:off x="3517661" y="3775213"/>
+        <a:ext cx="2981250" cy="720000"/>
+      </dsp:txXfrm>
+    </dsp:sp>
+  </dsp:spTree>
+</dsp:drawing>
+</file>
+
+<file path=ppt/diagrams/drawing2.xml><?xml version="1.0" encoding="utf-8"?>
 <dsp:drawing xmlns:dgm="http://schemas.openxmlformats.org/drawingml/2006/diagram" xmlns:dsp="http://schemas.microsoft.com/office/drawing/2008/diagram" xmlns:a="http://schemas.openxmlformats.org/drawingml/2006/main">
   <dsp:spTree>
     <dsp:nvGrpSpPr>
@@ -7234,7 +8666,7 @@
 </dsp:drawing>
 </file>
 
-<file path=ppt/diagrams/drawing2.xml><?xml version="1.0" encoding="utf-8"?>
+<file path=ppt/diagrams/drawing3.xml><?xml version="1.0" encoding="utf-8"?>
 <dsp:drawing xmlns:dgm="http://schemas.openxmlformats.org/drawingml/2006/diagram" xmlns:dsp="http://schemas.microsoft.com/office/drawing/2008/diagram" xmlns:a="http://schemas.openxmlformats.org/drawingml/2006/main">
   <dsp:spTree>
     <dsp:nvGrpSpPr>
@@ -7500,7 +8932,7 @@
 </dsp:drawing>
 </file>
 
-<file path=ppt/diagrams/drawing3.xml><?xml version="1.0" encoding="utf-8"?>
+<file path=ppt/diagrams/drawing4.xml><?xml version="1.0" encoding="utf-8"?>
 <dsp:drawing xmlns:dgm="http://schemas.openxmlformats.org/drawingml/2006/diagram" xmlns:dsp="http://schemas.microsoft.com/office/drawing/2008/diagram" xmlns:a="http://schemas.openxmlformats.org/drawingml/2006/main">
   <dsp:spTree>
     <dsp:nvGrpSpPr>
@@ -7918,7 +9350,7 @@
 </dsp:drawing>
 </file>
 
-<file path=ppt/diagrams/drawing4.xml><?xml version="1.0" encoding="utf-8"?>
+<file path=ppt/diagrams/drawing5.xml><?xml version="1.0" encoding="utf-8"?>
 <dsp:drawing xmlns:dgm="http://schemas.openxmlformats.org/drawingml/2006/diagram" xmlns:dsp="http://schemas.microsoft.com/office/drawing/2008/diagram" xmlns:a="http://schemas.openxmlformats.org/drawingml/2006/main">
   <dsp:spTree>
     <dsp:nvGrpSpPr>
@@ -8375,6 +9807,221 @@
 </file>
 
 <file path=ppt/diagrams/layout1.xml><?xml version="1.0" encoding="utf-8"?>
+<dgm:layoutDef xmlns:dgm="http://schemas.openxmlformats.org/drawingml/2006/diagram" xmlns:a="http://schemas.openxmlformats.org/drawingml/2006/main" uniqueId="urn:microsoft.com/office/officeart/2018/5/layout/IconCircleLabelList">
+  <dgm:title val="Icon Circle Label List"/>
+  <dgm:desc val="Use to show non-sequential or grouped chunks of information accompanied by a related visuals. Works best with icons or small pictures with short text captions."/>
+  <dgm:catLst>
+    <dgm:cat type="icon" pri="500"/>
+  </dgm:catLst>
+  <dgm:sampData useDef="1">
+    <dgm:dataModel>
+      <dgm:ptLst/>
+      <dgm:bg/>
+      <dgm:whole/>
+    </dgm:dataModel>
+  </dgm:sampData>
+  <dgm:styleData useDef="1">
+    <dgm:dataModel>
+      <dgm:ptLst/>
+      <dgm:bg/>
+      <dgm:whole/>
+    </dgm:dataModel>
+  </dgm:styleData>
+  <dgm:clrData useDef="1">
+    <dgm:dataModel>
+      <dgm:ptLst/>
+      <dgm:bg/>
+      <dgm:whole/>
+    </dgm:dataModel>
+  </dgm:clrData>
+  <dgm:layoutNode name="root">
+    <dgm:varLst>
+      <dgm:dir/>
+      <dgm:resizeHandles val="exact"/>
+    </dgm:varLst>
+    <dgm:choose name="Name0">
+      <dgm:if name="Name1" axis="self" func="var" arg="dir" op="equ" val="norm">
+        <dgm:alg type="snake">
+          <dgm:param type="grDir" val="tL"/>
+          <dgm:param type="flowDir" val="row"/>
+          <dgm:param type="contDir" val="sameDir"/>
+          <dgm:param type="off" val="ctr"/>
+          <dgm:param type="vertAlign" val="mid"/>
+          <dgm:param type="horzAlign" val="ctr"/>
+        </dgm:alg>
+      </dgm:if>
+      <dgm:else name="Name2">
+        <dgm:alg type="snake">
+          <dgm:param type="grDir" val="tR"/>
+          <dgm:param type="flowDir" val="row"/>
+          <dgm:param type="contDir" val="sameDir"/>
+          <dgm:param type="off" val="ctr"/>
+          <dgm:param type="vertAlign" val="mid"/>
+          <dgm:param type="horzAlign" val="ctr"/>
+        </dgm:alg>
+      </dgm:else>
+    </dgm:choose>
+    <dgm:shape xmlns:r="http://schemas.openxmlformats.org/officeDocument/2006/relationships" r:blip="">
+      <dgm:adjLst/>
+    </dgm:shape>
+    <dgm:presOf/>
+    <dgm:choose name="Name3">
+      <dgm:if name="Name4" axis="ch" ptType="node" func="cnt" op="lte" val="2">
+        <dgm:constrLst>
+          <dgm:constr type="h" for="ch" forName="compNode" refType="h" fact="0.4"/>
+          <dgm:constr type="w" for="ch" forName="compNode" val="100"/>
+          <dgm:constr type="w" for="ch" forName="sibTrans" refType="w" refFor="ch" refForName="compNode" fact="0.175"/>
+          <dgm:constr type="sp" refType="w" refFor="ch" refForName="compNode" op="equ" fact="0.25"/>
+          <dgm:constr type="primFontSz" for="des" ptType="node" op="equ" val="44"/>
+          <dgm:constr type="h" for="des" forName="compNode" op="equ"/>
+          <dgm:constr type="h" for="des" forName="textRect" op="equ"/>
+        </dgm:constrLst>
+      </dgm:if>
+      <dgm:if name="Name5" axis="ch" ptType="node" func="cnt" op="lte" val="3">
+        <dgm:constrLst>
+          <dgm:constr type="h" for="ch" forName="compNode" refType="h" fact="0.4"/>
+          <dgm:constr type="w" for="ch" forName="compNode" val="100"/>
+          <dgm:constr type="w" for="ch" forName="sibTrans" refType="w" refFor="ch" refForName="compNode" fact="0.175"/>
+          <dgm:constr type="sp" refType="w" refFor="ch" refForName="compNode" op="equ" fact="0.25"/>
+          <dgm:constr type="primFontSz" for="des" ptType="node" op="equ" val="40"/>
+          <dgm:constr type="h" for="des" forName="compNode" op="equ"/>
+          <dgm:constr type="h" for="des" forName="textRect" op="equ"/>
+        </dgm:constrLst>
+      </dgm:if>
+      <dgm:if name="Name6" axis="ch" ptType="node" func="cnt" op="lte" val="4">
+        <dgm:constrLst>
+          <dgm:constr type="h" for="ch" forName="compNode" refType="h" fact="0.4"/>
+          <dgm:constr type="w" for="ch" forName="compNode" refType="w"/>
+          <dgm:constr type="w" for="ch" forName="sibTrans" refType="w" refFor="ch" refForName="compNode" fact="0.175"/>
+          <dgm:constr type="sp" refType="w" refFor="ch" refForName="compNode" op="equ" fact="0.25"/>
+          <dgm:constr type="primFontSz" for="des" ptType="node" op="equ" val="32"/>
+          <dgm:constr type="h" for="des" forName="compNode" op="equ"/>
+          <dgm:constr type="h" for="des" forName="textRect" op="equ"/>
+        </dgm:constrLst>
+      </dgm:if>
+      <dgm:else name="Name7">
+        <dgm:constrLst>
+          <dgm:constr type="h" for="ch" forName="compNode" refType="h" fact="0.4"/>
+          <dgm:constr type="w" for="ch" forName="compNode" refType="w"/>
+          <dgm:constr type="w" for="ch" forName="sibTrans" refType="w" refFor="ch" refForName="compNode" fact="0.175"/>
+          <dgm:constr type="sp" refType="w" refFor="ch" refForName="compNode" op="equ" fact="0.25"/>
+          <dgm:constr type="primFontSz" for="des" ptType="node" op="equ" val="24"/>
+          <dgm:constr type="h" for="des" forName="compNode" op="equ"/>
+          <dgm:constr type="h" for="des" forName="textRect" op="equ"/>
+        </dgm:constrLst>
+      </dgm:else>
+    </dgm:choose>
+    <dgm:ruleLst>
+      <dgm:rule type="w" for="ch" forName="compNode" val="50" fact="NaN" max="NaN"/>
+    </dgm:ruleLst>
+    <dgm:forEach name="Name8" axis="ch" ptType="node">
+      <dgm:layoutNode name="compNode">
+        <dgm:alg type="composite"/>
+        <dgm:shape xmlns:r="http://schemas.openxmlformats.org/officeDocument/2006/relationships" r:blip="">
+          <dgm:adjLst/>
+        </dgm:shape>
+        <dgm:presOf axis="self"/>
+        <dgm:constrLst>
+          <dgm:constr type="w" for="ch" forName="iconBgRect" refType="w" fact="0.61"/>
+          <dgm:constr type="h" for="ch" forName="iconBgRect" refType="w" refFor="ch" refForName="iconBgRect"/>
+          <dgm:constr type="t" for="ch" forName="iconBgRect"/>
+          <dgm:constr type="ctrX" for="ch" forName="iconBgRect" refType="w" fact="0.5"/>
+          <dgm:constr type="w" for="ch" forName="iconRect" refType="w" fact="0.35"/>
+          <dgm:constr type="h" for="ch" forName="iconRect" refType="w" refFor="ch" refForName="iconRect"/>
+          <dgm:constr type="ctrX" for="ch" forName="iconRect" refType="ctrX" refFor="ch" refForName="iconBgRect"/>
+          <dgm:constr type="ctrY" for="ch" forName="iconRect" refType="ctrY" refFor="ch" refForName="iconBgRect"/>
+          <dgm:constr type="h" for="ch" forName="spaceRect" refType="w" fact="0.19"/>
+          <dgm:constr type="w" for="ch" forName="spaceRect" refType="w"/>
+          <dgm:constr type="l" for="ch" forName="spaceRect"/>
+          <dgm:constr type="t" for="ch" forName="spaceRect" refType="b" refFor="ch" refForName="iconBgRect"/>
+          <dgm:constr type="h" for="ch" forName="textRect" val="20"/>
+          <dgm:constr type="w" for="ch" forName="textRect" refType="w"/>
+          <dgm:constr type="l" for="ch" forName="textRect"/>
+          <dgm:constr type="t" for="ch" forName="textRect" refType="b" refFor="ch" refForName="spaceRect"/>
+        </dgm:constrLst>
+        <dgm:ruleLst>
+          <dgm:rule type="h" val="INF" fact="NaN" max="NaN"/>
+        </dgm:ruleLst>
+        <dgm:layoutNode name="iconBgRect" styleLbl="bgShp">
+          <dgm:alg type="sp"/>
+          <dgm:shape xmlns:r="http://schemas.openxmlformats.org/officeDocument/2006/relationships" type="ellipse" r:blip="">
+            <dgm:adjLst/>
+          </dgm:shape>
+          <dgm:presOf/>
+          <dgm:constrLst/>
+          <dgm:ruleLst/>
+        </dgm:layoutNode>
+        <dgm:layoutNode name="iconRect" styleLbl="node1">
+          <dgm:alg type="sp"/>
+          <dgm:shape xmlns:r="http://schemas.openxmlformats.org/officeDocument/2006/relationships" type="rect" r:blip="" blipPhldr="1">
+            <dgm:adjLst/>
+          </dgm:shape>
+          <dgm:presOf/>
+          <dgm:constrLst/>
+          <dgm:ruleLst/>
+        </dgm:layoutNode>
+        <dgm:layoutNode name="spaceRect">
+          <dgm:alg type="sp"/>
+          <dgm:shape xmlns:r="http://schemas.openxmlformats.org/officeDocument/2006/relationships" r:blip="">
+            <dgm:adjLst/>
+          </dgm:shape>
+          <dgm:presOf/>
+          <dgm:constrLst/>
+          <dgm:ruleLst/>
+        </dgm:layoutNode>
+        <dgm:layoutNode name="textRect" styleLbl="revTx">
+          <dgm:varLst>
+            <dgm:chMax val="1"/>
+            <dgm:chPref val="1"/>
+          </dgm:varLst>
+          <dgm:alg type="tx">
+            <dgm:param type="txAnchorVert" val="t"/>
+          </dgm:alg>
+          <dgm:shape xmlns:r="http://schemas.openxmlformats.org/officeDocument/2006/relationships" type="rect" r:blip="">
+            <dgm:adjLst/>
+          </dgm:shape>
+          <dgm:presOf axis="self" ptType="node"/>
+          <dgm:constrLst>
+            <dgm:constr type="lMarg"/>
+            <dgm:constr type="rMarg"/>
+            <dgm:constr type="tMarg"/>
+            <dgm:constr type="bMarg"/>
+          </dgm:constrLst>
+          <dgm:ruleLst>
+            <dgm:rule type="primFontSz" val="11" fact="NaN" max="NaN"/>
+            <dgm:rule type="h" val="INF" fact="NaN" max="NaN"/>
+          </dgm:ruleLst>
+        </dgm:layoutNode>
+      </dgm:layoutNode>
+      <dgm:forEach name="Name9" axis="followSib" ptType="sibTrans" cnt="1">
+        <dgm:layoutNode name="sibTrans">
+          <dgm:alg type="sp"/>
+          <dgm:shape xmlns:r="http://schemas.openxmlformats.org/officeDocument/2006/relationships" r:blip="">
+            <dgm:adjLst/>
+          </dgm:shape>
+          <dgm:presOf axis="self"/>
+          <dgm:constrLst/>
+          <dgm:ruleLst/>
+        </dgm:layoutNode>
+      </dgm:forEach>
+    </dgm:forEach>
+  </dgm:layoutNode>
+  <dgm:extLst>
+    <a:ext uri="{68A01E43-0DF5-4B5B-8FA6-DAF915123BFB}">
+      <dgm1612:lstStyle xmlns:dgm1612="http://schemas.microsoft.com/office/drawing/2016/12/diagram">
+        <a:lvl1pPr>
+          <a:lnSpc>
+            <a:spcPct val="100000"/>
+          </a:lnSpc>
+          <a:defRPr cap="all"/>
+        </a:lvl1pPr>
+      </dgm1612:lstStyle>
+    </a:ext>
+  </dgm:extLst>
+</dgm:layoutDef>
+</file>
+
+<file path=ppt/diagrams/layout2.xml><?xml version="1.0" encoding="utf-8"?>
 <dgm:layoutDef xmlns:dgm="http://schemas.openxmlformats.org/drawingml/2006/diagram" xmlns:a="http://schemas.openxmlformats.org/drawingml/2006/main" uniqueId="urn:microsoft.com/office/officeart/2018/2/layout/IconVerticalSolidList">
   <dgm:title val="Icon Vertical Solid List"/>
   <dgm:desc val="Use to show a series of visuals from top to bottom with Level 1 or Level 1 and Level 2 text grouped in a shape. Works best with icons or small pictures with lengthier descriptions."/>
@@ -8668,231 +10315,6 @@
 </dgm:layoutDef>
 </file>
 
-<file path=ppt/diagrams/layout2.xml><?xml version="1.0" encoding="utf-8"?>
-<dgm:layoutDef xmlns:dgm="http://schemas.openxmlformats.org/drawingml/2006/diagram" xmlns:a="http://schemas.openxmlformats.org/drawingml/2006/main" uniqueId="urn:microsoft.com/office/officeart/2005/8/layout/list1">
-  <dgm:title val=""/>
-  <dgm:desc val=""/>
-  <dgm:catLst>
-    <dgm:cat type="list" pri="4000"/>
-  </dgm:catLst>
-  <dgm:sampData>
-    <dgm:dataModel>
-      <dgm:ptLst>
-        <dgm:pt modelId="0" type="doc"/>
-        <dgm:pt modelId="1">
-          <dgm:prSet phldr="1"/>
-        </dgm:pt>
-        <dgm:pt modelId="2">
-          <dgm:prSet phldr="1"/>
-        </dgm:pt>
-        <dgm:pt modelId="3">
-          <dgm:prSet phldr="1"/>
-        </dgm:pt>
-      </dgm:ptLst>
-      <dgm:cxnLst>
-        <dgm:cxn modelId="4" srcId="0" destId="1" srcOrd="0" destOrd="0"/>
-        <dgm:cxn modelId="5" srcId="0" destId="2" srcOrd="1" destOrd="0"/>
-        <dgm:cxn modelId="6" srcId="0" destId="3" srcOrd="2" destOrd="0"/>
-      </dgm:cxnLst>
-      <dgm:bg/>
-      <dgm:whole/>
-    </dgm:dataModel>
-  </dgm:sampData>
-  <dgm:styleData>
-    <dgm:dataModel>
-      <dgm:ptLst>
-        <dgm:pt modelId="0" type="doc"/>
-        <dgm:pt modelId="1"/>
-        <dgm:pt modelId="2"/>
-      </dgm:ptLst>
-      <dgm:cxnLst>
-        <dgm:cxn modelId="4" srcId="0" destId="1" srcOrd="0" destOrd="0"/>
-        <dgm:cxn modelId="5" srcId="0" destId="2" srcOrd="1" destOrd="0"/>
-      </dgm:cxnLst>
-      <dgm:bg/>
-      <dgm:whole/>
-    </dgm:dataModel>
-  </dgm:styleData>
-  <dgm:clrData>
-    <dgm:dataModel>
-      <dgm:ptLst>
-        <dgm:pt modelId="0" type="doc"/>
-        <dgm:pt modelId="1"/>
-        <dgm:pt modelId="2"/>
-        <dgm:pt modelId="3"/>
-        <dgm:pt modelId="4"/>
-      </dgm:ptLst>
-      <dgm:cxnLst>
-        <dgm:cxn modelId="5" srcId="0" destId="1" srcOrd="0" destOrd="0"/>
-        <dgm:cxn modelId="6" srcId="0" destId="2" srcOrd="1" destOrd="0"/>
-        <dgm:cxn modelId="7" srcId="0" destId="3" srcOrd="2" destOrd="0"/>
-        <dgm:cxn modelId="8" srcId="0" destId="4" srcOrd="3" destOrd="0"/>
-      </dgm:cxnLst>
-      <dgm:bg/>
-      <dgm:whole/>
-    </dgm:dataModel>
-  </dgm:clrData>
-  <dgm:layoutNode name="linear">
-    <dgm:varLst>
-      <dgm:dir/>
-      <dgm:animLvl val="lvl"/>
-      <dgm:resizeHandles val="exact"/>
-    </dgm:varLst>
-    <dgm:choose name="Name0">
-      <dgm:if name="Name1" func="var" arg="dir" op="equ" val="norm">
-        <dgm:alg type="lin">
-          <dgm:param type="linDir" val="fromT"/>
-          <dgm:param type="vertAlign" val="mid"/>
-          <dgm:param type="horzAlign" val="l"/>
-          <dgm:param type="nodeHorzAlign" val="l"/>
-        </dgm:alg>
-      </dgm:if>
-      <dgm:else name="Name2">
-        <dgm:alg type="lin">
-          <dgm:param type="linDir" val="fromT"/>
-          <dgm:param type="vertAlign" val="mid"/>
-          <dgm:param type="horzAlign" val="r"/>
-          <dgm:param type="nodeHorzAlign" val="r"/>
-        </dgm:alg>
-      </dgm:else>
-    </dgm:choose>
-    <dgm:shape xmlns:r="http://schemas.openxmlformats.org/officeDocument/2006/relationships" r:blip="">
-      <dgm:adjLst/>
-    </dgm:shape>
-    <dgm:presOf/>
-    <dgm:constrLst>
-      <dgm:constr type="w" for="ch" forName="parentLin" refType="w"/>
-      <dgm:constr type="h" for="ch" forName="parentLin" val="INF"/>
-      <dgm:constr type="w" for="des" forName="parentLeftMargin" refType="w" fact="0.05"/>
-      <dgm:constr type="w" for="des" forName="parentText" refType="w" fact="0.7"/>
-      <dgm:constr type="h" for="des" forName="parentText" refType="primFontSz" refFor="des" refForName="parentText" fact="0.82"/>
-      <dgm:constr type="h" for="ch" forName="negativeSpace" refType="primFontSz" refFor="des" refForName="parentText" fact="-0.41"/>
-      <dgm:constr type="h" for="ch" forName="negativeSpace" refType="h" refFor="des" refForName="parentText" op="lte" fact="-0.82"/>
-      <dgm:constr type="h" for="ch" forName="negativeSpace" refType="h" refFor="des" refForName="parentText" op="gte" fact="-0.82"/>
-      <dgm:constr type="w" for="ch" forName="childText" refType="w"/>
-      <dgm:constr type="h" for="ch" forName="childText" refType="primFontSz" refFor="des" refForName="parentText" fact="0.7"/>
-      <dgm:constr type="primFontSz" for="des" forName="parentText" val="65"/>
-      <dgm:constr type="primFontSz" for="ch" forName="childText" refType="primFontSz" refFor="des" refForName="parentText"/>
-      <dgm:constr type="tMarg" for="ch" forName="childText" refType="primFontSz" refFor="des" refForName="parentText" fact="1.64"/>
-      <dgm:constr type="tMarg" for="ch" forName="childText" refType="h" refFor="des" refForName="parentText" op="lte" fact="3.28"/>
-      <dgm:constr type="tMarg" for="ch" forName="childText" refType="h" refFor="des" refForName="parentText" op="gte" fact="3.28"/>
-      <dgm:constr type="lMarg" for="ch" forName="childText" refType="w" fact="0.22"/>
-      <dgm:constr type="rMarg" for="ch" forName="childText" refType="lMarg" refFor="ch" refForName="childText"/>
-      <dgm:constr type="lMarg" for="des" forName="parentText" refType="w" fact="0.075"/>
-      <dgm:constr type="rMarg" for="des" forName="parentText" refType="lMarg" refFor="des" refForName="parentText"/>
-      <dgm:constr type="h" for="ch" forName="spaceBetweenRectangles" refType="primFontSz" refFor="des" refForName="parentText" fact="0.15"/>
-    </dgm:constrLst>
-    <dgm:ruleLst>
-      <dgm:rule type="primFontSz" for="des" forName="parentText" val="5" fact="NaN" max="NaN"/>
-    </dgm:ruleLst>
-    <dgm:forEach name="Name3" axis="ch" ptType="node">
-      <dgm:layoutNode name="parentLin">
-        <dgm:choose name="Name4">
-          <dgm:if name="Name5" func="var" arg="dir" op="equ" val="norm">
-            <dgm:alg type="lin">
-              <dgm:param type="linDir" val="fromL"/>
-              <dgm:param type="horzAlign" val="l"/>
-              <dgm:param type="nodeHorzAlign" val="l"/>
-            </dgm:alg>
-          </dgm:if>
-          <dgm:else name="Name6">
-            <dgm:alg type="lin">
-              <dgm:param type="linDir" val="fromR"/>
-              <dgm:param type="horzAlign" val="r"/>
-              <dgm:param type="nodeHorzAlign" val="r"/>
-            </dgm:alg>
-          </dgm:else>
-        </dgm:choose>
-        <dgm:shape xmlns:r="http://schemas.openxmlformats.org/officeDocument/2006/relationships" r:blip="">
-          <dgm:adjLst/>
-        </dgm:shape>
-        <dgm:presOf/>
-        <dgm:constrLst/>
-        <dgm:ruleLst/>
-        <dgm:layoutNode name="parentLeftMargin">
-          <dgm:alg type="sp"/>
-          <dgm:shape xmlns:r="http://schemas.openxmlformats.org/officeDocument/2006/relationships" type="rect" r:blip="" hideGeom="1">
-            <dgm:adjLst/>
-          </dgm:shape>
-          <dgm:presOf axis="self"/>
-          <dgm:constrLst>
-            <dgm:constr type="h"/>
-          </dgm:constrLst>
-          <dgm:ruleLst/>
-        </dgm:layoutNode>
-        <dgm:layoutNode name="parentText" styleLbl="node1">
-          <dgm:varLst>
-            <dgm:chMax val="0"/>
-            <dgm:bulletEnabled val="1"/>
-          </dgm:varLst>
-          <dgm:choose name="Name7">
-            <dgm:if name="Name8" func="var" arg="dir" op="equ" val="norm">
-              <dgm:alg type="tx">
-                <dgm:param type="parTxLTRAlign" val="l"/>
-                <dgm:param type="parTxRTLAlign" val="l"/>
-              </dgm:alg>
-            </dgm:if>
-            <dgm:else name="Name9">
-              <dgm:alg type="tx">
-                <dgm:param type="parTxLTRAlign" val="r"/>
-                <dgm:param type="parTxRTLAlign" val="r"/>
-              </dgm:alg>
-            </dgm:else>
-          </dgm:choose>
-          <dgm:shape xmlns:r="http://schemas.openxmlformats.org/officeDocument/2006/relationships" type="roundRect" r:blip="">
-            <dgm:adjLst/>
-          </dgm:shape>
-          <dgm:presOf axis="self" ptType="node"/>
-          <dgm:constrLst>
-            <dgm:constr type="tMarg"/>
-            <dgm:constr type="bMarg"/>
-          </dgm:constrLst>
-          <dgm:ruleLst/>
-        </dgm:layoutNode>
-      </dgm:layoutNode>
-      <dgm:layoutNode name="negativeSpace">
-        <dgm:alg type="sp"/>
-        <dgm:shape xmlns:r="http://schemas.openxmlformats.org/officeDocument/2006/relationships" r:blip="">
-          <dgm:adjLst/>
-        </dgm:shape>
-        <dgm:presOf/>
-        <dgm:constrLst/>
-        <dgm:ruleLst/>
-      </dgm:layoutNode>
-      <dgm:layoutNode name="childText" styleLbl="conFgAcc1">
-        <dgm:varLst>
-          <dgm:bulletEnabled val="1"/>
-        </dgm:varLst>
-        <dgm:alg type="tx">
-          <dgm:param type="stBulletLvl" val="1"/>
-        </dgm:alg>
-        <dgm:shape xmlns:r="http://schemas.openxmlformats.org/officeDocument/2006/relationships" type="rect" r:blip="" zOrderOff="-2">
-          <dgm:adjLst/>
-        </dgm:shape>
-        <dgm:presOf axis="des" ptType="node"/>
-        <dgm:constrLst>
-          <dgm:constr type="secFontSz" refType="primFontSz"/>
-        </dgm:constrLst>
-        <dgm:ruleLst>
-          <dgm:rule type="h" val="INF" fact="NaN" max="NaN"/>
-        </dgm:ruleLst>
-      </dgm:layoutNode>
-      <dgm:forEach name="Name10" axis="followSib" ptType="sibTrans" cnt="1">
-        <dgm:layoutNode name="spaceBetweenRectangles">
-          <dgm:alg type="sp"/>
-          <dgm:shape xmlns:r="http://schemas.openxmlformats.org/officeDocument/2006/relationships" r:blip="">
-            <dgm:adjLst/>
-          </dgm:shape>
-          <dgm:presOf/>
-          <dgm:constrLst/>
-          <dgm:ruleLst/>
-        </dgm:layoutNode>
-      </dgm:forEach>
-    </dgm:forEach>
-  </dgm:layoutNode>
-</dgm:layoutDef>
-</file>
-
 <file path=ppt/diagrams/layout3.xml><?xml version="1.0" encoding="utf-8"?>
 <dgm:layoutDef xmlns:dgm="http://schemas.openxmlformats.org/drawingml/2006/diagram" xmlns:a="http://schemas.openxmlformats.org/drawingml/2006/main" uniqueId="urn:microsoft.com/office/officeart/2005/8/layout/list1">
   <dgm:title val=""/>
@@ -9119,6 +10541,231 @@
 </file>
 
 <file path=ppt/diagrams/layout4.xml><?xml version="1.0" encoding="utf-8"?>
+<dgm:layoutDef xmlns:dgm="http://schemas.openxmlformats.org/drawingml/2006/diagram" xmlns:a="http://schemas.openxmlformats.org/drawingml/2006/main" uniqueId="urn:microsoft.com/office/officeart/2005/8/layout/list1">
+  <dgm:title val=""/>
+  <dgm:desc val=""/>
+  <dgm:catLst>
+    <dgm:cat type="list" pri="4000"/>
+  </dgm:catLst>
+  <dgm:sampData>
+    <dgm:dataModel>
+      <dgm:ptLst>
+        <dgm:pt modelId="0" type="doc"/>
+        <dgm:pt modelId="1">
+          <dgm:prSet phldr="1"/>
+        </dgm:pt>
+        <dgm:pt modelId="2">
+          <dgm:prSet phldr="1"/>
+        </dgm:pt>
+        <dgm:pt modelId="3">
+          <dgm:prSet phldr="1"/>
+        </dgm:pt>
+      </dgm:ptLst>
+      <dgm:cxnLst>
+        <dgm:cxn modelId="4" srcId="0" destId="1" srcOrd="0" destOrd="0"/>
+        <dgm:cxn modelId="5" srcId="0" destId="2" srcOrd="1" destOrd="0"/>
+        <dgm:cxn modelId="6" srcId="0" destId="3" srcOrd="2" destOrd="0"/>
+      </dgm:cxnLst>
+      <dgm:bg/>
+      <dgm:whole/>
+    </dgm:dataModel>
+  </dgm:sampData>
+  <dgm:styleData>
+    <dgm:dataModel>
+      <dgm:ptLst>
+        <dgm:pt modelId="0" type="doc"/>
+        <dgm:pt modelId="1"/>
+        <dgm:pt modelId="2"/>
+      </dgm:ptLst>
+      <dgm:cxnLst>
+        <dgm:cxn modelId="4" srcId="0" destId="1" srcOrd="0" destOrd="0"/>
+        <dgm:cxn modelId="5" srcId="0" destId="2" srcOrd="1" destOrd="0"/>
+      </dgm:cxnLst>
+      <dgm:bg/>
+      <dgm:whole/>
+    </dgm:dataModel>
+  </dgm:styleData>
+  <dgm:clrData>
+    <dgm:dataModel>
+      <dgm:ptLst>
+        <dgm:pt modelId="0" type="doc"/>
+        <dgm:pt modelId="1"/>
+        <dgm:pt modelId="2"/>
+        <dgm:pt modelId="3"/>
+        <dgm:pt modelId="4"/>
+      </dgm:ptLst>
+      <dgm:cxnLst>
+        <dgm:cxn modelId="5" srcId="0" destId="1" srcOrd="0" destOrd="0"/>
+        <dgm:cxn modelId="6" srcId="0" destId="2" srcOrd="1" destOrd="0"/>
+        <dgm:cxn modelId="7" srcId="0" destId="3" srcOrd="2" destOrd="0"/>
+        <dgm:cxn modelId="8" srcId="0" destId="4" srcOrd="3" destOrd="0"/>
+      </dgm:cxnLst>
+      <dgm:bg/>
+      <dgm:whole/>
+    </dgm:dataModel>
+  </dgm:clrData>
+  <dgm:layoutNode name="linear">
+    <dgm:varLst>
+      <dgm:dir/>
+      <dgm:animLvl val="lvl"/>
+      <dgm:resizeHandles val="exact"/>
+    </dgm:varLst>
+    <dgm:choose name="Name0">
+      <dgm:if name="Name1" func="var" arg="dir" op="equ" val="norm">
+        <dgm:alg type="lin">
+          <dgm:param type="linDir" val="fromT"/>
+          <dgm:param type="vertAlign" val="mid"/>
+          <dgm:param type="horzAlign" val="l"/>
+          <dgm:param type="nodeHorzAlign" val="l"/>
+        </dgm:alg>
+      </dgm:if>
+      <dgm:else name="Name2">
+        <dgm:alg type="lin">
+          <dgm:param type="linDir" val="fromT"/>
+          <dgm:param type="vertAlign" val="mid"/>
+          <dgm:param type="horzAlign" val="r"/>
+          <dgm:param type="nodeHorzAlign" val="r"/>
+        </dgm:alg>
+      </dgm:else>
+    </dgm:choose>
+    <dgm:shape xmlns:r="http://schemas.openxmlformats.org/officeDocument/2006/relationships" r:blip="">
+      <dgm:adjLst/>
+    </dgm:shape>
+    <dgm:presOf/>
+    <dgm:constrLst>
+      <dgm:constr type="w" for="ch" forName="parentLin" refType="w"/>
+      <dgm:constr type="h" for="ch" forName="parentLin" val="INF"/>
+      <dgm:constr type="w" for="des" forName="parentLeftMargin" refType="w" fact="0.05"/>
+      <dgm:constr type="w" for="des" forName="parentText" refType="w" fact="0.7"/>
+      <dgm:constr type="h" for="des" forName="parentText" refType="primFontSz" refFor="des" refForName="parentText" fact="0.82"/>
+      <dgm:constr type="h" for="ch" forName="negativeSpace" refType="primFontSz" refFor="des" refForName="parentText" fact="-0.41"/>
+      <dgm:constr type="h" for="ch" forName="negativeSpace" refType="h" refFor="des" refForName="parentText" op="lte" fact="-0.82"/>
+      <dgm:constr type="h" for="ch" forName="negativeSpace" refType="h" refFor="des" refForName="parentText" op="gte" fact="-0.82"/>
+      <dgm:constr type="w" for="ch" forName="childText" refType="w"/>
+      <dgm:constr type="h" for="ch" forName="childText" refType="primFontSz" refFor="des" refForName="parentText" fact="0.7"/>
+      <dgm:constr type="primFontSz" for="des" forName="parentText" val="65"/>
+      <dgm:constr type="primFontSz" for="ch" forName="childText" refType="primFontSz" refFor="des" refForName="parentText"/>
+      <dgm:constr type="tMarg" for="ch" forName="childText" refType="primFontSz" refFor="des" refForName="parentText" fact="1.64"/>
+      <dgm:constr type="tMarg" for="ch" forName="childText" refType="h" refFor="des" refForName="parentText" op="lte" fact="3.28"/>
+      <dgm:constr type="tMarg" for="ch" forName="childText" refType="h" refFor="des" refForName="parentText" op="gte" fact="3.28"/>
+      <dgm:constr type="lMarg" for="ch" forName="childText" refType="w" fact="0.22"/>
+      <dgm:constr type="rMarg" for="ch" forName="childText" refType="lMarg" refFor="ch" refForName="childText"/>
+      <dgm:constr type="lMarg" for="des" forName="parentText" refType="w" fact="0.075"/>
+      <dgm:constr type="rMarg" for="des" forName="parentText" refType="lMarg" refFor="des" refForName="parentText"/>
+      <dgm:constr type="h" for="ch" forName="spaceBetweenRectangles" refType="primFontSz" refFor="des" refForName="parentText" fact="0.15"/>
+    </dgm:constrLst>
+    <dgm:ruleLst>
+      <dgm:rule type="primFontSz" for="des" forName="parentText" val="5" fact="NaN" max="NaN"/>
+    </dgm:ruleLst>
+    <dgm:forEach name="Name3" axis="ch" ptType="node">
+      <dgm:layoutNode name="parentLin">
+        <dgm:choose name="Name4">
+          <dgm:if name="Name5" func="var" arg="dir" op="equ" val="norm">
+            <dgm:alg type="lin">
+              <dgm:param type="linDir" val="fromL"/>
+              <dgm:param type="horzAlign" val="l"/>
+              <dgm:param type="nodeHorzAlign" val="l"/>
+            </dgm:alg>
+          </dgm:if>
+          <dgm:else name="Name6">
+            <dgm:alg type="lin">
+              <dgm:param type="linDir" val="fromR"/>
+              <dgm:param type="horzAlign" val="r"/>
+              <dgm:param type="nodeHorzAlign" val="r"/>
+            </dgm:alg>
+          </dgm:else>
+        </dgm:choose>
+        <dgm:shape xmlns:r="http://schemas.openxmlformats.org/officeDocument/2006/relationships" r:blip="">
+          <dgm:adjLst/>
+        </dgm:shape>
+        <dgm:presOf/>
+        <dgm:constrLst/>
+        <dgm:ruleLst/>
+        <dgm:layoutNode name="parentLeftMargin">
+          <dgm:alg type="sp"/>
+          <dgm:shape xmlns:r="http://schemas.openxmlformats.org/officeDocument/2006/relationships" type="rect" r:blip="" hideGeom="1">
+            <dgm:adjLst/>
+          </dgm:shape>
+          <dgm:presOf axis="self"/>
+          <dgm:constrLst>
+            <dgm:constr type="h"/>
+          </dgm:constrLst>
+          <dgm:ruleLst/>
+        </dgm:layoutNode>
+        <dgm:layoutNode name="parentText" styleLbl="node1">
+          <dgm:varLst>
+            <dgm:chMax val="0"/>
+            <dgm:bulletEnabled val="1"/>
+          </dgm:varLst>
+          <dgm:choose name="Name7">
+            <dgm:if name="Name8" func="var" arg="dir" op="equ" val="norm">
+              <dgm:alg type="tx">
+                <dgm:param type="parTxLTRAlign" val="l"/>
+                <dgm:param type="parTxRTLAlign" val="l"/>
+              </dgm:alg>
+            </dgm:if>
+            <dgm:else name="Name9">
+              <dgm:alg type="tx">
+                <dgm:param type="parTxLTRAlign" val="r"/>
+                <dgm:param type="parTxRTLAlign" val="r"/>
+              </dgm:alg>
+            </dgm:else>
+          </dgm:choose>
+          <dgm:shape xmlns:r="http://schemas.openxmlformats.org/officeDocument/2006/relationships" type="roundRect" r:blip="">
+            <dgm:adjLst/>
+          </dgm:shape>
+          <dgm:presOf axis="self" ptType="node"/>
+          <dgm:constrLst>
+            <dgm:constr type="tMarg"/>
+            <dgm:constr type="bMarg"/>
+          </dgm:constrLst>
+          <dgm:ruleLst/>
+        </dgm:layoutNode>
+      </dgm:layoutNode>
+      <dgm:layoutNode name="negativeSpace">
+        <dgm:alg type="sp"/>
+        <dgm:shape xmlns:r="http://schemas.openxmlformats.org/officeDocument/2006/relationships" r:blip="">
+          <dgm:adjLst/>
+        </dgm:shape>
+        <dgm:presOf/>
+        <dgm:constrLst/>
+        <dgm:ruleLst/>
+      </dgm:layoutNode>
+      <dgm:layoutNode name="childText" styleLbl="conFgAcc1">
+        <dgm:varLst>
+          <dgm:bulletEnabled val="1"/>
+        </dgm:varLst>
+        <dgm:alg type="tx">
+          <dgm:param type="stBulletLvl" val="1"/>
+        </dgm:alg>
+        <dgm:shape xmlns:r="http://schemas.openxmlformats.org/officeDocument/2006/relationships" type="rect" r:blip="" zOrderOff="-2">
+          <dgm:adjLst/>
+        </dgm:shape>
+        <dgm:presOf axis="des" ptType="node"/>
+        <dgm:constrLst>
+          <dgm:constr type="secFontSz" refType="primFontSz"/>
+        </dgm:constrLst>
+        <dgm:ruleLst>
+          <dgm:rule type="h" val="INF" fact="NaN" max="NaN"/>
+        </dgm:ruleLst>
+      </dgm:layoutNode>
+      <dgm:forEach name="Name10" axis="followSib" ptType="sibTrans" cnt="1">
+        <dgm:layoutNode name="spaceBetweenRectangles">
+          <dgm:alg type="sp"/>
+          <dgm:shape xmlns:r="http://schemas.openxmlformats.org/officeDocument/2006/relationships" r:blip="">
+            <dgm:adjLst/>
+          </dgm:shape>
+          <dgm:presOf/>
+          <dgm:constrLst/>
+          <dgm:ruleLst/>
+        </dgm:layoutNode>
+      </dgm:forEach>
+    </dgm:forEach>
+  </dgm:layoutNode>
+</dgm:layoutDef>
+</file>
+
+<file path=ppt/diagrams/layout5.xml><?xml version="1.0" encoding="utf-8"?>
 <dgm:layoutDef xmlns:dgm="http://schemas.openxmlformats.org/drawingml/2006/diagram" xmlns:a="http://schemas.openxmlformats.org/drawingml/2006/main" uniqueId="urn:microsoft.com/office/officeart/2018/5/layout/IconCircleLabelList">
   <dgm:title val="Icon Circle Label List"/>
   <dgm:desc val="Use to show non-sequential or grouped chunks of information accompanied by a related visuals. Works best with icons or small pictures with short text captions."/>
@@ -9334,6 +10981,1040 @@
 </file>
 
 <file path=ppt/diagrams/quickStyle1.xml><?xml version="1.0" encoding="utf-8"?>
+<dgm:styleDef xmlns:dgm="http://schemas.openxmlformats.org/drawingml/2006/diagram" xmlns:a="http://schemas.openxmlformats.org/drawingml/2006/main" uniqueId="urn:microsoft.com/office/officeart/2005/8/quickstyle/simple1">
+  <dgm:title val=""/>
+  <dgm:desc val=""/>
+  <dgm:catLst>
+    <dgm:cat type="simple" pri="10100"/>
+  </dgm:catLst>
+  <dgm:scene3d>
+    <a:camera prst="orthographicFront"/>
+    <a:lightRig rig="threePt" dir="t"/>
+  </dgm:scene3d>
+  <dgm:styleLbl name="node0">
+    <dgm:scene3d>
+      <a:camera prst="orthographicFront"/>
+      <a:lightRig rig="threePt" dir="t"/>
+    </dgm:scene3d>
+    <dgm:sp3d/>
+    <dgm:txPr/>
+    <dgm:style>
+      <a:lnRef idx="2">
+        <a:scrgbClr r="0" g="0" b="0"/>
+      </a:lnRef>
+      <a:fillRef idx="1">
+        <a:scrgbClr r="0" g="0" b="0"/>
+      </a:fillRef>
+      <a:effectRef idx="0">
+        <a:scrgbClr r="0" g="0" b="0"/>
+      </a:effectRef>
+      <a:fontRef idx="minor">
+        <a:schemeClr val="lt1"/>
+      </a:fontRef>
+    </dgm:style>
+  </dgm:styleLbl>
+  <dgm:styleLbl name="lnNode1">
+    <dgm:scene3d>
+      <a:camera prst="orthographicFront"/>
+      <a:lightRig rig="threePt" dir="t"/>
+    </dgm:scene3d>
+    <dgm:sp3d/>
+    <dgm:txPr/>
+    <dgm:style>
+      <a:lnRef idx="2">
+        <a:scrgbClr r="0" g="0" b="0"/>
+      </a:lnRef>
+      <a:fillRef idx="1">
+        <a:scrgbClr r="0" g="0" b="0"/>
+      </a:fillRef>
+      <a:effectRef idx="0">
+        <a:scrgbClr r="0" g="0" b="0"/>
+      </a:effectRef>
+      <a:fontRef idx="minor">
+        <a:schemeClr val="lt1"/>
+      </a:fontRef>
+    </dgm:style>
+  </dgm:styleLbl>
+  <dgm:styleLbl name="vennNode1">
+    <dgm:scene3d>
+      <a:camera prst="orthographicFront"/>
+      <a:lightRig rig="threePt" dir="t"/>
+    </dgm:scene3d>
+    <dgm:sp3d/>
+    <dgm:txPr/>
+    <dgm:style>
+      <a:lnRef idx="2">
+        <a:scrgbClr r="0" g="0" b="0"/>
+      </a:lnRef>
+      <a:fillRef idx="1">
+        <a:scrgbClr r="0" g="0" b="0"/>
+      </a:fillRef>
+      <a:effectRef idx="0">
+        <a:scrgbClr r="0" g="0" b="0"/>
+      </a:effectRef>
+      <a:fontRef idx="minor">
+        <a:schemeClr val="tx1"/>
+      </a:fontRef>
+    </dgm:style>
+  </dgm:styleLbl>
+  <dgm:styleLbl name="alignNode1">
+    <dgm:scene3d>
+      <a:camera prst="orthographicFront"/>
+      <a:lightRig rig="threePt" dir="t"/>
+    </dgm:scene3d>
+    <dgm:sp3d/>
+    <dgm:txPr/>
+    <dgm:style>
+      <a:lnRef idx="2">
+        <a:scrgbClr r="0" g="0" b="0"/>
+      </a:lnRef>
+      <a:fillRef idx="1">
+        <a:scrgbClr r="0" g="0" b="0"/>
+      </a:fillRef>
+      <a:effectRef idx="0">
+        <a:scrgbClr r="0" g="0" b="0"/>
+      </a:effectRef>
+      <a:fontRef idx="minor">
+        <a:schemeClr val="lt1"/>
+      </a:fontRef>
+    </dgm:style>
+  </dgm:styleLbl>
+  <dgm:styleLbl name="node1">
+    <dgm:scene3d>
+      <a:camera prst="orthographicFront"/>
+      <a:lightRig rig="threePt" dir="t"/>
+    </dgm:scene3d>
+    <dgm:sp3d/>
+    <dgm:txPr/>
+    <dgm:style>
+      <a:lnRef idx="2">
+        <a:scrgbClr r="0" g="0" b="0"/>
+      </a:lnRef>
+      <a:fillRef idx="1">
+        <a:scrgbClr r="0" g="0" b="0"/>
+      </a:fillRef>
+      <a:effectRef idx="0">
+        <a:scrgbClr r="0" g="0" b="0"/>
+      </a:effectRef>
+      <a:fontRef idx="minor">
+        <a:schemeClr val="lt1"/>
+      </a:fontRef>
+    </dgm:style>
+  </dgm:styleLbl>
+  <dgm:styleLbl name="node2">
+    <dgm:scene3d>
+      <a:camera prst="orthographicFront"/>
+      <a:lightRig rig="threePt" dir="t"/>
+    </dgm:scene3d>
+    <dgm:sp3d/>
+    <dgm:txPr/>
+    <dgm:style>
+      <a:lnRef idx="2">
+        <a:scrgbClr r="0" g="0" b="0"/>
+      </a:lnRef>
+      <a:fillRef idx="1">
+        <a:scrgbClr r="0" g="0" b="0"/>
+      </a:fillRef>
+      <a:effectRef idx="0">
+        <a:scrgbClr r="0" g="0" b="0"/>
+      </a:effectRef>
+      <a:fontRef idx="minor">
+        <a:schemeClr val="lt1"/>
+      </a:fontRef>
+    </dgm:style>
+  </dgm:styleLbl>
+  <dgm:styleLbl name="node3">
+    <dgm:scene3d>
+      <a:camera prst="orthographicFront"/>
+      <a:lightRig rig="threePt" dir="t"/>
+    </dgm:scene3d>
+    <dgm:sp3d/>
+    <dgm:txPr/>
+    <dgm:style>
+      <a:lnRef idx="2">
+        <a:scrgbClr r="0" g="0" b="0"/>
+      </a:lnRef>
+      <a:fillRef idx="1">
+        <a:scrgbClr r="0" g="0" b="0"/>
+      </a:fillRef>
+      <a:effectRef idx="0">
+        <a:scrgbClr r="0" g="0" b="0"/>
+      </a:effectRef>
+      <a:fontRef idx="minor">
+        <a:schemeClr val="lt1"/>
+      </a:fontRef>
+    </dgm:style>
+  </dgm:styleLbl>
+  <dgm:styleLbl name="node4">
+    <dgm:scene3d>
+      <a:camera prst="orthographicFront"/>
+      <a:lightRig rig="threePt" dir="t"/>
+    </dgm:scene3d>
+    <dgm:sp3d/>
+    <dgm:txPr/>
+    <dgm:style>
+      <a:lnRef idx="2">
+        <a:scrgbClr r="0" g="0" b="0"/>
+      </a:lnRef>
+      <a:fillRef idx="1">
+        <a:scrgbClr r="0" g="0" b="0"/>
+      </a:fillRef>
+      <a:effectRef idx="0">
+        <a:scrgbClr r="0" g="0" b="0"/>
+      </a:effectRef>
+      <a:fontRef idx="minor">
+        <a:schemeClr val="lt1"/>
+      </a:fontRef>
+    </dgm:style>
+  </dgm:styleLbl>
+  <dgm:styleLbl name="fgImgPlace1">
+    <dgm:scene3d>
+      <a:camera prst="orthographicFront"/>
+      <a:lightRig rig="threePt" dir="t"/>
+    </dgm:scene3d>
+    <dgm:sp3d/>
+    <dgm:txPr/>
+    <dgm:style>
+      <a:lnRef idx="2">
+        <a:scrgbClr r="0" g="0" b="0"/>
+      </a:lnRef>
+      <a:fillRef idx="1">
+        <a:scrgbClr r="0" g="0" b="0"/>
+      </a:fillRef>
+      <a:effectRef idx="0">
+        <a:scrgbClr r="0" g="0" b="0"/>
+      </a:effectRef>
+      <a:fontRef idx="minor"/>
+    </dgm:style>
+  </dgm:styleLbl>
+  <dgm:styleLbl name="alignImgPlace1">
+    <dgm:scene3d>
+      <a:camera prst="orthographicFront"/>
+      <a:lightRig rig="threePt" dir="t"/>
+    </dgm:scene3d>
+    <dgm:sp3d/>
+    <dgm:txPr/>
+    <dgm:style>
+      <a:lnRef idx="2">
+        <a:scrgbClr r="0" g="0" b="0"/>
+      </a:lnRef>
+      <a:fillRef idx="1">
+        <a:scrgbClr r="0" g="0" b="0"/>
+      </a:fillRef>
+      <a:effectRef idx="0">
+        <a:scrgbClr r="0" g="0" b="0"/>
+      </a:effectRef>
+      <a:fontRef idx="minor"/>
+    </dgm:style>
+  </dgm:styleLbl>
+  <dgm:styleLbl name="bgImgPlace1">
+    <dgm:scene3d>
+      <a:camera prst="orthographicFront"/>
+      <a:lightRig rig="threePt" dir="t"/>
+    </dgm:scene3d>
+    <dgm:sp3d/>
+    <dgm:txPr/>
+    <dgm:style>
+      <a:lnRef idx="2">
+        <a:scrgbClr r="0" g="0" b="0"/>
+      </a:lnRef>
+      <a:fillRef idx="1">
+        <a:scrgbClr r="0" g="0" b="0"/>
+      </a:fillRef>
+      <a:effectRef idx="0">
+        <a:scrgbClr r="0" g="0" b="0"/>
+      </a:effectRef>
+      <a:fontRef idx="minor"/>
+    </dgm:style>
+  </dgm:styleLbl>
+  <dgm:styleLbl name="sibTrans2D1">
+    <dgm:scene3d>
+      <a:camera prst="orthographicFront"/>
+      <a:lightRig rig="threePt" dir="t"/>
+    </dgm:scene3d>
+    <dgm:sp3d/>
+    <dgm:txPr/>
+    <dgm:style>
+      <a:lnRef idx="0">
+        <a:scrgbClr r="0" g="0" b="0"/>
+      </a:lnRef>
+      <a:fillRef idx="1">
+        <a:scrgbClr r="0" g="0" b="0"/>
+      </a:fillRef>
+      <a:effectRef idx="0">
+        <a:scrgbClr r="0" g="0" b="0"/>
+      </a:effectRef>
+      <a:fontRef idx="minor">
+        <a:schemeClr val="lt1"/>
+      </a:fontRef>
+    </dgm:style>
+  </dgm:styleLbl>
+  <dgm:styleLbl name="fgSibTrans2D1">
+    <dgm:scene3d>
+      <a:camera prst="orthographicFront"/>
+      <a:lightRig rig="threePt" dir="t"/>
+    </dgm:scene3d>
+    <dgm:sp3d/>
+    <dgm:txPr/>
+    <dgm:style>
+      <a:lnRef idx="0">
+        <a:scrgbClr r="0" g="0" b="0"/>
+      </a:lnRef>
+      <a:fillRef idx="1">
+        <a:scrgbClr r="0" g="0" b="0"/>
+      </a:fillRef>
+      <a:effectRef idx="0">
+        <a:scrgbClr r="0" g="0" b="0"/>
+      </a:effectRef>
+      <a:fontRef idx="minor">
+        <a:schemeClr val="lt1"/>
+      </a:fontRef>
+    </dgm:style>
+  </dgm:styleLbl>
+  <dgm:styleLbl name="bgSibTrans2D1">
+    <dgm:scene3d>
+      <a:camera prst="orthographicFront"/>
+      <a:lightRig rig="threePt" dir="t"/>
+    </dgm:scene3d>
+    <dgm:sp3d/>
+    <dgm:txPr/>
+    <dgm:style>
+      <a:lnRef idx="0">
+        <a:scrgbClr r="0" g="0" b="0"/>
+      </a:lnRef>
+      <a:fillRef idx="1">
+        <a:scrgbClr r="0" g="0" b="0"/>
+      </a:fillRef>
+      <a:effectRef idx="0">
+        <a:scrgbClr r="0" g="0" b="0"/>
+      </a:effectRef>
+      <a:fontRef idx="minor">
+        <a:schemeClr val="lt1"/>
+      </a:fontRef>
+    </dgm:style>
+  </dgm:styleLbl>
+  <dgm:styleLbl name="sibTrans1D1">
+    <dgm:scene3d>
+      <a:camera prst="orthographicFront"/>
+      <a:lightRig rig="threePt" dir="t"/>
+    </dgm:scene3d>
+    <dgm:sp3d/>
+    <dgm:txPr/>
+    <dgm:style>
+      <a:lnRef idx="1">
+        <a:scrgbClr r="0" g="0" b="0"/>
+      </a:lnRef>
+      <a:fillRef idx="0">
+        <a:scrgbClr r="0" g="0" b="0"/>
+      </a:fillRef>
+      <a:effectRef idx="0">
+        <a:scrgbClr r="0" g="0" b="0"/>
+      </a:effectRef>
+      <a:fontRef idx="minor"/>
+    </dgm:style>
+  </dgm:styleLbl>
+  <dgm:styleLbl name="callout">
+    <dgm:scene3d>
+      <a:camera prst="orthographicFront"/>
+      <a:lightRig rig="threePt" dir="t"/>
+    </dgm:scene3d>
+    <dgm:sp3d/>
+    <dgm:txPr/>
+    <dgm:style>
+      <a:lnRef idx="2">
+        <a:scrgbClr r="0" g="0" b="0"/>
+      </a:lnRef>
+      <a:fillRef idx="1">
+        <a:scrgbClr r="0" g="0" b="0"/>
+      </a:fillRef>
+      <a:effectRef idx="0">
+        <a:scrgbClr r="0" g="0" b="0"/>
+      </a:effectRef>
+      <a:fontRef idx="minor"/>
+    </dgm:style>
+  </dgm:styleLbl>
+  <dgm:styleLbl name="asst0">
+    <dgm:scene3d>
+      <a:camera prst="orthographicFront"/>
+      <a:lightRig rig="threePt" dir="t"/>
+    </dgm:scene3d>
+    <dgm:sp3d/>
+    <dgm:txPr/>
+    <dgm:style>
+      <a:lnRef idx="2">
+        <a:scrgbClr r="0" g="0" b="0"/>
+      </a:lnRef>
+      <a:fillRef idx="1">
+        <a:scrgbClr r="0" g="0" b="0"/>
+      </a:fillRef>
+      <a:effectRef idx="0">
+        <a:scrgbClr r="0" g="0" b="0"/>
+      </a:effectRef>
+      <a:fontRef idx="minor">
+        <a:schemeClr val="lt1"/>
+      </a:fontRef>
+    </dgm:style>
+  </dgm:styleLbl>
+  <dgm:styleLbl name="asst1">
+    <dgm:scene3d>
+      <a:camera prst="orthographicFront"/>
+      <a:lightRig rig="threePt" dir="t"/>
+    </dgm:scene3d>
+    <dgm:sp3d/>
+    <dgm:txPr/>
+    <dgm:style>
+      <a:lnRef idx="2">
+        <a:scrgbClr r="0" g="0" b="0"/>
+      </a:lnRef>
+      <a:fillRef idx="1">
+        <a:scrgbClr r="0" g="0" b="0"/>
+      </a:fillRef>
+      <a:effectRef idx="0">
+        <a:scrgbClr r="0" g="0" b="0"/>
+      </a:effectRef>
+      <a:fontRef idx="minor">
+        <a:schemeClr val="lt1"/>
+      </a:fontRef>
+    </dgm:style>
+  </dgm:styleLbl>
+  <dgm:styleLbl name="asst2">
+    <dgm:scene3d>
+      <a:camera prst="orthographicFront"/>
+      <a:lightRig rig="threePt" dir="t"/>
+    </dgm:scene3d>
+    <dgm:sp3d/>
+    <dgm:txPr/>
+    <dgm:style>
+      <a:lnRef idx="2">
+        <a:scrgbClr r="0" g="0" b="0"/>
+      </a:lnRef>
+      <a:fillRef idx="1">
+        <a:scrgbClr r="0" g="0" b="0"/>
+      </a:fillRef>
+      <a:effectRef idx="0">
+        <a:scrgbClr r="0" g="0" b="0"/>
+      </a:effectRef>
+      <a:fontRef idx="minor">
+        <a:schemeClr val="lt1"/>
+      </a:fontRef>
+    </dgm:style>
+  </dgm:styleLbl>
+  <dgm:styleLbl name="asst3">
+    <dgm:scene3d>
+      <a:camera prst="orthographicFront"/>
+      <a:lightRig rig="threePt" dir="t"/>
+    </dgm:scene3d>
+    <dgm:sp3d/>
+    <dgm:txPr/>
+    <dgm:style>
+      <a:lnRef idx="2">
+        <a:scrgbClr r="0" g="0" b="0"/>
+      </a:lnRef>
+      <a:fillRef idx="1">
+        <a:scrgbClr r="0" g="0" b="0"/>
+      </a:fillRef>
+      <a:effectRef idx="0">
+        <a:scrgbClr r="0" g="0" b="0"/>
+      </a:effectRef>
+      <a:fontRef idx="minor">
+        <a:schemeClr val="lt1"/>
+      </a:fontRef>
+    </dgm:style>
+  </dgm:styleLbl>
+  <dgm:styleLbl name="asst4">
+    <dgm:scene3d>
+      <a:camera prst="orthographicFront"/>
+      <a:lightRig rig="threePt" dir="t"/>
+    </dgm:scene3d>
+    <dgm:sp3d/>
+    <dgm:txPr/>
+    <dgm:style>
+      <a:lnRef idx="2">
+        <a:scrgbClr r="0" g="0" b="0"/>
+      </a:lnRef>
+      <a:fillRef idx="1">
+        <a:scrgbClr r="0" g="0" b="0"/>
+      </a:fillRef>
+      <a:effectRef idx="0">
+        <a:scrgbClr r="0" g="0" b="0"/>
+      </a:effectRef>
+      <a:fontRef idx="minor">
+        <a:schemeClr val="lt1"/>
+      </a:fontRef>
+    </dgm:style>
+  </dgm:styleLbl>
+  <dgm:styleLbl name="parChTrans2D1">
+    <dgm:scene3d>
+      <a:camera prst="orthographicFront"/>
+      <a:lightRig rig="threePt" dir="t"/>
+    </dgm:scene3d>
+    <dgm:sp3d/>
+    <dgm:txPr/>
+    <dgm:style>
+      <a:lnRef idx="2">
+        <a:scrgbClr r="0" g="0" b="0"/>
+      </a:lnRef>
+      <a:fillRef idx="1">
+        <a:scrgbClr r="0" g="0" b="0"/>
+      </a:fillRef>
+      <a:effectRef idx="0">
+        <a:scrgbClr r="0" g="0" b="0"/>
+      </a:effectRef>
+      <a:fontRef idx="minor">
+        <a:schemeClr val="lt1"/>
+      </a:fontRef>
+    </dgm:style>
+  </dgm:styleLbl>
+  <dgm:styleLbl name="parChTrans2D2">
+    <dgm:scene3d>
+      <a:camera prst="orthographicFront"/>
+      <a:lightRig rig="threePt" dir="t"/>
+    </dgm:scene3d>
+    <dgm:sp3d/>
+    <dgm:txPr/>
+    <dgm:style>
+      <a:lnRef idx="2">
+        <a:scrgbClr r="0" g="0" b="0"/>
+      </a:lnRef>
+      <a:fillRef idx="1">
+        <a:scrgbClr r="0" g="0" b="0"/>
+      </a:fillRef>
+      <a:effectRef idx="0">
+        <a:scrgbClr r="0" g="0" b="0"/>
+      </a:effectRef>
+      <a:fontRef idx="minor">
+        <a:schemeClr val="lt1"/>
+      </a:fontRef>
+    </dgm:style>
+  </dgm:styleLbl>
+  <dgm:styleLbl name="parChTrans2D3">
+    <dgm:scene3d>
+      <a:camera prst="orthographicFront"/>
+      <a:lightRig rig="threePt" dir="t"/>
+    </dgm:scene3d>
+    <dgm:sp3d/>
+    <dgm:txPr/>
+    <dgm:style>
+      <a:lnRef idx="2">
+        <a:scrgbClr r="0" g="0" b="0"/>
+      </a:lnRef>
+      <a:fillRef idx="1">
+        <a:scrgbClr r="0" g="0" b="0"/>
+      </a:fillRef>
+      <a:effectRef idx="0">
+        <a:scrgbClr r="0" g="0" b="0"/>
+      </a:effectRef>
+      <a:fontRef idx="minor">
+        <a:schemeClr val="lt1"/>
+      </a:fontRef>
+    </dgm:style>
+  </dgm:styleLbl>
+  <dgm:styleLbl name="parChTrans2D4">
+    <dgm:scene3d>
+      <a:camera prst="orthographicFront"/>
+      <a:lightRig rig="threePt" dir="t"/>
+    </dgm:scene3d>
+    <dgm:sp3d/>
+    <dgm:txPr/>
+    <dgm:style>
+      <a:lnRef idx="2">
+        <a:scrgbClr r="0" g="0" b="0"/>
+      </a:lnRef>
+      <a:fillRef idx="1">
+        <a:scrgbClr r="0" g="0" b="0"/>
+      </a:fillRef>
+      <a:effectRef idx="0">
+        <a:scrgbClr r="0" g="0" b="0"/>
+      </a:effectRef>
+      <a:fontRef idx="minor">
+        <a:schemeClr val="lt1"/>
+      </a:fontRef>
+    </dgm:style>
+  </dgm:styleLbl>
+  <dgm:styleLbl name="parChTrans1D1">
+    <dgm:scene3d>
+      <a:camera prst="orthographicFront"/>
+      <a:lightRig rig="threePt" dir="t"/>
+    </dgm:scene3d>
+    <dgm:sp3d/>
+    <dgm:txPr/>
+    <dgm:style>
+      <a:lnRef idx="2">
+        <a:scrgbClr r="0" g="0" b="0"/>
+      </a:lnRef>
+      <a:fillRef idx="0">
+        <a:scrgbClr r="0" g="0" b="0"/>
+      </a:fillRef>
+      <a:effectRef idx="0">
+        <a:scrgbClr r="0" g="0" b="0"/>
+      </a:effectRef>
+      <a:fontRef idx="minor"/>
+    </dgm:style>
+  </dgm:styleLbl>
+  <dgm:styleLbl name="parChTrans1D2">
+    <dgm:scene3d>
+      <a:camera prst="orthographicFront"/>
+      <a:lightRig rig="threePt" dir="t"/>
+    </dgm:scene3d>
+    <dgm:sp3d/>
+    <dgm:txPr/>
+    <dgm:style>
+      <a:lnRef idx="2">
+        <a:scrgbClr r="0" g="0" b="0"/>
+      </a:lnRef>
+      <a:fillRef idx="0">
+        <a:scrgbClr r="0" g="0" b="0"/>
+      </a:fillRef>
+      <a:effectRef idx="0">
+        <a:scrgbClr r="0" g="0" b="0"/>
+      </a:effectRef>
+      <a:fontRef idx="minor"/>
+    </dgm:style>
+  </dgm:styleLbl>
+  <dgm:styleLbl name="parChTrans1D3">
+    <dgm:scene3d>
+      <a:camera prst="orthographicFront"/>
+      <a:lightRig rig="threePt" dir="t"/>
+    </dgm:scene3d>
+    <dgm:sp3d/>
+    <dgm:txPr/>
+    <dgm:style>
+      <a:lnRef idx="2">
+        <a:scrgbClr r="0" g="0" b="0"/>
+      </a:lnRef>
+      <a:fillRef idx="0">
+        <a:scrgbClr r="0" g="0" b="0"/>
+      </a:fillRef>
+      <a:effectRef idx="0">
+        <a:scrgbClr r="0" g="0" b="0"/>
+      </a:effectRef>
+      <a:fontRef idx="minor"/>
+    </dgm:style>
+  </dgm:styleLbl>
+  <dgm:styleLbl name="parChTrans1D4">
+    <dgm:scene3d>
+      <a:camera prst="orthographicFront"/>
+      <a:lightRig rig="threePt" dir="t"/>
+    </dgm:scene3d>
+    <dgm:sp3d/>
+    <dgm:txPr/>
+    <dgm:style>
+      <a:lnRef idx="2">
+        <a:scrgbClr r="0" g="0" b="0"/>
+      </a:lnRef>
+      <a:fillRef idx="0">
+        <a:scrgbClr r="0" g="0" b="0"/>
+      </a:fillRef>
+      <a:effectRef idx="0">
+        <a:scrgbClr r="0" g="0" b="0"/>
+      </a:effectRef>
+      <a:fontRef idx="minor"/>
+    </dgm:style>
+  </dgm:styleLbl>
+  <dgm:styleLbl name="fgAcc1">
+    <dgm:scene3d>
+      <a:camera prst="orthographicFront"/>
+      <a:lightRig rig="threePt" dir="t"/>
+    </dgm:scene3d>
+    <dgm:sp3d/>
+    <dgm:txPr/>
+    <dgm:style>
+      <a:lnRef idx="2">
+        <a:scrgbClr r="0" g="0" b="0"/>
+      </a:lnRef>
+      <a:fillRef idx="1">
+        <a:scrgbClr r="0" g="0" b="0"/>
+      </a:fillRef>
+      <a:effectRef idx="0">
+        <a:scrgbClr r="0" g="0" b="0"/>
+      </a:effectRef>
+      <a:fontRef idx="minor"/>
+    </dgm:style>
+  </dgm:styleLbl>
+  <dgm:styleLbl name="conFgAcc1">
+    <dgm:scene3d>
+      <a:camera prst="orthographicFront"/>
+      <a:lightRig rig="threePt" dir="t"/>
+    </dgm:scene3d>
+    <dgm:sp3d/>
+    <dgm:txPr/>
+    <dgm:style>
+      <a:lnRef idx="2">
+        <a:scrgbClr r="0" g="0" b="0"/>
+      </a:lnRef>
+      <a:fillRef idx="1">
+        <a:scrgbClr r="0" g="0" b="0"/>
+      </a:fillRef>
+      <a:effectRef idx="0">
+        <a:scrgbClr r="0" g="0" b="0"/>
+      </a:effectRef>
+      <a:fontRef idx="minor"/>
+    </dgm:style>
+  </dgm:styleLbl>
+  <dgm:styleLbl name="alignAcc1">
+    <dgm:scene3d>
+      <a:camera prst="orthographicFront"/>
+      <a:lightRig rig="threePt" dir="t"/>
+    </dgm:scene3d>
+    <dgm:sp3d/>
+    <dgm:txPr/>
+    <dgm:style>
+      <a:lnRef idx="2">
+        <a:scrgbClr r="0" g="0" b="0"/>
+      </a:lnRef>
+      <a:fillRef idx="1">
+        <a:scrgbClr r="0" g="0" b="0"/>
+      </a:fillRef>
+      <a:effectRef idx="0">
+        <a:scrgbClr r="0" g="0" b="0"/>
+      </a:effectRef>
+      <a:fontRef idx="minor"/>
+    </dgm:style>
+  </dgm:styleLbl>
+  <dgm:styleLbl name="trAlignAcc1">
+    <dgm:scene3d>
+      <a:camera prst="orthographicFront"/>
+      <a:lightRig rig="threePt" dir="t"/>
+    </dgm:scene3d>
+    <dgm:sp3d/>
+    <dgm:txPr/>
+    <dgm:style>
+      <a:lnRef idx="1">
+        <a:scrgbClr r="0" g="0" b="0"/>
+      </a:lnRef>
+      <a:fillRef idx="1">
+        <a:scrgbClr r="0" g="0" b="0"/>
+      </a:fillRef>
+      <a:effectRef idx="0">
+        <a:scrgbClr r="0" g="0" b="0"/>
+      </a:effectRef>
+      <a:fontRef idx="minor"/>
+    </dgm:style>
+  </dgm:styleLbl>
+  <dgm:styleLbl name="bgAcc1">
+    <dgm:scene3d>
+      <a:camera prst="orthographicFront"/>
+      <a:lightRig rig="threePt" dir="t"/>
+    </dgm:scene3d>
+    <dgm:sp3d/>
+    <dgm:txPr/>
+    <dgm:style>
+      <a:lnRef idx="2">
+        <a:scrgbClr r="0" g="0" b="0"/>
+      </a:lnRef>
+      <a:fillRef idx="1">
+        <a:scrgbClr r="0" g="0" b="0"/>
+      </a:fillRef>
+      <a:effectRef idx="0">
+        <a:scrgbClr r="0" g="0" b="0"/>
+      </a:effectRef>
+      <a:fontRef idx="minor"/>
+    </dgm:style>
+  </dgm:styleLbl>
+  <dgm:styleLbl name="solidFgAcc1">
+    <dgm:scene3d>
+      <a:camera prst="orthographicFront"/>
+      <a:lightRig rig="threePt" dir="t"/>
+    </dgm:scene3d>
+    <dgm:sp3d/>
+    <dgm:txPr/>
+    <dgm:style>
+      <a:lnRef idx="2">
+        <a:scrgbClr r="0" g="0" b="0"/>
+      </a:lnRef>
+      <a:fillRef idx="1">
+        <a:scrgbClr r="0" g="0" b="0"/>
+      </a:fillRef>
+      <a:effectRef idx="0">
+        <a:scrgbClr r="0" g="0" b="0"/>
+      </a:effectRef>
+      <a:fontRef idx="minor"/>
+    </dgm:style>
+  </dgm:styleLbl>
+  <dgm:styleLbl name="solidAlignAcc1">
+    <dgm:scene3d>
+      <a:camera prst="orthographicFront"/>
+      <a:lightRig rig="threePt" dir="t"/>
+    </dgm:scene3d>
+    <dgm:sp3d/>
+    <dgm:txPr/>
+    <dgm:style>
+      <a:lnRef idx="2">
+        <a:scrgbClr r="0" g="0" b="0"/>
+      </a:lnRef>
+      <a:fillRef idx="1">
+        <a:scrgbClr r="0" g="0" b="0"/>
+      </a:fillRef>
+      <a:effectRef idx="0">
+        <a:scrgbClr r="0" g="0" b="0"/>
+      </a:effectRef>
+      <a:fontRef idx="minor"/>
+    </dgm:style>
+  </dgm:styleLbl>
+  <dgm:styleLbl name="solidBgAcc1">
+    <dgm:scene3d>
+      <a:camera prst="orthographicFront"/>
+      <a:lightRig rig="threePt" dir="t"/>
+    </dgm:scene3d>
+    <dgm:sp3d/>
+    <dgm:txPr/>
+    <dgm:style>
+      <a:lnRef idx="2">
+        <a:scrgbClr r="0" g="0" b="0"/>
+      </a:lnRef>
+      <a:fillRef idx="1">
+        <a:scrgbClr r="0" g="0" b="0"/>
+      </a:fillRef>
+      <a:effectRef idx="0">
+        <a:scrgbClr r="0" g="0" b="0"/>
+      </a:effectRef>
+      <a:fontRef idx="minor"/>
+    </dgm:style>
+  </dgm:styleLbl>
+  <dgm:styleLbl name="fgAccFollowNode1">
+    <dgm:scene3d>
+      <a:camera prst="orthographicFront"/>
+      <a:lightRig rig="threePt" dir="t"/>
+    </dgm:scene3d>
+    <dgm:sp3d/>
+    <dgm:txPr/>
+    <dgm:style>
+      <a:lnRef idx="2">
+        <a:scrgbClr r="0" g="0" b="0"/>
+      </a:lnRef>
+      <a:fillRef idx="1">
+        <a:scrgbClr r="0" g="0" b="0"/>
+      </a:fillRef>
+      <a:effectRef idx="0">
+        <a:scrgbClr r="0" g="0" b="0"/>
+      </a:effectRef>
+      <a:fontRef idx="minor"/>
+    </dgm:style>
+  </dgm:styleLbl>
+  <dgm:styleLbl name="alignAccFollowNode1">
+    <dgm:scene3d>
+      <a:camera prst="orthographicFront"/>
+      <a:lightRig rig="threePt" dir="t"/>
+    </dgm:scene3d>
+    <dgm:sp3d/>
+    <dgm:txPr/>
+    <dgm:style>
+      <a:lnRef idx="2">
+        <a:scrgbClr r="0" g="0" b="0"/>
+      </a:lnRef>
+      <a:fillRef idx="1">
+        <a:scrgbClr r="0" g="0" b="0"/>
+      </a:fillRef>
+      <a:effectRef idx="0">
+        <a:scrgbClr r="0" g="0" b="0"/>
+      </a:effectRef>
+      <a:fontRef idx="minor"/>
+    </dgm:style>
+  </dgm:styleLbl>
+  <dgm:styleLbl name="bgAccFollowNode1">
+    <dgm:scene3d>
+      <a:camera prst="orthographicFront"/>
+      <a:lightRig rig="threePt" dir="t"/>
+    </dgm:scene3d>
+    <dgm:sp3d/>
+    <dgm:txPr/>
+    <dgm:style>
+      <a:lnRef idx="2">
+        <a:scrgbClr r="0" g="0" b="0"/>
+      </a:lnRef>
+      <a:fillRef idx="1">
+        <a:scrgbClr r="0" g="0" b="0"/>
+      </a:fillRef>
+      <a:effectRef idx="0">
+        <a:scrgbClr r="0" g="0" b="0"/>
+      </a:effectRef>
+      <a:fontRef idx="minor"/>
+    </dgm:style>
+  </dgm:styleLbl>
+  <dgm:styleLbl name="fgAcc0">
+    <dgm:scene3d>
+      <a:camera prst="orthographicFront"/>
+      <a:lightRig rig="threePt" dir="t"/>
+    </dgm:scene3d>
+    <dgm:sp3d/>
+    <dgm:txPr/>
+    <dgm:style>
+      <a:lnRef idx="2">
+        <a:scrgbClr r="0" g="0" b="0"/>
+      </a:lnRef>
+      <a:fillRef idx="1">
+        <a:scrgbClr r="0" g="0" b="0"/>
+      </a:fillRef>
+      <a:effectRef idx="0">
+        <a:scrgbClr r="0" g="0" b="0"/>
+      </a:effectRef>
+      <a:fontRef idx="minor"/>
+    </dgm:style>
+  </dgm:styleLbl>
+  <dgm:styleLbl name="fgAcc2">
+    <dgm:scene3d>
+      <a:camera prst="orthographicFront"/>
+      <a:lightRig rig="threePt" dir="t"/>
+    </dgm:scene3d>
+    <dgm:sp3d/>
+    <dgm:txPr/>
+    <dgm:style>
+      <a:lnRef idx="2">
+        <a:scrgbClr r="0" g="0" b="0"/>
+      </a:lnRef>
+      <a:fillRef idx="1">
+        <a:scrgbClr r="0" g="0" b="0"/>
+      </a:fillRef>
+      <a:effectRef idx="0">
+        <a:scrgbClr r="0" g="0" b="0"/>
+      </a:effectRef>
+      <a:fontRef idx="minor"/>
+    </dgm:style>
+  </dgm:styleLbl>
+  <dgm:styleLbl name="fgAcc3">
+    <dgm:scene3d>
+      <a:camera prst="orthographicFront"/>
+      <a:lightRig rig="threePt" dir="t"/>
+    </dgm:scene3d>
+    <dgm:sp3d/>
+    <dgm:txPr/>
+    <dgm:style>
+      <a:lnRef idx="2">
+        <a:scrgbClr r="0" g="0" b="0"/>
+      </a:lnRef>
+      <a:fillRef idx="1">
+        <a:scrgbClr r="0" g="0" b="0"/>
+      </a:fillRef>
+      <a:effectRef idx="0">
+        <a:scrgbClr r="0" g="0" b="0"/>
+      </a:effectRef>
+      <a:fontRef idx="minor"/>
+    </dgm:style>
+  </dgm:styleLbl>
+  <dgm:styleLbl name="fgAcc4">
+    <dgm:scene3d>
+      <a:camera prst="orthographicFront"/>
+      <a:lightRig rig="threePt" dir="t"/>
+    </dgm:scene3d>
+    <dgm:sp3d/>
+    <dgm:txPr/>
+    <dgm:style>
+      <a:lnRef idx="2">
+        <a:scrgbClr r="0" g="0" b="0"/>
+      </a:lnRef>
+      <a:fillRef idx="1">
+        <a:scrgbClr r="0" g="0" b="0"/>
+      </a:fillRef>
+      <a:effectRef idx="0">
+        <a:scrgbClr r="0" g="0" b="0"/>
+      </a:effectRef>
+      <a:fontRef idx="minor"/>
+    </dgm:style>
+  </dgm:styleLbl>
+  <dgm:styleLbl name="bgShp">
+    <dgm:scene3d>
+      <a:camera prst="orthographicFront"/>
+      <a:lightRig rig="threePt" dir="t"/>
+    </dgm:scene3d>
+    <dgm:sp3d/>
+    <dgm:txPr/>
+    <dgm:style>
+      <a:lnRef idx="0">
+        <a:scrgbClr r="0" g="0" b="0"/>
+      </a:lnRef>
+      <a:fillRef idx="1">
+        <a:scrgbClr r="0" g="0" b="0"/>
+      </a:fillRef>
+      <a:effectRef idx="0">
+        <a:scrgbClr r="0" g="0" b="0"/>
+      </a:effectRef>
+      <a:fontRef idx="minor"/>
+    </dgm:style>
+  </dgm:styleLbl>
+  <dgm:styleLbl name="dkBgShp">
+    <dgm:scene3d>
+      <a:camera prst="orthographicFront"/>
+      <a:lightRig rig="threePt" dir="t"/>
+    </dgm:scene3d>
+    <dgm:sp3d/>
+    <dgm:txPr/>
+    <dgm:style>
+      <a:lnRef idx="0">
+        <a:scrgbClr r="0" g="0" b="0"/>
+      </a:lnRef>
+      <a:fillRef idx="1">
+        <a:scrgbClr r="0" g="0" b="0"/>
+      </a:fillRef>
+      <a:effectRef idx="0">
+        <a:scrgbClr r="0" g="0" b="0"/>
+      </a:effectRef>
+      <a:fontRef idx="minor"/>
+    </dgm:style>
+  </dgm:styleLbl>
+  <dgm:styleLbl name="trBgShp">
+    <dgm:scene3d>
+      <a:camera prst="orthographicFront"/>
+      <a:lightRig rig="threePt" dir="t"/>
+    </dgm:scene3d>
+    <dgm:sp3d/>
+    <dgm:txPr/>
+    <dgm:style>
+      <a:lnRef idx="0">
+        <a:scrgbClr r="0" g="0" b="0"/>
+      </a:lnRef>
+      <a:fillRef idx="1">
+        <a:scrgbClr r="0" g="0" b="0"/>
+      </a:fillRef>
+      <a:effectRef idx="0">
+        <a:scrgbClr r="0" g="0" b="0"/>
+      </a:effectRef>
+      <a:fontRef idx="minor"/>
+    </dgm:style>
+  </dgm:styleLbl>
+  <dgm:styleLbl name="fgShp">
+    <dgm:scene3d>
+      <a:camera prst="orthographicFront"/>
+      <a:lightRig rig="threePt" dir="t"/>
+    </dgm:scene3d>
+    <dgm:sp3d/>
+    <dgm:txPr/>
+    <dgm:style>
+      <a:lnRef idx="2">
+        <a:scrgbClr r="0" g="0" b="0"/>
+      </a:lnRef>
+      <a:fillRef idx="1">
+        <a:scrgbClr r="0" g="0" b="0"/>
+      </a:fillRef>
+      <a:effectRef idx="0">
+        <a:scrgbClr r="0" g="0" b="0"/>
+      </a:effectRef>
+      <a:fontRef idx="minor"/>
+    </dgm:style>
+  </dgm:styleLbl>
+  <dgm:styleLbl name="revTx">
+    <dgm:scene3d>
+      <a:camera prst="orthographicFront"/>
+      <a:lightRig rig="threePt" dir="t"/>
+    </dgm:scene3d>
+    <dgm:sp3d/>
+    <dgm:txPr/>
+    <dgm:style>
+      <a:lnRef idx="0">
+        <a:scrgbClr r="0" g="0" b="0"/>
+      </a:lnRef>
+      <a:fillRef idx="0">
+        <a:scrgbClr r="0" g="0" b="0"/>
+      </a:fillRef>
+      <a:effectRef idx="0">
+        <a:scrgbClr r="0" g="0" b="0"/>
+      </a:effectRef>
+      <a:fontRef idx="minor"/>
+    </dgm:style>
+  </dgm:styleLbl>
+</dgm:styleDef>
+</file>
+
+<file path=ppt/diagrams/quickStyle2.xml><?xml version="1.0" encoding="utf-8"?>
 <dgm:styleDef xmlns:dgm="http://schemas.openxmlformats.org/drawingml/2006/diagram" xmlns:a="http://schemas.openxmlformats.org/drawingml/2006/main" uniqueId="urn:microsoft.com/office/officeart/2005/8/quickstyle/simple4">
   <dgm:title val=""/>
   <dgm:desc val=""/>
@@ -10339,1040 +13020,6 @@
         <a:scrgbClr r="0" g="0" b="0"/>
       </a:fillRef>
       <a:effectRef idx="2">
-        <a:scrgbClr r="0" g="0" b="0"/>
-      </a:effectRef>
-      <a:fontRef idx="minor"/>
-    </dgm:style>
-  </dgm:styleLbl>
-  <dgm:styleLbl name="revTx">
-    <dgm:scene3d>
-      <a:camera prst="orthographicFront"/>
-      <a:lightRig rig="threePt" dir="t"/>
-    </dgm:scene3d>
-    <dgm:sp3d/>
-    <dgm:txPr/>
-    <dgm:style>
-      <a:lnRef idx="0">
-        <a:scrgbClr r="0" g="0" b="0"/>
-      </a:lnRef>
-      <a:fillRef idx="0">
-        <a:scrgbClr r="0" g="0" b="0"/>
-      </a:fillRef>
-      <a:effectRef idx="0">
-        <a:scrgbClr r="0" g="0" b="0"/>
-      </a:effectRef>
-      <a:fontRef idx="minor"/>
-    </dgm:style>
-  </dgm:styleLbl>
-</dgm:styleDef>
-</file>
-
-<file path=ppt/diagrams/quickStyle2.xml><?xml version="1.0" encoding="utf-8"?>
-<dgm:styleDef xmlns:dgm="http://schemas.openxmlformats.org/drawingml/2006/diagram" xmlns:a="http://schemas.openxmlformats.org/drawingml/2006/main" uniqueId="urn:microsoft.com/office/officeart/2005/8/quickstyle/simple2">
-  <dgm:title val=""/>
-  <dgm:desc val=""/>
-  <dgm:catLst>
-    <dgm:cat type="simple" pri="10200"/>
-  </dgm:catLst>
-  <dgm:scene3d>
-    <a:camera prst="orthographicFront"/>
-    <a:lightRig rig="threePt" dir="t"/>
-  </dgm:scene3d>
-  <dgm:styleLbl name="node0">
-    <dgm:scene3d>
-      <a:camera prst="orthographicFront"/>
-      <a:lightRig rig="threePt" dir="t"/>
-    </dgm:scene3d>
-    <dgm:sp3d/>
-    <dgm:txPr/>
-    <dgm:style>
-      <a:lnRef idx="3">
-        <a:scrgbClr r="0" g="0" b="0"/>
-      </a:lnRef>
-      <a:fillRef idx="1">
-        <a:scrgbClr r="0" g="0" b="0"/>
-      </a:fillRef>
-      <a:effectRef idx="1">
-        <a:scrgbClr r="0" g="0" b="0"/>
-      </a:effectRef>
-      <a:fontRef idx="minor">
-        <a:schemeClr val="lt1"/>
-      </a:fontRef>
-    </dgm:style>
-  </dgm:styleLbl>
-  <dgm:styleLbl name="lnNode1">
-    <dgm:scene3d>
-      <a:camera prst="orthographicFront"/>
-      <a:lightRig rig="threePt" dir="t"/>
-    </dgm:scene3d>
-    <dgm:sp3d/>
-    <dgm:txPr/>
-    <dgm:style>
-      <a:lnRef idx="3">
-        <a:scrgbClr r="0" g="0" b="0"/>
-      </a:lnRef>
-      <a:fillRef idx="1">
-        <a:scrgbClr r="0" g="0" b="0"/>
-      </a:fillRef>
-      <a:effectRef idx="1">
-        <a:scrgbClr r="0" g="0" b="0"/>
-      </a:effectRef>
-      <a:fontRef idx="minor">
-        <a:schemeClr val="lt1"/>
-      </a:fontRef>
-    </dgm:style>
-  </dgm:styleLbl>
-  <dgm:styleLbl name="vennNode1">
-    <dgm:scene3d>
-      <a:camera prst="orthographicFront"/>
-      <a:lightRig rig="threePt" dir="t"/>
-    </dgm:scene3d>
-    <dgm:sp3d/>
-    <dgm:txPr/>
-    <dgm:style>
-      <a:lnRef idx="3">
-        <a:scrgbClr r="0" g="0" b="0"/>
-      </a:lnRef>
-      <a:fillRef idx="1">
-        <a:scrgbClr r="0" g="0" b="0"/>
-      </a:fillRef>
-      <a:effectRef idx="0">
-        <a:scrgbClr r="0" g="0" b="0"/>
-      </a:effectRef>
-      <a:fontRef idx="minor">
-        <a:schemeClr val="tx1"/>
-      </a:fontRef>
-    </dgm:style>
-  </dgm:styleLbl>
-  <dgm:styleLbl name="alignNode1">
-    <dgm:scene3d>
-      <a:camera prst="orthographicFront"/>
-      <a:lightRig rig="threePt" dir="t"/>
-    </dgm:scene3d>
-    <dgm:sp3d/>
-    <dgm:txPr/>
-    <dgm:style>
-      <a:lnRef idx="2">
-        <a:scrgbClr r="0" g="0" b="0"/>
-      </a:lnRef>
-      <a:fillRef idx="1">
-        <a:scrgbClr r="0" g="0" b="0"/>
-      </a:fillRef>
-      <a:effectRef idx="1">
-        <a:scrgbClr r="0" g="0" b="0"/>
-      </a:effectRef>
-      <a:fontRef idx="minor">
-        <a:schemeClr val="lt1"/>
-      </a:fontRef>
-    </dgm:style>
-  </dgm:styleLbl>
-  <dgm:styleLbl name="node1">
-    <dgm:scene3d>
-      <a:camera prst="orthographicFront"/>
-      <a:lightRig rig="threePt" dir="t"/>
-    </dgm:scene3d>
-    <dgm:sp3d/>
-    <dgm:txPr/>
-    <dgm:style>
-      <a:lnRef idx="3">
-        <a:scrgbClr r="0" g="0" b="0"/>
-      </a:lnRef>
-      <a:fillRef idx="1">
-        <a:scrgbClr r="0" g="0" b="0"/>
-      </a:fillRef>
-      <a:effectRef idx="1">
-        <a:scrgbClr r="0" g="0" b="0"/>
-      </a:effectRef>
-      <a:fontRef idx="minor">
-        <a:schemeClr val="lt1"/>
-      </a:fontRef>
-    </dgm:style>
-  </dgm:styleLbl>
-  <dgm:styleLbl name="node2">
-    <dgm:scene3d>
-      <a:camera prst="orthographicFront"/>
-      <a:lightRig rig="threePt" dir="t"/>
-    </dgm:scene3d>
-    <dgm:sp3d/>
-    <dgm:txPr/>
-    <dgm:style>
-      <a:lnRef idx="3">
-        <a:scrgbClr r="0" g="0" b="0"/>
-      </a:lnRef>
-      <a:fillRef idx="1">
-        <a:scrgbClr r="0" g="0" b="0"/>
-      </a:fillRef>
-      <a:effectRef idx="1">
-        <a:scrgbClr r="0" g="0" b="0"/>
-      </a:effectRef>
-      <a:fontRef idx="minor">
-        <a:schemeClr val="lt1"/>
-      </a:fontRef>
-    </dgm:style>
-  </dgm:styleLbl>
-  <dgm:styleLbl name="node3">
-    <dgm:scene3d>
-      <a:camera prst="orthographicFront"/>
-      <a:lightRig rig="threePt" dir="t"/>
-    </dgm:scene3d>
-    <dgm:sp3d/>
-    <dgm:txPr/>
-    <dgm:style>
-      <a:lnRef idx="3">
-        <a:scrgbClr r="0" g="0" b="0"/>
-      </a:lnRef>
-      <a:fillRef idx="1">
-        <a:scrgbClr r="0" g="0" b="0"/>
-      </a:fillRef>
-      <a:effectRef idx="1">
-        <a:scrgbClr r="0" g="0" b="0"/>
-      </a:effectRef>
-      <a:fontRef idx="minor">
-        <a:schemeClr val="lt1"/>
-      </a:fontRef>
-    </dgm:style>
-  </dgm:styleLbl>
-  <dgm:styleLbl name="node4">
-    <dgm:scene3d>
-      <a:camera prst="orthographicFront"/>
-      <a:lightRig rig="threePt" dir="t"/>
-    </dgm:scene3d>
-    <dgm:sp3d/>
-    <dgm:txPr/>
-    <dgm:style>
-      <a:lnRef idx="3">
-        <a:scrgbClr r="0" g="0" b="0"/>
-      </a:lnRef>
-      <a:fillRef idx="1">
-        <a:scrgbClr r="0" g="0" b="0"/>
-      </a:fillRef>
-      <a:effectRef idx="1">
-        <a:scrgbClr r="0" g="0" b="0"/>
-      </a:effectRef>
-      <a:fontRef idx="minor">
-        <a:schemeClr val="lt1"/>
-      </a:fontRef>
-    </dgm:style>
-  </dgm:styleLbl>
-  <dgm:styleLbl name="fgImgPlace1">
-    <dgm:scene3d>
-      <a:camera prst="orthographicFront"/>
-      <a:lightRig rig="threePt" dir="t"/>
-    </dgm:scene3d>
-    <dgm:sp3d/>
-    <dgm:txPr/>
-    <dgm:style>
-      <a:lnRef idx="3">
-        <a:scrgbClr r="0" g="0" b="0"/>
-      </a:lnRef>
-      <a:fillRef idx="1">
-        <a:scrgbClr r="0" g="0" b="0"/>
-      </a:fillRef>
-      <a:effectRef idx="1">
-        <a:scrgbClr r="0" g="0" b="0"/>
-      </a:effectRef>
-      <a:fontRef idx="minor"/>
-    </dgm:style>
-  </dgm:styleLbl>
-  <dgm:styleLbl name="alignImgPlace1">
-    <dgm:scene3d>
-      <a:camera prst="orthographicFront"/>
-      <a:lightRig rig="threePt" dir="t"/>
-    </dgm:scene3d>
-    <dgm:sp3d/>
-    <dgm:txPr/>
-    <dgm:style>
-      <a:lnRef idx="3">
-        <a:scrgbClr r="0" g="0" b="0"/>
-      </a:lnRef>
-      <a:fillRef idx="1">
-        <a:scrgbClr r="0" g="0" b="0"/>
-      </a:fillRef>
-      <a:effectRef idx="1">
-        <a:scrgbClr r="0" g="0" b="0"/>
-      </a:effectRef>
-      <a:fontRef idx="minor"/>
-    </dgm:style>
-  </dgm:styleLbl>
-  <dgm:styleLbl name="bgImgPlace1">
-    <dgm:scene3d>
-      <a:camera prst="orthographicFront"/>
-      <a:lightRig rig="threePt" dir="t"/>
-    </dgm:scene3d>
-    <dgm:sp3d/>
-    <dgm:txPr/>
-    <dgm:style>
-      <a:lnRef idx="3">
-        <a:scrgbClr r="0" g="0" b="0"/>
-      </a:lnRef>
-      <a:fillRef idx="1">
-        <a:scrgbClr r="0" g="0" b="0"/>
-      </a:fillRef>
-      <a:effectRef idx="1">
-        <a:scrgbClr r="0" g="0" b="0"/>
-      </a:effectRef>
-      <a:fontRef idx="minor"/>
-    </dgm:style>
-  </dgm:styleLbl>
-  <dgm:styleLbl name="sibTrans2D1">
-    <dgm:scene3d>
-      <a:camera prst="orthographicFront"/>
-      <a:lightRig rig="threePt" dir="t"/>
-    </dgm:scene3d>
-    <dgm:sp3d/>
-    <dgm:txPr/>
-    <dgm:style>
-      <a:lnRef idx="0">
-        <a:scrgbClr r="0" g="0" b="0"/>
-      </a:lnRef>
-      <a:fillRef idx="1">
-        <a:scrgbClr r="0" g="0" b="0"/>
-      </a:fillRef>
-      <a:effectRef idx="1">
-        <a:scrgbClr r="0" g="0" b="0"/>
-      </a:effectRef>
-      <a:fontRef idx="minor">
-        <a:schemeClr val="lt1"/>
-      </a:fontRef>
-    </dgm:style>
-  </dgm:styleLbl>
-  <dgm:styleLbl name="fgSibTrans2D1">
-    <dgm:scene3d>
-      <a:camera prst="orthographicFront"/>
-      <a:lightRig rig="threePt" dir="t"/>
-    </dgm:scene3d>
-    <dgm:sp3d/>
-    <dgm:txPr/>
-    <dgm:style>
-      <a:lnRef idx="0">
-        <a:scrgbClr r="0" g="0" b="0"/>
-      </a:lnRef>
-      <a:fillRef idx="1">
-        <a:scrgbClr r="0" g="0" b="0"/>
-      </a:fillRef>
-      <a:effectRef idx="1">
-        <a:scrgbClr r="0" g="0" b="0"/>
-      </a:effectRef>
-      <a:fontRef idx="minor">
-        <a:schemeClr val="lt1"/>
-      </a:fontRef>
-    </dgm:style>
-  </dgm:styleLbl>
-  <dgm:styleLbl name="bgSibTrans2D1">
-    <dgm:scene3d>
-      <a:camera prst="orthographicFront"/>
-      <a:lightRig rig="threePt" dir="t"/>
-    </dgm:scene3d>
-    <dgm:sp3d/>
-    <dgm:txPr/>
-    <dgm:style>
-      <a:lnRef idx="0">
-        <a:scrgbClr r="0" g="0" b="0"/>
-      </a:lnRef>
-      <a:fillRef idx="1">
-        <a:scrgbClr r="0" g="0" b="0"/>
-      </a:fillRef>
-      <a:effectRef idx="1">
-        <a:scrgbClr r="0" g="0" b="0"/>
-      </a:effectRef>
-      <a:fontRef idx="minor">
-        <a:schemeClr val="lt1"/>
-      </a:fontRef>
-    </dgm:style>
-  </dgm:styleLbl>
-  <dgm:styleLbl name="sibTrans1D1">
-    <dgm:scene3d>
-      <a:camera prst="orthographicFront"/>
-      <a:lightRig rig="threePt" dir="t"/>
-    </dgm:scene3d>
-    <dgm:sp3d/>
-    <dgm:txPr/>
-    <dgm:style>
-      <a:lnRef idx="1">
-        <a:scrgbClr r="0" g="0" b="0"/>
-      </a:lnRef>
-      <a:fillRef idx="0">
-        <a:scrgbClr r="0" g="0" b="0"/>
-      </a:fillRef>
-      <a:effectRef idx="0">
-        <a:scrgbClr r="0" g="0" b="0"/>
-      </a:effectRef>
-      <a:fontRef idx="minor"/>
-    </dgm:style>
-  </dgm:styleLbl>
-  <dgm:styleLbl name="callout">
-    <dgm:scene3d>
-      <a:camera prst="orthographicFront"/>
-      <a:lightRig rig="threePt" dir="t"/>
-    </dgm:scene3d>
-    <dgm:sp3d/>
-    <dgm:txPr/>
-    <dgm:style>
-      <a:lnRef idx="2">
-        <a:scrgbClr r="0" g="0" b="0"/>
-      </a:lnRef>
-      <a:fillRef idx="1">
-        <a:scrgbClr r="0" g="0" b="0"/>
-      </a:fillRef>
-      <a:effectRef idx="1">
-        <a:scrgbClr r="0" g="0" b="0"/>
-      </a:effectRef>
-      <a:fontRef idx="minor"/>
-    </dgm:style>
-  </dgm:styleLbl>
-  <dgm:styleLbl name="asst0">
-    <dgm:scene3d>
-      <a:camera prst="orthographicFront"/>
-      <a:lightRig rig="threePt" dir="t"/>
-    </dgm:scene3d>
-    <dgm:sp3d/>
-    <dgm:txPr/>
-    <dgm:style>
-      <a:lnRef idx="3">
-        <a:scrgbClr r="0" g="0" b="0"/>
-      </a:lnRef>
-      <a:fillRef idx="1">
-        <a:scrgbClr r="0" g="0" b="0"/>
-      </a:fillRef>
-      <a:effectRef idx="1">
-        <a:scrgbClr r="0" g="0" b="0"/>
-      </a:effectRef>
-      <a:fontRef idx="minor">
-        <a:schemeClr val="lt1"/>
-      </a:fontRef>
-    </dgm:style>
-  </dgm:styleLbl>
-  <dgm:styleLbl name="asst1">
-    <dgm:scene3d>
-      <a:camera prst="orthographicFront"/>
-      <a:lightRig rig="threePt" dir="t"/>
-    </dgm:scene3d>
-    <dgm:sp3d/>
-    <dgm:txPr/>
-    <dgm:style>
-      <a:lnRef idx="3">
-        <a:scrgbClr r="0" g="0" b="0"/>
-      </a:lnRef>
-      <a:fillRef idx="1">
-        <a:scrgbClr r="0" g="0" b="0"/>
-      </a:fillRef>
-      <a:effectRef idx="1">
-        <a:scrgbClr r="0" g="0" b="0"/>
-      </a:effectRef>
-      <a:fontRef idx="minor">
-        <a:schemeClr val="lt1"/>
-      </a:fontRef>
-    </dgm:style>
-  </dgm:styleLbl>
-  <dgm:styleLbl name="asst2">
-    <dgm:scene3d>
-      <a:camera prst="orthographicFront"/>
-      <a:lightRig rig="threePt" dir="t"/>
-    </dgm:scene3d>
-    <dgm:sp3d/>
-    <dgm:txPr/>
-    <dgm:style>
-      <a:lnRef idx="3">
-        <a:scrgbClr r="0" g="0" b="0"/>
-      </a:lnRef>
-      <a:fillRef idx="1">
-        <a:scrgbClr r="0" g="0" b="0"/>
-      </a:fillRef>
-      <a:effectRef idx="1">
-        <a:scrgbClr r="0" g="0" b="0"/>
-      </a:effectRef>
-      <a:fontRef idx="minor">
-        <a:schemeClr val="lt1"/>
-      </a:fontRef>
-    </dgm:style>
-  </dgm:styleLbl>
-  <dgm:styleLbl name="asst3">
-    <dgm:scene3d>
-      <a:camera prst="orthographicFront"/>
-      <a:lightRig rig="threePt" dir="t"/>
-    </dgm:scene3d>
-    <dgm:sp3d/>
-    <dgm:txPr/>
-    <dgm:style>
-      <a:lnRef idx="3">
-        <a:scrgbClr r="0" g="0" b="0"/>
-      </a:lnRef>
-      <a:fillRef idx="1">
-        <a:scrgbClr r="0" g="0" b="0"/>
-      </a:fillRef>
-      <a:effectRef idx="1">
-        <a:scrgbClr r="0" g="0" b="0"/>
-      </a:effectRef>
-      <a:fontRef idx="minor">
-        <a:schemeClr val="lt1"/>
-      </a:fontRef>
-    </dgm:style>
-  </dgm:styleLbl>
-  <dgm:styleLbl name="asst4">
-    <dgm:scene3d>
-      <a:camera prst="orthographicFront"/>
-      <a:lightRig rig="threePt" dir="t"/>
-    </dgm:scene3d>
-    <dgm:sp3d/>
-    <dgm:txPr/>
-    <dgm:style>
-      <a:lnRef idx="3">
-        <a:scrgbClr r="0" g="0" b="0"/>
-      </a:lnRef>
-      <a:fillRef idx="1">
-        <a:scrgbClr r="0" g="0" b="0"/>
-      </a:fillRef>
-      <a:effectRef idx="1">
-        <a:scrgbClr r="0" g="0" b="0"/>
-      </a:effectRef>
-      <a:fontRef idx="minor">
-        <a:schemeClr val="lt1"/>
-      </a:fontRef>
-    </dgm:style>
-  </dgm:styleLbl>
-  <dgm:styleLbl name="parChTrans2D1">
-    <dgm:scene3d>
-      <a:camera prst="orthographicFront"/>
-      <a:lightRig rig="threePt" dir="t"/>
-    </dgm:scene3d>
-    <dgm:sp3d/>
-    <dgm:txPr/>
-    <dgm:style>
-      <a:lnRef idx="3">
-        <a:scrgbClr r="0" g="0" b="0"/>
-      </a:lnRef>
-      <a:fillRef idx="1">
-        <a:scrgbClr r="0" g="0" b="0"/>
-      </a:fillRef>
-      <a:effectRef idx="1">
-        <a:scrgbClr r="0" g="0" b="0"/>
-      </a:effectRef>
-      <a:fontRef idx="minor">
-        <a:schemeClr val="lt1"/>
-      </a:fontRef>
-    </dgm:style>
-  </dgm:styleLbl>
-  <dgm:styleLbl name="parChTrans2D2">
-    <dgm:scene3d>
-      <a:camera prst="orthographicFront"/>
-      <a:lightRig rig="threePt" dir="t"/>
-    </dgm:scene3d>
-    <dgm:sp3d/>
-    <dgm:txPr/>
-    <dgm:style>
-      <a:lnRef idx="3">
-        <a:scrgbClr r="0" g="0" b="0"/>
-      </a:lnRef>
-      <a:fillRef idx="1">
-        <a:scrgbClr r="0" g="0" b="0"/>
-      </a:fillRef>
-      <a:effectRef idx="1">
-        <a:scrgbClr r="0" g="0" b="0"/>
-      </a:effectRef>
-      <a:fontRef idx="minor">
-        <a:schemeClr val="lt1"/>
-      </a:fontRef>
-    </dgm:style>
-  </dgm:styleLbl>
-  <dgm:styleLbl name="parChTrans2D3">
-    <dgm:scene3d>
-      <a:camera prst="orthographicFront"/>
-      <a:lightRig rig="threePt" dir="t"/>
-    </dgm:scene3d>
-    <dgm:sp3d/>
-    <dgm:txPr/>
-    <dgm:style>
-      <a:lnRef idx="3">
-        <a:scrgbClr r="0" g="0" b="0"/>
-      </a:lnRef>
-      <a:fillRef idx="1">
-        <a:scrgbClr r="0" g="0" b="0"/>
-      </a:fillRef>
-      <a:effectRef idx="1">
-        <a:scrgbClr r="0" g="0" b="0"/>
-      </a:effectRef>
-      <a:fontRef idx="minor">
-        <a:schemeClr val="lt1"/>
-      </a:fontRef>
-    </dgm:style>
-  </dgm:styleLbl>
-  <dgm:styleLbl name="parChTrans2D4">
-    <dgm:scene3d>
-      <a:camera prst="orthographicFront"/>
-      <a:lightRig rig="threePt" dir="t"/>
-    </dgm:scene3d>
-    <dgm:sp3d/>
-    <dgm:txPr/>
-    <dgm:style>
-      <a:lnRef idx="3">
-        <a:scrgbClr r="0" g="0" b="0"/>
-      </a:lnRef>
-      <a:fillRef idx="1">
-        <a:scrgbClr r="0" g="0" b="0"/>
-      </a:fillRef>
-      <a:effectRef idx="1">
-        <a:scrgbClr r="0" g="0" b="0"/>
-      </a:effectRef>
-      <a:fontRef idx="minor">
-        <a:schemeClr val="lt1"/>
-      </a:fontRef>
-    </dgm:style>
-  </dgm:styleLbl>
-  <dgm:styleLbl name="parChTrans1D1">
-    <dgm:scene3d>
-      <a:camera prst="orthographicFront"/>
-      <a:lightRig rig="threePt" dir="t"/>
-    </dgm:scene3d>
-    <dgm:sp3d/>
-    <dgm:txPr/>
-    <dgm:style>
-      <a:lnRef idx="2">
-        <a:scrgbClr r="0" g="0" b="0"/>
-      </a:lnRef>
-      <a:fillRef idx="0">
-        <a:scrgbClr r="0" g="0" b="0"/>
-      </a:fillRef>
-      <a:effectRef idx="0">
-        <a:scrgbClr r="0" g="0" b="0"/>
-      </a:effectRef>
-      <a:fontRef idx="minor"/>
-    </dgm:style>
-  </dgm:styleLbl>
-  <dgm:styleLbl name="parChTrans1D2">
-    <dgm:scene3d>
-      <a:camera prst="orthographicFront"/>
-      <a:lightRig rig="threePt" dir="t"/>
-    </dgm:scene3d>
-    <dgm:sp3d/>
-    <dgm:txPr/>
-    <dgm:style>
-      <a:lnRef idx="2">
-        <a:scrgbClr r="0" g="0" b="0"/>
-      </a:lnRef>
-      <a:fillRef idx="0">
-        <a:scrgbClr r="0" g="0" b="0"/>
-      </a:fillRef>
-      <a:effectRef idx="0">
-        <a:scrgbClr r="0" g="0" b="0"/>
-      </a:effectRef>
-      <a:fontRef idx="minor"/>
-    </dgm:style>
-  </dgm:styleLbl>
-  <dgm:styleLbl name="parChTrans1D3">
-    <dgm:scene3d>
-      <a:camera prst="orthographicFront"/>
-      <a:lightRig rig="threePt" dir="t"/>
-    </dgm:scene3d>
-    <dgm:sp3d/>
-    <dgm:txPr/>
-    <dgm:style>
-      <a:lnRef idx="2">
-        <a:scrgbClr r="0" g="0" b="0"/>
-      </a:lnRef>
-      <a:fillRef idx="0">
-        <a:scrgbClr r="0" g="0" b="0"/>
-      </a:fillRef>
-      <a:effectRef idx="0">
-        <a:scrgbClr r="0" g="0" b="0"/>
-      </a:effectRef>
-      <a:fontRef idx="minor"/>
-    </dgm:style>
-  </dgm:styleLbl>
-  <dgm:styleLbl name="parChTrans1D4">
-    <dgm:scene3d>
-      <a:camera prst="orthographicFront"/>
-      <a:lightRig rig="threePt" dir="t"/>
-    </dgm:scene3d>
-    <dgm:sp3d/>
-    <dgm:txPr/>
-    <dgm:style>
-      <a:lnRef idx="2">
-        <a:scrgbClr r="0" g="0" b="0"/>
-      </a:lnRef>
-      <a:fillRef idx="0">
-        <a:scrgbClr r="0" g="0" b="0"/>
-      </a:fillRef>
-      <a:effectRef idx="0">
-        <a:scrgbClr r="0" g="0" b="0"/>
-      </a:effectRef>
-      <a:fontRef idx="minor"/>
-    </dgm:style>
-  </dgm:styleLbl>
-  <dgm:styleLbl name="fgAcc1">
-    <dgm:scene3d>
-      <a:camera prst="orthographicFront"/>
-      <a:lightRig rig="threePt" dir="t"/>
-    </dgm:scene3d>
-    <dgm:sp3d/>
-    <dgm:txPr/>
-    <dgm:style>
-      <a:lnRef idx="2">
-        <a:scrgbClr r="0" g="0" b="0"/>
-      </a:lnRef>
-      <a:fillRef idx="1">
-        <a:scrgbClr r="0" g="0" b="0"/>
-      </a:fillRef>
-      <a:effectRef idx="0">
-        <a:scrgbClr r="0" g="0" b="0"/>
-      </a:effectRef>
-      <a:fontRef idx="minor"/>
-    </dgm:style>
-  </dgm:styleLbl>
-  <dgm:styleLbl name="conFgAcc1">
-    <dgm:scene3d>
-      <a:camera prst="orthographicFront"/>
-      <a:lightRig rig="threePt" dir="t"/>
-    </dgm:scene3d>
-    <dgm:sp3d/>
-    <dgm:txPr/>
-    <dgm:style>
-      <a:lnRef idx="2">
-        <a:scrgbClr r="0" g="0" b="0"/>
-      </a:lnRef>
-      <a:fillRef idx="1">
-        <a:scrgbClr r="0" g="0" b="0"/>
-      </a:fillRef>
-      <a:effectRef idx="0">
-        <a:scrgbClr r="0" g="0" b="0"/>
-      </a:effectRef>
-      <a:fontRef idx="minor"/>
-    </dgm:style>
-  </dgm:styleLbl>
-  <dgm:styleLbl name="alignAcc1">
-    <dgm:scene3d>
-      <a:camera prst="orthographicFront"/>
-      <a:lightRig rig="threePt" dir="t"/>
-    </dgm:scene3d>
-    <dgm:sp3d/>
-    <dgm:txPr/>
-    <dgm:style>
-      <a:lnRef idx="2">
-        <a:scrgbClr r="0" g="0" b="0"/>
-      </a:lnRef>
-      <a:fillRef idx="1">
-        <a:scrgbClr r="0" g="0" b="0"/>
-      </a:fillRef>
-      <a:effectRef idx="0">
-        <a:scrgbClr r="0" g="0" b="0"/>
-      </a:effectRef>
-      <a:fontRef idx="minor"/>
-    </dgm:style>
-  </dgm:styleLbl>
-  <dgm:styleLbl name="trAlignAcc1">
-    <dgm:scene3d>
-      <a:camera prst="orthographicFront"/>
-      <a:lightRig rig="threePt" dir="t"/>
-    </dgm:scene3d>
-    <dgm:sp3d/>
-    <dgm:txPr/>
-    <dgm:style>
-      <a:lnRef idx="1">
-        <a:scrgbClr r="0" g="0" b="0"/>
-      </a:lnRef>
-      <a:fillRef idx="1">
-        <a:scrgbClr r="0" g="0" b="0"/>
-      </a:fillRef>
-      <a:effectRef idx="0">
-        <a:scrgbClr r="0" g="0" b="0"/>
-      </a:effectRef>
-      <a:fontRef idx="minor"/>
-    </dgm:style>
-  </dgm:styleLbl>
-  <dgm:styleLbl name="bgAcc1">
-    <dgm:scene3d>
-      <a:camera prst="orthographicFront"/>
-      <a:lightRig rig="threePt" dir="t"/>
-    </dgm:scene3d>
-    <dgm:sp3d/>
-    <dgm:txPr/>
-    <dgm:style>
-      <a:lnRef idx="2">
-        <a:scrgbClr r="0" g="0" b="0"/>
-      </a:lnRef>
-      <a:fillRef idx="1">
-        <a:scrgbClr r="0" g="0" b="0"/>
-      </a:fillRef>
-      <a:effectRef idx="0">
-        <a:scrgbClr r="0" g="0" b="0"/>
-      </a:effectRef>
-      <a:fontRef idx="minor"/>
-    </dgm:style>
-  </dgm:styleLbl>
-  <dgm:styleLbl name="solidFgAcc1">
-    <dgm:scene3d>
-      <a:camera prst="orthographicFront"/>
-      <a:lightRig rig="threePt" dir="t"/>
-    </dgm:scene3d>
-    <dgm:sp3d/>
-    <dgm:txPr/>
-    <dgm:style>
-      <a:lnRef idx="2">
-        <a:scrgbClr r="0" g="0" b="0"/>
-      </a:lnRef>
-      <a:fillRef idx="1">
-        <a:scrgbClr r="0" g="0" b="0"/>
-      </a:fillRef>
-      <a:effectRef idx="0">
-        <a:scrgbClr r="0" g="0" b="0"/>
-      </a:effectRef>
-      <a:fontRef idx="minor"/>
-    </dgm:style>
-  </dgm:styleLbl>
-  <dgm:styleLbl name="solidAlignAcc1">
-    <dgm:scene3d>
-      <a:camera prst="orthographicFront"/>
-      <a:lightRig rig="threePt" dir="t"/>
-    </dgm:scene3d>
-    <dgm:sp3d/>
-    <dgm:txPr/>
-    <dgm:style>
-      <a:lnRef idx="2">
-        <a:scrgbClr r="0" g="0" b="0"/>
-      </a:lnRef>
-      <a:fillRef idx="1">
-        <a:scrgbClr r="0" g="0" b="0"/>
-      </a:fillRef>
-      <a:effectRef idx="0">
-        <a:scrgbClr r="0" g="0" b="0"/>
-      </a:effectRef>
-      <a:fontRef idx="minor"/>
-    </dgm:style>
-  </dgm:styleLbl>
-  <dgm:styleLbl name="solidBgAcc1">
-    <dgm:scene3d>
-      <a:camera prst="orthographicFront"/>
-      <a:lightRig rig="threePt" dir="t"/>
-    </dgm:scene3d>
-    <dgm:sp3d/>
-    <dgm:txPr/>
-    <dgm:style>
-      <a:lnRef idx="2">
-        <a:scrgbClr r="0" g="0" b="0"/>
-      </a:lnRef>
-      <a:fillRef idx="1">
-        <a:scrgbClr r="0" g="0" b="0"/>
-      </a:fillRef>
-      <a:effectRef idx="0">
-        <a:scrgbClr r="0" g="0" b="0"/>
-      </a:effectRef>
-      <a:fontRef idx="minor"/>
-    </dgm:style>
-  </dgm:styleLbl>
-  <dgm:styleLbl name="fgAccFollowNode1">
-    <dgm:scene3d>
-      <a:camera prst="orthographicFront"/>
-      <a:lightRig rig="threePt" dir="t"/>
-    </dgm:scene3d>
-    <dgm:sp3d/>
-    <dgm:txPr/>
-    <dgm:style>
-      <a:lnRef idx="2">
-        <a:scrgbClr r="0" g="0" b="0"/>
-      </a:lnRef>
-      <a:fillRef idx="1">
-        <a:scrgbClr r="0" g="0" b="0"/>
-      </a:fillRef>
-      <a:effectRef idx="0">
-        <a:scrgbClr r="0" g="0" b="0"/>
-      </a:effectRef>
-      <a:fontRef idx="minor"/>
-    </dgm:style>
-  </dgm:styleLbl>
-  <dgm:styleLbl name="alignAccFollowNode1">
-    <dgm:scene3d>
-      <a:camera prst="orthographicFront"/>
-      <a:lightRig rig="threePt" dir="t"/>
-    </dgm:scene3d>
-    <dgm:sp3d/>
-    <dgm:txPr/>
-    <dgm:style>
-      <a:lnRef idx="2">
-        <a:scrgbClr r="0" g="0" b="0"/>
-      </a:lnRef>
-      <a:fillRef idx="1">
-        <a:scrgbClr r="0" g="0" b="0"/>
-      </a:fillRef>
-      <a:effectRef idx="0">
-        <a:scrgbClr r="0" g="0" b="0"/>
-      </a:effectRef>
-      <a:fontRef idx="minor"/>
-    </dgm:style>
-  </dgm:styleLbl>
-  <dgm:styleLbl name="bgAccFollowNode1">
-    <dgm:scene3d>
-      <a:camera prst="orthographicFront"/>
-      <a:lightRig rig="threePt" dir="t"/>
-    </dgm:scene3d>
-    <dgm:sp3d/>
-    <dgm:txPr/>
-    <dgm:style>
-      <a:lnRef idx="2">
-        <a:scrgbClr r="0" g="0" b="0"/>
-      </a:lnRef>
-      <a:fillRef idx="1">
-        <a:scrgbClr r="0" g="0" b="0"/>
-      </a:fillRef>
-      <a:effectRef idx="0">
-        <a:scrgbClr r="0" g="0" b="0"/>
-      </a:effectRef>
-      <a:fontRef idx="minor"/>
-    </dgm:style>
-  </dgm:styleLbl>
-  <dgm:styleLbl name="fgAcc0">
-    <dgm:scene3d>
-      <a:camera prst="orthographicFront"/>
-      <a:lightRig rig="threePt" dir="t"/>
-    </dgm:scene3d>
-    <dgm:sp3d/>
-    <dgm:txPr/>
-    <dgm:style>
-      <a:lnRef idx="2">
-        <a:scrgbClr r="0" g="0" b="0"/>
-      </a:lnRef>
-      <a:fillRef idx="1">
-        <a:scrgbClr r="0" g="0" b="0"/>
-      </a:fillRef>
-      <a:effectRef idx="0">
-        <a:scrgbClr r="0" g="0" b="0"/>
-      </a:effectRef>
-      <a:fontRef idx="minor"/>
-    </dgm:style>
-  </dgm:styleLbl>
-  <dgm:styleLbl name="fgAcc2">
-    <dgm:scene3d>
-      <a:camera prst="orthographicFront"/>
-      <a:lightRig rig="threePt" dir="t"/>
-    </dgm:scene3d>
-    <dgm:sp3d/>
-    <dgm:txPr/>
-    <dgm:style>
-      <a:lnRef idx="2">
-        <a:scrgbClr r="0" g="0" b="0"/>
-      </a:lnRef>
-      <a:fillRef idx="1">
-        <a:scrgbClr r="0" g="0" b="0"/>
-      </a:fillRef>
-      <a:effectRef idx="0">
-        <a:scrgbClr r="0" g="0" b="0"/>
-      </a:effectRef>
-      <a:fontRef idx="minor"/>
-    </dgm:style>
-  </dgm:styleLbl>
-  <dgm:styleLbl name="fgAcc3">
-    <dgm:scene3d>
-      <a:camera prst="orthographicFront"/>
-      <a:lightRig rig="threePt" dir="t"/>
-    </dgm:scene3d>
-    <dgm:sp3d/>
-    <dgm:txPr/>
-    <dgm:style>
-      <a:lnRef idx="2">
-        <a:scrgbClr r="0" g="0" b="0"/>
-      </a:lnRef>
-      <a:fillRef idx="1">
-        <a:scrgbClr r="0" g="0" b="0"/>
-      </a:fillRef>
-      <a:effectRef idx="0">
-        <a:scrgbClr r="0" g="0" b="0"/>
-      </a:effectRef>
-      <a:fontRef idx="minor"/>
-    </dgm:style>
-  </dgm:styleLbl>
-  <dgm:styleLbl name="fgAcc4">
-    <dgm:scene3d>
-      <a:camera prst="orthographicFront"/>
-      <a:lightRig rig="threePt" dir="t"/>
-    </dgm:scene3d>
-    <dgm:sp3d/>
-    <dgm:txPr/>
-    <dgm:style>
-      <a:lnRef idx="2">
-        <a:scrgbClr r="0" g="0" b="0"/>
-      </a:lnRef>
-      <a:fillRef idx="1">
-        <a:scrgbClr r="0" g="0" b="0"/>
-      </a:fillRef>
-      <a:effectRef idx="0">
-        <a:scrgbClr r="0" g="0" b="0"/>
-      </a:effectRef>
-      <a:fontRef idx="minor"/>
-    </dgm:style>
-  </dgm:styleLbl>
-  <dgm:styleLbl name="bgShp">
-    <dgm:scene3d>
-      <a:camera prst="orthographicFront"/>
-      <a:lightRig rig="threePt" dir="t"/>
-    </dgm:scene3d>
-    <dgm:sp3d/>
-    <dgm:txPr/>
-    <dgm:style>
-      <a:lnRef idx="0">
-        <a:scrgbClr r="0" g="0" b="0"/>
-      </a:lnRef>
-      <a:fillRef idx="1">
-        <a:scrgbClr r="0" g="0" b="0"/>
-      </a:fillRef>
-      <a:effectRef idx="0">
-        <a:scrgbClr r="0" g="0" b="0"/>
-      </a:effectRef>
-      <a:fontRef idx="minor"/>
-    </dgm:style>
-  </dgm:styleLbl>
-  <dgm:styleLbl name="dkBgShp">
-    <dgm:scene3d>
-      <a:camera prst="orthographicFront"/>
-      <a:lightRig rig="threePt" dir="t"/>
-    </dgm:scene3d>
-    <dgm:sp3d/>
-    <dgm:txPr/>
-    <dgm:style>
-      <a:lnRef idx="0">
-        <a:scrgbClr r="0" g="0" b="0"/>
-      </a:lnRef>
-      <a:fillRef idx="1">
-        <a:scrgbClr r="0" g="0" b="0"/>
-      </a:fillRef>
-      <a:effectRef idx="0">
-        <a:scrgbClr r="0" g="0" b="0"/>
-      </a:effectRef>
-      <a:fontRef idx="minor"/>
-    </dgm:style>
-  </dgm:styleLbl>
-  <dgm:styleLbl name="trBgShp">
-    <dgm:scene3d>
-      <a:camera prst="orthographicFront"/>
-      <a:lightRig rig="threePt" dir="t"/>
-    </dgm:scene3d>
-    <dgm:sp3d/>
-    <dgm:txPr/>
-    <dgm:style>
-      <a:lnRef idx="0">
-        <a:scrgbClr r="0" g="0" b="0"/>
-      </a:lnRef>
-      <a:fillRef idx="1">
-        <a:scrgbClr r="0" g="0" b="0"/>
-      </a:fillRef>
-      <a:effectRef idx="0">
-        <a:scrgbClr r="0" g="0" b="0"/>
-      </a:effectRef>
-      <a:fontRef idx="minor"/>
-    </dgm:style>
-  </dgm:styleLbl>
-  <dgm:styleLbl name="fgShp">
-    <dgm:scene3d>
-      <a:camera prst="orthographicFront"/>
-      <a:lightRig rig="threePt" dir="t"/>
-    </dgm:scene3d>
-    <dgm:sp3d/>
-    <dgm:txPr/>
-    <dgm:style>
-      <a:lnRef idx="3">
-        <a:scrgbClr r="0" g="0" b="0"/>
-      </a:lnRef>
-      <a:fillRef idx="1">
-        <a:scrgbClr r="0" g="0" b="0"/>
-      </a:fillRef>
-      <a:effectRef idx="1">
         <a:scrgbClr r="0" g="0" b="0"/>
       </a:effectRef>
       <a:fontRef idx="minor"/>
@@ -12436,6 +14083,1040 @@
 </file>
 
 <file path=ppt/diagrams/quickStyle4.xml><?xml version="1.0" encoding="utf-8"?>
+<dgm:styleDef xmlns:dgm="http://schemas.openxmlformats.org/drawingml/2006/diagram" xmlns:a="http://schemas.openxmlformats.org/drawingml/2006/main" uniqueId="urn:microsoft.com/office/officeart/2005/8/quickstyle/simple2">
+  <dgm:title val=""/>
+  <dgm:desc val=""/>
+  <dgm:catLst>
+    <dgm:cat type="simple" pri="10200"/>
+  </dgm:catLst>
+  <dgm:scene3d>
+    <a:camera prst="orthographicFront"/>
+    <a:lightRig rig="threePt" dir="t"/>
+  </dgm:scene3d>
+  <dgm:styleLbl name="node0">
+    <dgm:scene3d>
+      <a:camera prst="orthographicFront"/>
+      <a:lightRig rig="threePt" dir="t"/>
+    </dgm:scene3d>
+    <dgm:sp3d/>
+    <dgm:txPr/>
+    <dgm:style>
+      <a:lnRef idx="3">
+        <a:scrgbClr r="0" g="0" b="0"/>
+      </a:lnRef>
+      <a:fillRef idx="1">
+        <a:scrgbClr r="0" g="0" b="0"/>
+      </a:fillRef>
+      <a:effectRef idx="1">
+        <a:scrgbClr r="0" g="0" b="0"/>
+      </a:effectRef>
+      <a:fontRef idx="minor">
+        <a:schemeClr val="lt1"/>
+      </a:fontRef>
+    </dgm:style>
+  </dgm:styleLbl>
+  <dgm:styleLbl name="lnNode1">
+    <dgm:scene3d>
+      <a:camera prst="orthographicFront"/>
+      <a:lightRig rig="threePt" dir="t"/>
+    </dgm:scene3d>
+    <dgm:sp3d/>
+    <dgm:txPr/>
+    <dgm:style>
+      <a:lnRef idx="3">
+        <a:scrgbClr r="0" g="0" b="0"/>
+      </a:lnRef>
+      <a:fillRef idx="1">
+        <a:scrgbClr r="0" g="0" b="0"/>
+      </a:fillRef>
+      <a:effectRef idx="1">
+        <a:scrgbClr r="0" g="0" b="0"/>
+      </a:effectRef>
+      <a:fontRef idx="minor">
+        <a:schemeClr val="lt1"/>
+      </a:fontRef>
+    </dgm:style>
+  </dgm:styleLbl>
+  <dgm:styleLbl name="vennNode1">
+    <dgm:scene3d>
+      <a:camera prst="orthographicFront"/>
+      <a:lightRig rig="threePt" dir="t"/>
+    </dgm:scene3d>
+    <dgm:sp3d/>
+    <dgm:txPr/>
+    <dgm:style>
+      <a:lnRef idx="3">
+        <a:scrgbClr r="0" g="0" b="0"/>
+      </a:lnRef>
+      <a:fillRef idx="1">
+        <a:scrgbClr r="0" g="0" b="0"/>
+      </a:fillRef>
+      <a:effectRef idx="0">
+        <a:scrgbClr r="0" g="0" b="0"/>
+      </a:effectRef>
+      <a:fontRef idx="minor">
+        <a:schemeClr val="tx1"/>
+      </a:fontRef>
+    </dgm:style>
+  </dgm:styleLbl>
+  <dgm:styleLbl name="alignNode1">
+    <dgm:scene3d>
+      <a:camera prst="orthographicFront"/>
+      <a:lightRig rig="threePt" dir="t"/>
+    </dgm:scene3d>
+    <dgm:sp3d/>
+    <dgm:txPr/>
+    <dgm:style>
+      <a:lnRef idx="2">
+        <a:scrgbClr r="0" g="0" b="0"/>
+      </a:lnRef>
+      <a:fillRef idx="1">
+        <a:scrgbClr r="0" g="0" b="0"/>
+      </a:fillRef>
+      <a:effectRef idx="1">
+        <a:scrgbClr r="0" g="0" b="0"/>
+      </a:effectRef>
+      <a:fontRef idx="minor">
+        <a:schemeClr val="lt1"/>
+      </a:fontRef>
+    </dgm:style>
+  </dgm:styleLbl>
+  <dgm:styleLbl name="node1">
+    <dgm:scene3d>
+      <a:camera prst="orthographicFront"/>
+      <a:lightRig rig="threePt" dir="t"/>
+    </dgm:scene3d>
+    <dgm:sp3d/>
+    <dgm:txPr/>
+    <dgm:style>
+      <a:lnRef idx="3">
+        <a:scrgbClr r="0" g="0" b="0"/>
+      </a:lnRef>
+      <a:fillRef idx="1">
+        <a:scrgbClr r="0" g="0" b="0"/>
+      </a:fillRef>
+      <a:effectRef idx="1">
+        <a:scrgbClr r="0" g="0" b="0"/>
+      </a:effectRef>
+      <a:fontRef idx="minor">
+        <a:schemeClr val="lt1"/>
+      </a:fontRef>
+    </dgm:style>
+  </dgm:styleLbl>
+  <dgm:styleLbl name="node2">
+    <dgm:scene3d>
+      <a:camera prst="orthographicFront"/>
+      <a:lightRig rig="threePt" dir="t"/>
+    </dgm:scene3d>
+    <dgm:sp3d/>
+    <dgm:txPr/>
+    <dgm:style>
+      <a:lnRef idx="3">
+        <a:scrgbClr r="0" g="0" b="0"/>
+      </a:lnRef>
+      <a:fillRef idx="1">
+        <a:scrgbClr r="0" g="0" b="0"/>
+      </a:fillRef>
+      <a:effectRef idx="1">
+        <a:scrgbClr r="0" g="0" b="0"/>
+      </a:effectRef>
+      <a:fontRef idx="minor">
+        <a:schemeClr val="lt1"/>
+      </a:fontRef>
+    </dgm:style>
+  </dgm:styleLbl>
+  <dgm:styleLbl name="node3">
+    <dgm:scene3d>
+      <a:camera prst="orthographicFront"/>
+      <a:lightRig rig="threePt" dir="t"/>
+    </dgm:scene3d>
+    <dgm:sp3d/>
+    <dgm:txPr/>
+    <dgm:style>
+      <a:lnRef idx="3">
+        <a:scrgbClr r="0" g="0" b="0"/>
+      </a:lnRef>
+      <a:fillRef idx="1">
+        <a:scrgbClr r="0" g="0" b="0"/>
+      </a:fillRef>
+      <a:effectRef idx="1">
+        <a:scrgbClr r="0" g="0" b="0"/>
+      </a:effectRef>
+      <a:fontRef idx="minor">
+        <a:schemeClr val="lt1"/>
+      </a:fontRef>
+    </dgm:style>
+  </dgm:styleLbl>
+  <dgm:styleLbl name="node4">
+    <dgm:scene3d>
+      <a:camera prst="orthographicFront"/>
+      <a:lightRig rig="threePt" dir="t"/>
+    </dgm:scene3d>
+    <dgm:sp3d/>
+    <dgm:txPr/>
+    <dgm:style>
+      <a:lnRef idx="3">
+        <a:scrgbClr r="0" g="0" b="0"/>
+      </a:lnRef>
+      <a:fillRef idx="1">
+        <a:scrgbClr r="0" g="0" b="0"/>
+      </a:fillRef>
+      <a:effectRef idx="1">
+        <a:scrgbClr r="0" g="0" b="0"/>
+      </a:effectRef>
+      <a:fontRef idx="minor">
+        <a:schemeClr val="lt1"/>
+      </a:fontRef>
+    </dgm:style>
+  </dgm:styleLbl>
+  <dgm:styleLbl name="fgImgPlace1">
+    <dgm:scene3d>
+      <a:camera prst="orthographicFront"/>
+      <a:lightRig rig="threePt" dir="t"/>
+    </dgm:scene3d>
+    <dgm:sp3d/>
+    <dgm:txPr/>
+    <dgm:style>
+      <a:lnRef idx="3">
+        <a:scrgbClr r="0" g="0" b="0"/>
+      </a:lnRef>
+      <a:fillRef idx="1">
+        <a:scrgbClr r="0" g="0" b="0"/>
+      </a:fillRef>
+      <a:effectRef idx="1">
+        <a:scrgbClr r="0" g="0" b="0"/>
+      </a:effectRef>
+      <a:fontRef idx="minor"/>
+    </dgm:style>
+  </dgm:styleLbl>
+  <dgm:styleLbl name="alignImgPlace1">
+    <dgm:scene3d>
+      <a:camera prst="orthographicFront"/>
+      <a:lightRig rig="threePt" dir="t"/>
+    </dgm:scene3d>
+    <dgm:sp3d/>
+    <dgm:txPr/>
+    <dgm:style>
+      <a:lnRef idx="3">
+        <a:scrgbClr r="0" g="0" b="0"/>
+      </a:lnRef>
+      <a:fillRef idx="1">
+        <a:scrgbClr r="0" g="0" b="0"/>
+      </a:fillRef>
+      <a:effectRef idx="1">
+        <a:scrgbClr r="0" g="0" b="0"/>
+      </a:effectRef>
+      <a:fontRef idx="minor"/>
+    </dgm:style>
+  </dgm:styleLbl>
+  <dgm:styleLbl name="bgImgPlace1">
+    <dgm:scene3d>
+      <a:camera prst="orthographicFront"/>
+      <a:lightRig rig="threePt" dir="t"/>
+    </dgm:scene3d>
+    <dgm:sp3d/>
+    <dgm:txPr/>
+    <dgm:style>
+      <a:lnRef idx="3">
+        <a:scrgbClr r="0" g="0" b="0"/>
+      </a:lnRef>
+      <a:fillRef idx="1">
+        <a:scrgbClr r="0" g="0" b="0"/>
+      </a:fillRef>
+      <a:effectRef idx="1">
+        <a:scrgbClr r="0" g="0" b="0"/>
+      </a:effectRef>
+      <a:fontRef idx="minor"/>
+    </dgm:style>
+  </dgm:styleLbl>
+  <dgm:styleLbl name="sibTrans2D1">
+    <dgm:scene3d>
+      <a:camera prst="orthographicFront"/>
+      <a:lightRig rig="threePt" dir="t"/>
+    </dgm:scene3d>
+    <dgm:sp3d/>
+    <dgm:txPr/>
+    <dgm:style>
+      <a:lnRef idx="0">
+        <a:scrgbClr r="0" g="0" b="0"/>
+      </a:lnRef>
+      <a:fillRef idx="1">
+        <a:scrgbClr r="0" g="0" b="0"/>
+      </a:fillRef>
+      <a:effectRef idx="1">
+        <a:scrgbClr r="0" g="0" b="0"/>
+      </a:effectRef>
+      <a:fontRef idx="minor">
+        <a:schemeClr val="lt1"/>
+      </a:fontRef>
+    </dgm:style>
+  </dgm:styleLbl>
+  <dgm:styleLbl name="fgSibTrans2D1">
+    <dgm:scene3d>
+      <a:camera prst="orthographicFront"/>
+      <a:lightRig rig="threePt" dir="t"/>
+    </dgm:scene3d>
+    <dgm:sp3d/>
+    <dgm:txPr/>
+    <dgm:style>
+      <a:lnRef idx="0">
+        <a:scrgbClr r="0" g="0" b="0"/>
+      </a:lnRef>
+      <a:fillRef idx="1">
+        <a:scrgbClr r="0" g="0" b="0"/>
+      </a:fillRef>
+      <a:effectRef idx="1">
+        <a:scrgbClr r="0" g="0" b="0"/>
+      </a:effectRef>
+      <a:fontRef idx="minor">
+        <a:schemeClr val="lt1"/>
+      </a:fontRef>
+    </dgm:style>
+  </dgm:styleLbl>
+  <dgm:styleLbl name="bgSibTrans2D1">
+    <dgm:scene3d>
+      <a:camera prst="orthographicFront"/>
+      <a:lightRig rig="threePt" dir="t"/>
+    </dgm:scene3d>
+    <dgm:sp3d/>
+    <dgm:txPr/>
+    <dgm:style>
+      <a:lnRef idx="0">
+        <a:scrgbClr r="0" g="0" b="0"/>
+      </a:lnRef>
+      <a:fillRef idx="1">
+        <a:scrgbClr r="0" g="0" b="0"/>
+      </a:fillRef>
+      <a:effectRef idx="1">
+        <a:scrgbClr r="0" g="0" b="0"/>
+      </a:effectRef>
+      <a:fontRef idx="minor">
+        <a:schemeClr val="lt1"/>
+      </a:fontRef>
+    </dgm:style>
+  </dgm:styleLbl>
+  <dgm:styleLbl name="sibTrans1D1">
+    <dgm:scene3d>
+      <a:camera prst="orthographicFront"/>
+      <a:lightRig rig="threePt" dir="t"/>
+    </dgm:scene3d>
+    <dgm:sp3d/>
+    <dgm:txPr/>
+    <dgm:style>
+      <a:lnRef idx="1">
+        <a:scrgbClr r="0" g="0" b="0"/>
+      </a:lnRef>
+      <a:fillRef idx="0">
+        <a:scrgbClr r="0" g="0" b="0"/>
+      </a:fillRef>
+      <a:effectRef idx="0">
+        <a:scrgbClr r="0" g="0" b="0"/>
+      </a:effectRef>
+      <a:fontRef idx="minor"/>
+    </dgm:style>
+  </dgm:styleLbl>
+  <dgm:styleLbl name="callout">
+    <dgm:scene3d>
+      <a:camera prst="orthographicFront"/>
+      <a:lightRig rig="threePt" dir="t"/>
+    </dgm:scene3d>
+    <dgm:sp3d/>
+    <dgm:txPr/>
+    <dgm:style>
+      <a:lnRef idx="2">
+        <a:scrgbClr r="0" g="0" b="0"/>
+      </a:lnRef>
+      <a:fillRef idx="1">
+        <a:scrgbClr r="0" g="0" b="0"/>
+      </a:fillRef>
+      <a:effectRef idx="1">
+        <a:scrgbClr r="0" g="0" b="0"/>
+      </a:effectRef>
+      <a:fontRef idx="minor"/>
+    </dgm:style>
+  </dgm:styleLbl>
+  <dgm:styleLbl name="asst0">
+    <dgm:scene3d>
+      <a:camera prst="orthographicFront"/>
+      <a:lightRig rig="threePt" dir="t"/>
+    </dgm:scene3d>
+    <dgm:sp3d/>
+    <dgm:txPr/>
+    <dgm:style>
+      <a:lnRef idx="3">
+        <a:scrgbClr r="0" g="0" b="0"/>
+      </a:lnRef>
+      <a:fillRef idx="1">
+        <a:scrgbClr r="0" g="0" b="0"/>
+      </a:fillRef>
+      <a:effectRef idx="1">
+        <a:scrgbClr r="0" g="0" b="0"/>
+      </a:effectRef>
+      <a:fontRef idx="minor">
+        <a:schemeClr val="lt1"/>
+      </a:fontRef>
+    </dgm:style>
+  </dgm:styleLbl>
+  <dgm:styleLbl name="asst1">
+    <dgm:scene3d>
+      <a:camera prst="orthographicFront"/>
+      <a:lightRig rig="threePt" dir="t"/>
+    </dgm:scene3d>
+    <dgm:sp3d/>
+    <dgm:txPr/>
+    <dgm:style>
+      <a:lnRef idx="3">
+        <a:scrgbClr r="0" g="0" b="0"/>
+      </a:lnRef>
+      <a:fillRef idx="1">
+        <a:scrgbClr r="0" g="0" b="0"/>
+      </a:fillRef>
+      <a:effectRef idx="1">
+        <a:scrgbClr r="0" g="0" b="0"/>
+      </a:effectRef>
+      <a:fontRef idx="minor">
+        <a:schemeClr val="lt1"/>
+      </a:fontRef>
+    </dgm:style>
+  </dgm:styleLbl>
+  <dgm:styleLbl name="asst2">
+    <dgm:scene3d>
+      <a:camera prst="orthographicFront"/>
+      <a:lightRig rig="threePt" dir="t"/>
+    </dgm:scene3d>
+    <dgm:sp3d/>
+    <dgm:txPr/>
+    <dgm:style>
+      <a:lnRef idx="3">
+        <a:scrgbClr r="0" g="0" b="0"/>
+      </a:lnRef>
+      <a:fillRef idx="1">
+        <a:scrgbClr r="0" g="0" b="0"/>
+      </a:fillRef>
+      <a:effectRef idx="1">
+        <a:scrgbClr r="0" g="0" b="0"/>
+      </a:effectRef>
+      <a:fontRef idx="minor">
+        <a:schemeClr val="lt1"/>
+      </a:fontRef>
+    </dgm:style>
+  </dgm:styleLbl>
+  <dgm:styleLbl name="asst3">
+    <dgm:scene3d>
+      <a:camera prst="orthographicFront"/>
+      <a:lightRig rig="threePt" dir="t"/>
+    </dgm:scene3d>
+    <dgm:sp3d/>
+    <dgm:txPr/>
+    <dgm:style>
+      <a:lnRef idx="3">
+        <a:scrgbClr r="0" g="0" b="0"/>
+      </a:lnRef>
+      <a:fillRef idx="1">
+        <a:scrgbClr r="0" g="0" b="0"/>
+      </a:fillRef>
+      <a:effectRef idx="1">
+        <a:scrgbClr r="0" g="0" b="0"/>
+      </a:effectRef>
+      <a:fontRef idx="minor">
+        <a:schemeClr val="lt1"/>
+      </a:fontRef>
+    </dgm:style>
+  </dgm:styleLbl>
+  <dgm:styleLbl name="asst4">
+    <dgm:scene3d>
+      <a:camera prst="orthographicFront"/>
+      <a:lightRig rig="threePt" dir="t"/>
+    </dgm:scene3d>
+    <dgm:sp3d/>
+    <dgm:txPr/>
+    <dgm:style>
+      <a:lnRef idx="3">
+        <a:scrgbClr r="0" g="0" b="0"/>
+      </a:lnRef>
+      <a:fillRef idx="1">
+        <a:scrgbClr r="0" g="0" b="0"/>
+      </a:fillRef>
+      <a:effectRef idx="1">
+        <a:scrgbClr r="0" g="0" b="0"/>
+      </a:effectRef>
+      <a:fontRef idx="minor">
+        <a:schemeClr val="lt1"/>
+      </a:fontRef>
+    </dgm:style>
+  </dgm:styleLbl>
+  <dgm:styleLbl name="parChTrans2D1">
+    <dgm:scene3d>
+      <a:camera prst="orthographicFront"/>
+      <a:lightRig rig="threePt" dir="t"/>
+    </dgm:scene3d>
+    <dgm:sp3d/>
+    <dgm:txPr/>
+    <dgm:style>
+      <a:lnRef idx="3">
+        <a:scrgbClr r="0" g="0" b="0"/>
+      </a:lnRef>
+      <a:fillRef idx="1">
+        <a:scrgbClr r="0" g="0" b="0"/>
+      </a:fillRef>
+      <a:effectRef idx="1">
+        <a:scrgbClr r="0" g="0" b="0"/>
+      </a:effectRef>
+      <a:fontRef idx="minor">
+        <a:schemeClr val="lt1"/>
+      </a:fontRef>
+    </dgm:style>
+  </dgm:styleLbl>
+  <dgm:styleLbl name="parChTrans2D2">
+    <dgm:scene3d>
+      <a:camera prst="orthographicFront"/>
+      <a:lightRig rig="threePt" dir="t"/>
+    </dgm:scene3d>
+    <dgm:sp3d/>
+    <dgm:txPr/>
+    <dgm:style>
+      <a:lnRef idx="3">
+        <a:scrgbClr r="0" g="0" b="0"/>
+      </a:lnRef>
+      <a:fillRef idx="1">
+        <a:scrgbClr r="0" g="0" b="0"/>
+      </a:fillRef>
+      <a:effectRef idx="1">
+        <a:scrgbClr r="0" g="0" b="0"/>
+      </a:effectRef>
+      <a:fontRef idx="minor">
+        <a:schemeClr val="lt1"/>
+      </a:fontRef>
+    </dgm:style>
+  </dgm:styleLbl>
+  <dgm:styleLbl name="parChTrans2D3">
+    <dgm:scene3d>
+      <a:camera prst="orthographicFront"/>
+      <a:lightRig rig="threePt" dir="t"/>
+    </dgm:scene3d>
+    <dgm:sp3d/>
+    <dgm:txPr/>
+    <dgm:style>
+      <a:lnRef idx="3">
+        <a:scrgbClr r="0" g="0" b="0"/>
+      </a:lnRef>
+      <a:fillRef idx="1">
+        <a:scrgbClr r="0" g="0" b="0"/>
+      </a:fillRef>
+      <a:effectRef idx="1">
+        <a:scrgbClr r="0" g="0" b="0"/>
+      </a:effectRef>
+      <a:fontRef idx="minor">
+        <a:schemeClr val="lt1"/>
+      </a:fontRef>
+    </dgm:style>
+  </dgm:styleLbl>
+  <dgm:styleLbl name="parChTrans2D4">
+    <dgm:scene3d>
+      <a:camera prst="orthographicFront"/>
+      <a:lightRig rig="threePt" dir="t"/>
+    </dgm:scene3d>
+    <dgm:sp3d/>
+    <dgm:txPr/>
+    <dgm:style>
+      <a:lnRef idx="3">
+        <a:scrgbClr r="0" g="0" b="0"/>
+      </a:lnRef>
+      <a:fillRef idx="1">
+        <a:scrgbClr r="0" g="0" b="0"/>
+      </a:fillRef>
+      <a:effectRef idx="1">
+        <a:scrgbClr r="0" g="0" b="0"/>
+      </a:effectRef>
+      <a:fontRef idx="minor">
+        <a:schemeClr val="lt1"/>
+      </a:fontRef>
+    </dgm:style>
+  </dgm:styleLbl>
+  <dgm:styleLbl name="parChTrans1D1">
+    <dgm:scene3d>
+      <a:camera prst="orthographicFront"/>
+      <a:lightRig rig="threePt" dir="t"/>
+    </dgm:scene3d>
+    <dgm:sp3d/>
+    <dgm:txPr/>
+    <dgm:style>
+      <a:lnRef idx="2">
+        <a:scrgbClr r="0" g="0" b="0"/>
+      </a:lnRef>
+      <a:fillRef idx="0">
+        <a:scrgbClr r="0" g="0" b="0"/>
+      </a:fillRef>
+      <a:effectRef idx="0">
+        <a:scrgbClr r="0" g="0" b="0"/>
+      </a:effectRef>
+      <a:fontRef idx="minor"/>
+    </dgm:style>
+  </dgm:styleLbl>
+  <dgm:styleLbl name="parChTrans1D2">
+    <dgm:scene3d>
+      <a:camera prst="orthographicFront"/>
+      <a:lightRig rig="threePt" dir="t"/>
+    </dgm:scene3d>
+    <dgm:sp3d/>
+    <dgm:txPr/>
+    <dgm:style>
+      <a:lnRef idx="2">
+        <a:scrgbClr r="0" g="0" b="0"/>
+      </a:lnRef>
+      <a:fillRef idx="0">
+        <a:scrgbClr r="0" g="0" b="0"/>
+      </a:fillRef>
+      <a:effectRef idx="0">
+        <a:scrgbClr r="0" g="0" b="0"/>
+      </a:effectRef>
+      <a:fontRef idx="minor"/>
+    </dgm:style>
+  </dgm:styleLbl>
+  <dgm:styleLbl name="parChTrans1D3">
+    <dgm:scene3d>
+      <a:camera prst="orthographicFront"/>
+      <a:lightRig rig="threePt" dir="t"/>
+    </dgm:scene3d>
+    <dgm:sp3d/>
+    <dgm:txPr/>
+    <dgm:style>
+      <a:lnRef idx="2">
+        <a:scrgbClr r="0" g="0" b="0"/>
+      </a:lnRef>
+      <a:fillRef idx="0">
+        <a:scrgbClr r="0" g="0" b="0"/>
+      </a:fillRef>
+      <a:effectRef idx="0">
+        <a:scrgbClr r="0" g="0" b="0"/>
+      </a:effectRef>
+      <a:fontRef idx="minor"/>
+    </dgm:style>
+  </dgm:styleLbl>
+  <dgm:styleLbl name="parChTrans1D4">
+    <dgm:scene3d>
+      <a:camera prst="orthographicFront"/>
+      <a:lightRig rig="threePt" dir="t"/>
+    </dgm:scene3d>
+    <dgm:sp3d/>
+    <dgm:txPr/>
+    <dgm:style>
+      <a:lnRef idx="2">
+        <a:scrgbClr r="0" g="0" b="0"/>
+      </a:lnRef>
+      <a:fillRef idx="0">
+        <a:scrgbClr r="0" g="0" b="0"/>
+      </a:fillRef>
+      <a:effectRef idx="0">
+        <a:scrgbClr r="0" g="0" b="0"/>
+      </a:effectRef>
+      <a:fontRef idx="minor"/>
+    </dgm:style>
+  </dgm:styleLbl>
+  <dgm:styleLbl name="fgAcc1">
+    <dgm:scene3d>
+      <a:camera prst="orthographicFront"/>
+      <a:lightRig rig="threePt" dir="t"/>
+    </dgm:scene3d>
+    <dgm:sp3d/>
+    <dgm:txPr/>
+    <dgm:style>
+      <a:lnRef idx="2">
+        <a:scrgbClr r="0" g="0" b="0"/>
+      </a:lnRef>
+      <a:fillRef idx="1">
+        <a:scrgbClr r="0" g="0" b="0"/>
+      </a:fillRef>
+      <a:effectRef idx="0">
+        <a:scrgbClr r="0" g="0" b="0"/>
+      </a:effectRef>
+      <a:fontRef idx="minor"/>
+    </dgm:style>
+  </dgm:styleLbl>
+  <dgm:styleLbl name="conFgAcc1">
+    <dgm:scene3d>
+      <a:camera prst="orthographicFront"/>
+      <a:lightRig rig="threePt" dir="t"/>
+    </dgm:scene3d>
+    <dgm:sp3d/>
+    <dgm:txPr/>
+    <dgm:style>
+      <a:lnRef idx="2">
+        <a:scrgbClr r="0" g="0" b="0"/>
+      </a:lnRef>
+      <a:fillRef idx="1">
+        <a:scrgbClr r="0" g="0" b="0"/>
+      </a:fillRef>
+      <a:effectRef idx="0">
+        <a:scrgbClr r="0" g="0" b="0"/>
+      </a:effectRef>
+      <a:fontRef idx="minor"/>
+    </dgm:style>
+  </dgm:styleLbl>
+  <dgm:styleLbl name="alignAcc1">
+    <dgm:scene3d>
+      <a:camera prst="orthographicFront"/>
+      <a:lightRig rig="threePt" dir="t"/>
+    </dgm:scene3d>
+    <dgm:sp3d/>
+    <dgm:txPr/>
+    <dgm:style>
+      <a:lnRef idx="2">
+        <a:scrgbClr r="0" g="0" b="0"/>
+      </a:lnRef>
+      <a:fillRef idx="1">
+        <a:scrgbClr r="0" g="0" b="0"/>
+      </a:fillRef>
+      <a:effectRef idx="0">
+        <a:scrgbClr r="0" g="0" b="0"/>
+      </a:effectRef>
+      <a:fontRef idx="minor"/>
+    </dgm:style>
+  </dgm:styleLbl>
+  <dgm:styleLbl name="trAlignAcc1">
+    <dgm:scene3d>
+      <a:camera prst="orthographicFront"/>
+      <a:lightRig rig="threePt" dir="t"/>
+    </dgm:scene3d>
+    <dgm:sp3d/>
+    <dgm:txPr/>
+    <dgm:style>
+      <a:lnRef idx="1">
+        <a:scrgbClr r="0" g="0" b="0"/>
+      </a:lnRef>
+      <a:fillRef idx="1">
+        <a:scrgbClr r="0" g="0" b="0"/>
+      </a:fillRef>
+      <a:effectRef idx="0">
+        <a:scrgbClr r="0" g="0" b="0"/>
+      </a:effectRef>
+      <a:fontRef idx="minor"/>
+    </dgm:style>
+  </dgm:styleLbl>
+  <dgm:styleLbl name="bgAcc1">
+    <dgm:scene3d>
+      <a:camera prst="orthographicFront"/>
+      <a:lightRig rig="threePt" dir="t"/>
+    </dgm:scene3d>
+    <dgm:sp3d/>
+    <dgm:txPr/>
+    <dgm:style>
+      <a:lnRef idx="2">
+        <a:scrgbClr r="0" g="0" b="0"/>
+      </a:lnRef>
+      <a:fillRef idx="1">
+        <a:scrgbClr r="0" g="0" b="0"/>
+      </a:fillRef>
+      <a:effectRef idx="0">
+        <a:scrgbClr r="0" g="0" b="0"/>
+      </a:effectRef>
+      <a:fontRef idx="minor"/>
+    </dgm:style>
+  </dgm:styleLbl>
+  <dgm:styleLbl name="solidFgAcc1">
+    <dgm:scene3d>
+      <a:camera prst="orthographicFront"/>
+      <a:lightRig rig="threePt" dir="t"/>
+    </dgm:scene3d>
+    <dgm:sp3d/>
+    <dgm:txPr/>
+    <dgm:style>
+      <a:lnRef idx="2">
+        <a:scrgbClr r="0" g="0" b="0"/>
+      </a:lnRef>
+      <a:fillRef idx="1">
+        <a:scrgbClr r="0" g="0" b="0"/>
+      </a:fillRef>
+      <a:effectRef idx="0">
+        <a:scrgbClr r="0" g="0" b="0"/>
+      </a:effectRef>
+      <a:fontRef idx="minor"/>
+    </dgm:style>
+  </dgm:styleLbl>
+  <dgm:styleLbl name="solidAlignAcc1">
+    <dgm:scene3d>
+      <a:camera prst="orthographicFront"/>
+      <a:lightRig rig="threePt" dir="t"/>
+    </dgm:scene3d>
+    <dgm:sp3d/>
+    <dgm:txPr/>
+    <dgm:style>
+      <a:lnRef idx="2">
+        <a:scrgbClr r="0" g="0" b="0"/>
+      </a:lnRef>
+      <a:fillRef idx="1">
+        <a:scrgbClr r="0" g="0" b="0"/>
+      </a:fillRef>
+      <a:effectRef idx="0">
+        <a:scrgbClr r="0" g="0" b="0"/>
+      </a:effectRef>
+      <a:fontRef idx="minor"/>
+    </dgm:style>
+  </dgm:styleLbl>
+  <dgm:styleLbl name="solidBgAcc1">
+    <dgm:scene3d>
+      <a:camera prst="orthographicFront"/>
+      <a:lightRig rig="threePt" dir="t"/>
+    </dgm:scene3d>
+    <dgm:sp3d/>
+    <dgm:txPr/>
+    <dgm:style>
+      <a:lnRef idx="2">
+        <a:scrgbClr r="0" g="0" b="0"/>
+      </a:lnRef>
+      <a:fillRef idx="1">
+        <a:scrgbClr r="0" g="0" b="0"/>
+      </a:fillRef>
+      <a:effectRef idx="0">
+        <a:scrgbClr r="0" g="0" b="0"/>
+      </a:effectRef>
+      <a:fontRef idx="minor"/>
+    </dgm:style>
+  </dgm:styleLbl>
+  <dgm:styleLbl name="fgAccFollowNode1">
+    <dgm:scene3d>
+      <a:camera prst="orthographicFront"/>
+      <a:lightRig rig="threePt" dir="t"/>
+    </dgm:scene3d>
+    <dgm:sp3d/>
+    <dgm:txPr/>
+    <dgm:style>
+      <a:lnRef idx="2">
+        <a:scrgbClr r="0" g="0" b="0"/>
+      </a:lnRef>
+      <a:fillRef idx="1">
+        <a:scrgbClr r="0" g="0" b="0"/>
+      </a:fillRef>
+      <a:effectRef idx="0">
+        <a:scrgbClr r="0" g="0" b="0"/>
+      </a:effectRef>
+      <a:fontRef idx="minor"/>
+    </dgm:style>
+  </dgm:styleLbl>
+  <dgm:styleLbl name="alignAccFollowNode1">
+    <dgm:scene3d>
+      <a:camera prst="orthographicFront"/>
+      <a:lightRig rig="threePt" dir="t"/>
+    </dgm:scene3d>
+    <dgm:sp3d/>
+    <dgm:txPr/>
+    <dgm:style>
+      <a:lnRef idx="2">
+        <a:scrgbClr r="0" g="0" b="0"/>
+      </a:lnRef>
+      <a:fillRef idx="1">
+        <a:scrgbClr r="0" g="0" b="0"/>
+      </a:fillRef>
+      <a:effectRef idx="0">
+        <a:scrgbClr r="0" g="0" b="0"/>
+      </a:effectRef>
+      <a:fontRef idx="minor"/>
+    </dgm:style>
+  </dgm:styleLbl>
+  <dgm:styleLbl name="bgAccFollowNode1">
+    <dgm:scene3d>
+      <a:camera prst="orthographicFront"/>
+      <a:lightRig rig="threePt" dir="t"/>
+    </dgm:scene3d>
+    <dgm:sp3d/>
+    <dgm:txPr/>
+    <dgm:style>
+      <a:lnRef idx="2">
+        <a:scrgbClr r="0" g="0" b="0"/>
+      </a:lnRef>
+      <a:fillRef idx="1">
+        <a:scrgbClr r="0" g="0" b="0"/>
+      </a:fillRef>
+      <a:effectRef idx="0">
+        <a:scrgbClr r="0" g="0" b="0"/>
+      </a:effectRef>
+      <a:fontRef idx="minor"/>
+    </dgm:style>
+  </dgm:styleLbl>
+  <dgm:styleLbl name="fgAcc0">
+    <dgm:scene3d>
+      <a:camera prst="orthographicFront"/>
+      <a:lightRig rig="threePt" dir="t"/>
+    </dgm:scene3d>
+    <dgm:sp3d/>
+    <dgm:txPr/>
+    <dgm:style>
+      <a:lnRef idx="2">
+        <a:scrgbClr r="0" g="0" b="0"/>
+      </a:lnRef>
+      <a:fillRef idx="1">
+        <a:scrgbClr r="0" g="0" b="0"/>
+      </a:fillRef>
+      <a:effectRef idx="0">
+        <a:scrgbClr r="0" g="0" b="0"/>
+      </a:effectRef>
+      <a:fontRef idx="minor"/>
+    </dgm:style>
+  </dgm:styleLbl>
+  <dgm:styleLbl name="fgAcc2">
+    <dgm:scene3d>
+      <a:camera prst="orthographicFront"/>
+      <a:lightRig rig="threePt" dir="t"/>
+    </dgm:scene3d>
+    <dgm:sp3d/>
+    <dgm:txPr/>
+    <dgm:style>
+      <a:lnRef idx="2">
+        <a:scrgbClr r="0" g="0" b="0"/>
+      </a:lnRef>
+      <a:fillRef idx="1">
+        <a:scrgbClr r="0" g="0" b="0"/>
+      </a:fillRef>
+      <a:effectRef idx="0">
+        <a:scrgbClr r="0" g="0" b="0"/>
+      </a:effectRef>
+      <a:fontRef idx="minor"/>
+    </dgm:style>
+  </dgm:styleLbl>
+  <dgm:styleLbl name="fgAcc3">
+    <dgm:scene3d>
+      <a:camera prst="orthographicFront"/>
+      <a:lightRig rig="threePt" dir="t"/>
+    </dgm:scene3d>
+    <dgm:sp3d/>
+    <dgm:txPr/>
+    <dgm:style>
+      <a:lnRef idx="2">
+        <a:scrgbClr r="0" g="0" b="0"/>
+      </a:lnRef>
+      <a:fillRef idx="1">
+        <a:scrgbClr r="0" g="0" b="0"/>
+      </a:fillRef>
+      <a:effectRef idx="0">
+        <a:scrgbClr r="0" g="0" b="0"/>
+      </a:effectRef>
+      <a:fontRef idx="minor"/>
+    </dgm:style>
+  </dgm:styleLbl>
+  <dgm:styleLbl name="fgAcc4">
+    <dgm:scene3d>
+      <a:camera prst="orthographicFront"/>
+      <a:lightRig rig="threePt" dir="t"/>
+    </dgm:scene3d>
+    <dgm:sp3d/>
+    <dgm:txPr/>
+    <dgm:style>
+      <a:lnRef idx="2">
+        <a:scrgbClr r="0" g="0" b="0"/>
+      </a:lnRef>
+      <a:fillRef idx="1">
+        <a:scrgbClr r="0" g="0" b="0"/>
+      </a:fillRef>
+      <a:effectRef idx="0">
+        <a:scrgbClr r="0" g="0" b="0"/>
+      </a:effectRef>
+      <a:fontRef idx="minor"/>
+    </dgm:style>
+  </dgm:styleLbl>
+  <dgm:styleLbl name="bgShp">
+    <dgm:scene3d>
+      <a:camera prst="orthographicFront"/>
+      <a:lightRig rig="threePt" dir="t"/>
+    </dgm:scene3d>
+    <dgm:sp3d/>
+    <dgm:txPr/>
+    <dgm:style>
+      <a:lnRef idx="0">
+        <a:scrgbClr r="0" g="0" b="0"/>
+      </a:lnRef>
+      <a:fillRef idx="1">
+        <a:scrgbClr r="0" g="0" b="0"/>
+      </a:fillRef>
+      <a:effectRef idx="0">
+        <a:scrgbClr r="0" g="0" b="0"/>
+      </a:effectRef>
+      <a:fontRef idx="minor"/>
+    </dgm:style>
+  </dgm:styleLbl>
+  <dgm:styleLbl name="dkBgShp">
+    <dgm:scene3d>
+      <a:camera prst="orthographicFront"/>
+      <a:lightRig rig="threePt" dir="t"/>
+    </dgm:scene3d>
+    <dgm:sp3d/>
+    <dgm:txPr/>
+    <dgm:style>
+      <a:lnRef idx="0">
+        <a:scrgbClr r="0" g="0" b="0"/>
+      </a:lnRef>
+      <a:fillRef idx="1">
+        <a:scrgbClr r="0" g="0" b="0"/>
+      </a:fillRef>
+      <a:effectRef idx="0">
+        <a:scrgbClr r="0" g="0" b="0"/>
+      </a:effectRef>
+      <a:fontRef idx="minor"/>
+    </dgm:style>
+  </dgm:styleLbl>
+  <dgm:styleLbl name="trBgShp">
+    <dgm:scene3d>
+      <a:camera prst="orthographicFront"/>
+      <a:lightRig rig="threePt" dir="t"/>
+    </dgm:scene3d>
+    <dgm:sp3d/>
+    <dgm:txPr/>
+    <dgm:style>
+      <a:lnRef idx="0">
+        <a:scrgbClr r="0" g="0" b="0"/>
+      </a:lnRef>
+      <a:fillRef idx="1">
+        <a:scrgbClr r="0" g="0" b="0"/>
+      </a:fillRef>
+      <a:effectRef idx="0">
+        <a:scrgbClr r="0" g="0" b="0"/>
+      </a:effectRef>
+      <a:fontRef idx="minor"/>
+    </dgm:style>
+  </dgm:styleLbl>
+  <dgm:styleLbl name="fgShp">
+    <dgm:scene3d>
+      <a:camera prst="orthographicFront"/>
+      <a:lightRig rig="threePt" dir="t"/>
+    </dgm:scene3d>
+    <dgm:sp3d/>
+    <dgm:txPr/>
+    <dgm:style>
+      <a:lnRef idx="3">
+        <a:scrgbClr r="0" g="0" b="0"/>
+      </a:lnRef>
+      <a:fillRef idx="1">
+        <a:scrgbClr r="0" g="0" b="0"/>
+      </a:fillRef>
+      <a:effectRef idx="1">
+        <a:scrgbClr r="0" g="0" b="0"/>
+      </a:effectRef>
+      <a:fontRef idx="minor"/>
+    </dgm:style>
+  </dgm:styleLbl>
+  <dgm:styleLbl name="revTx">
+    <dgm:scene3d>
+      <a:camera prst="orthographicFront"/>
+      <a:lightRig rig="threePt" dir="t"/>
+    </dgm:scene3d>
+    <dgm:sp3d/>
+    <dgm:txPr/>
+    <dgm:style>
+      <a:lnRef idx="0">
+        <a:scrgbClr r="0" g="0" b="0"/>
+      </a:lnRef>
+      <a:fillRef idx="0">
+        <a:scrgbClr r="0" g="0" b="0"/>
+      </a:fillRef>
+      <a:effectRef idx="0">
+        <a:scrgbClr r="0" g="0" b="0"/>
+      </a:effectRef>
+      <a:fontRef idx="minor"/>
+    </dgm:style>
+  </dgm:styleLbl>
+</dgm:styleDef>
+</file>
+
+<file path=ppt/diagrams/quickStyle5.xml><?xml version="1.0" encoding="utf-8"?>
 <dgm:styleDef xmlns:dgm="http://schemas.openxmlformats.org/drawingml/2006/diagram" xmlns:a="http://schemas.openxmlformats.org/drawingml/2006/main" uniqueId="urn:microsoft.com/office/officeart/2005/8/quickstyle/simple4">
   <dgm:title val=""/>
   <dgm:desc val=""/>
@@ -16950,6 +19631,606 @@
       </p:grpSpPr>
       <p:sp>
         <p:nvSpPr>
+          <p:cNvPr id="6" name="Freeform: Shape 9">
+            <a:extLst>
+              <a:ext uri="{FF2B5EF4-FFF2-40B4-BE49-F238E27FC236}">
+                <a16:creationId xmlns:a16="http://schemas.microsoft.com/office/drawing/2014/main" id="{46C2E80F-49A6-4372-B103-219D417A55ED}"/>
+              </a:ext>
+              <a:ext uri="{C183D7F6-B498-43B3-948B-1728B52AA6E4}">
+                <adec:decorative xmlns:adec="http://schemas.microsoft.com/office/drawing/2017/decorative" val="1"/>
+              </a:ext>
+            </a:extLst>
+          </p:cNvPr>
+          <p:cNvSpPr>
+            <a:spLocks noGrp="1" noRot="1" noChangeAspect="1" noMove="1" noResize="1" noEditPoints="1" noAdjustHandles="1" noChangeArrowheads="1" noChangeShapeType="1" noTextEdit="1"/>
+          </p:cNvSpPr>
+          <p:nvPr>
+            <p:extLst>
+              <p:ext uri="{386F3935-93C4-4BCD-93E2-E3B085C9AB24}">
+                <p16:designElem xmlns:p16="http://schemas.microsoft.com/office/powerpoint/2015/main" val="1"/>
+              </p:ext>
+            </p:extLst>
+          </p:nvPr>
+        </p:nvSpPr>
+        <p:spPr>
+          <a:xfrm>
+            <a:off x="484096" y="470925"/>
+            <a:ext cx="4381009" cy="5892104"/>
+          </a:xfrm>
+          <a:custGeom>
+            <a:avLst/>
+            <a:gdLst>
+              <a:gd name="connsiteX0" fmla="*/ 0 w 4381009"/>
+              <a:gd name="connsiteY0" fmla="*/ 0 h 5892104"/>
+              <a:gd name="connsiteX1" fmla="*/ 4157628 w 4381009"/>
+              <a:gd name="connsiteY1" fmla="*/ 0 h 5892104"/>
+              <a:gd name="connsiteX2" fmla="*/ 4169302 w 4381009"/>
+              <a:gd name="connsiteY2" fmla="*/ 68659 h 5892104"/>
+              <a:gd name="connsiteX3" fmla="*/ 4191571 w 4381009"/>
+              <a:gd name="connsiteY3" fmla="*/ 205472 h 5892104"/>
+              <a:gd name="connsiteX4" fmla="*/ 4213368 w 4381009"/>
+              <a:gd name="connsiteY4" fmla="*/ 342890 h 5892104"/>
+              <a:gd name="connsiteX5" fmla="*/ 4232030 w 4381009"/>
+              <a:gd name="connsiteY5" fmla="*/ 480913 h 5892104"/>
+              <a:gd name="connsiteX6" fmla="*/ 4250848 w 4381009"/>
+              <a:gd name="connsiteY6" fmla="*/ 618332 h 5892104"/>
+              <a:gd name="connsiteX7" fmla="*/ 4268412 w 4381009"/>
+              <a:gd name="connsiteY7" fmla="*/ 756355 h 5892104"/>
+              <a:gd name="connsiteX8" fmla="*/ 4283467 w 4381009"/>
+              <a:gd name="connsiteY8" fmla="*/ 892563 h 5892104"/>
+              <a:gd name="connsiteX9" fmla="*/ 4297737 w 4381009"/>
+              <a:gd name="connsiteY9" fmla="*/ 1030587 h 5892104"/>
+              <a:gd name="connsiteX10" fmla="*/ 4310754 w 4381009"/>
+              <a:gd name="connsiteY10" fmla="*/ 1168005 h 5892104"/>
+              <a:gd name="connsiteX11" fmla="*/ 4322045 w 4381009"/>
+              <a:gd name="connsiteY11" fmla="*/ 1303002 h 5892104"/>
+              <a:gd name="connsiteX12" fmla="*/ 4333336 w 4381009"/>
+              <a:gd name="connsiteY12" fmla="*/ 1439815 h 5892104"/>
+              <a:gd name="connsiteX13" fmla="*/ 4342745 w 4381009"/>
+              <a:gd name="connsiteY13" fmla="*/ 1574812 h 5892104"/>
+              <a:gd name="connsiteX14" fmla="*/ 4350115 w 4381009"/>
+              <a:gd name="connsiteY14" fmla="*/ 1709808 h 5892104"/>
+              <a:gd name="connsiteX15" fmla="*/ 4357799 w 4381009"/>
+              <a:gd name="connsiteY15" fmla="*/ 1844200 h 5892104"/>
+              <a:gd name="connsiteX16" fmla="*/ 4364229 w 4381009"/>
+              <a:gd name="connsiteY16" fmla="*/ 1977381 h 5892104"/>
+              <a:gd name="connsiteX17" fmla="*/ 4368777 w 4381009"/>
+              <a:gd name="connsiteY17" fmla="*/ 2109351 h 5892104"/>
+              <a:gd name="connsiteX18" fmla="*/ 4372697 w 4381009"/>
+              <a:gd name="connsiteY18" fmla="*/ 2241321 h 5892104"/>
+              <a:gd name="connsiteX19" fmla="*/ 4376461 w 4381009"/>
+              <a:gd name="connsiteY19" fmla="*/ 2372080 h 5892104"/>
+              <a:gd name="connsiteX20" fmla="*/ 4378186 w 4381009"/>
+              <a:gd name="connsiteY20" fmla="*/ 2501023 h 5892104"/>
+              <a:gd name="connsiteX21" fmla="*/ 4380068 w 4381009"/>
+              <a:gd name="connsiteY21" fmla="*/ 2629966 h 5892104"/>
+              <a:gd name="connsiteX22" fmla="*/ 4381009 w 4381009"/>
+              <a:gd name="connsiteY22" fmla="*/ 2757093 h 5892104"/>
+              <a:gd name="connsiteX23" fmla="*/ 4380068 w 4381009"/>
+              <a:gd name="connsiteY23" fmla="*/ 2883010 h 5892104"/>
+              <a:gd name="connsiteX24" fmla="*/ 4380068 w 4381009"/>
+              <a:gd name="connsiteY24" fmla="*/ 3007715 h 5892104"/>
+              <a:gd name="connsiteX25" fmla="*/ 4378186 w 4381009"/>
+              <a:gd name="connsiteY25" fmla="*/ 3131210 h 5892104"/>
+              <a:gd name="connsiteX26" fmla="*/ 4375363 w 4381009"/>
+              <a:gd name="connsiteY26" fmla="*/ 3252283 h 5892104"/>
+              <a:gd name="connsiteX27" fmla="*/ 4372697 w 4381009"/>
+              <a:gd name="connsiteY27" fmla="*/ 3372146 h 5892104"/>
+              <a:gd name="connsiteX28" fmla="*/ 4369718 w 4381009"/>
+              <a:gd name="connsiteY28" fmla="*/ 3489587 h 5892104"/>
+              <a:gd name="connsiteX29" fmla="*/ 4365170 w 4381009"/>
+              <a:gd name="connsiteY29" fmla="*/ 3606423 h 5892104"/>
+              <a:gd name="connsiteX30" fmla="*/ 4360309 w 4381009"/>
+              <a:gd name="connsiteY30" fmla="*/ 3721443 h 5892104"/>
+              <a:gd name="connsiteX31" fmla="*/ 4355918 w 4381009"/>
+              <a:gd name="connsiteY31" fmla="*/ 3834041 h 5892104"/>
+              <a:gd name="connsiteX32" fmla="*/ 4343529 w 4381009"/>
+              <a:gd name="connsiteY32" fmla="*/ 4053789 h 5892104"/>
+              <a:gd name="connsiteX33" fmla="*/ 4330356 w 4381009"/>
+              <a:gd name="connsiteY33" fmla="*/ 4264457 h 5892104"/>
+              <a:gd name="connsiteX34" fmla="*/ 4316556 w 4381009"/>
+              <a:gd name="connsiteY34" fmla="*/ 4466650 h 5892104"/>
+              <a:gd name="connsiteX35" fmla="*/ 4301344 w 4381009"/>
+              <a:gd name="connsiteY35" fmla="*/ 4657946 h 5892104"/>
+              <a:gd name="connsiteX36" fmla="*/ 4285506 w 4381009"/>
+              <a:gd name="connsiteY36" fmla="*/ 4840767 h 5892104"/>
+              <a:gd name="connsiteX37" fmla="*/ 4268412 w 4381009"/>
+              <a:gd name="connsiteY37" fmla="*/ 5010269 h 5892104"/>
+              <a:gd name="connsiteX38" fmla="*/ 4251633 w 4381009"/>
+              <a:gd name="connsiteY38" fmla="*/ 5169481 h 5892104"/>
+              <a:gd name="connsiteX39" fmla="*/ 4234853 w 4381009"/>
+              <a:gd name="connsiteY39" fmla="*/ 5315980 h 5892104"/>
+              <a:gd name="connsiteX40" fmla="*/ 4219014 w 4381009"/>
+              <a:gd name="connsiteY40" fmla="*/ 5450371 h 5892104"/>
+              <a:gd name="connsiteX41" fmla="*/ 4203959 w 4381009"/>
+              <a:gd name="connsiteY41" fmla="*/ 5569628 h 5892104"/>
+              <a:gd name="connsiteX42" fmla="*/ 4189689 w 4381009"/>
+              <a:gd name="connsiteY42" fmla="*/ 5677384 h 5892104"/>
+              <a:gd name="connsiteX43" fmla="*/ 4177770 w 4381009"/>
+              <a:gd name="connsiteY43" fmla="*/ 5768189 h 5892104"/>
+              <a:gd name="connsiteX44" fmla="*/ 4166479 w 4381009"/>
+              <a:gd name="connsiteY44" fmla="*/ 5844465 h 5892104"/>
+              <a:gd name="connsiteX45" fmla="*/ 4159132 w 4381009"/>
+              <a:gd name="connsiteY45" fmla="*/ 5892104 h 5892104"/>
+              <a:gd name="connsiteX46" fmla="*/ 0 w 4381009"/>
+              <a:gd name="connsiteY46" fmla="*/ 5892104 h 5892104"/>
+            </a:gdLst>
+            <a:ahLst/>
+            <a:cxnLst>
+              <a:cxn ang="0">
+                <a:pos x="connsiteX0" y="connsiteY0"/>
+              </a:cxn>
+              <a:cxn ang="0">
+                <a:pos x="connsiteX1" y="connsiteY1"/>
+              </a:cxn>
+              <a:cxn ang="0">
+                <a:pos x="connsiteX2" y="connsiteY2"/>
+              </a:cxn>
+              <a:cxn ang="0">
+                <a:pos x="connsiteX3" y="connsiteY3"/>
+              </a:cxn>
+              <a:cxn ang="0">
+                <a:pos x="connsiteX4" y="connsiteY4"/>
+              </a:cxn>
+              <a:cxn ang="0">
+                <a:pos x="connsiteX5" y="connsiteY5"/>
+              </a:cxn>
+              <a:cxn ang="0">
+                <a:pos x="connsiteX6" y="connsiteY6"/>
+              </a:cxn>
+              <a:cxn ang="0">
+                <a:pos x="connsiteX7" y="connsiteY7"/>
+              </a:cxn>
+              <a:cxn ang="0">
+                <a:pos x="connsiteX8" y="connsiteY8"/>
+              </a:cxn>
+              <a:cxn ang="0">
+                <a:pos x="connsiteX9" y="connsiteY9"/>
+              </a:cxn>
+              <a:cxn ang="0">
+                <a:pos x="connsiteX10" y="connsiteY10"/>
+              </a:cxn>
+              <a:cxn ang="0">
+                <a:pos x="connsiteX11" y="connsiteY11"/>
+              </a:cxn>
+              <a:cxn ang="0">
+                <a:pos x="connsiteX12" y="connsiteY12"/>
+              </a:cxn>
+              <a:cxn ang="0">
+                <a:pos x="connsiteX13" y="connsiteY13"/>
+              </a:cxn>
+              <a:cxn ang="0">
+                <a:pos x="connsiteX14" y="connsiteY14"/>
+              </a:cxn>
+              <a:cxn ang="0">
+                <a:pos x="connsiteX15" y="connsiteY15"/>
+              </a:cxn>
+              <a:cxn ang="0">
+                <a:pos x="connsiteX16" y="connsiteY16"/>
+              </a:cxn>
+              <a:cxn ang="0">
+                <a:pos x="connsiteX17" y="connsiteY17"/>
+              </a:cxn>
+              <a:cxn ang="0">
+                <a:pos x="connsiteX18" y="connsiteY18"/>
+              </a:cxn>
+              <a:cxn ang="0">
+                <a:pos x="connsiteX19" y="connsiteY19"/>
+              </a:cxn>
+              <a:cxn ang="0">
+                <a:pos x="connsiteX20" y="connsiteY20"/>
+              </a:cxn>
+              <a:cxn ang="0">
+                <a:pos x="connsiteX21" y="connsiteY21"/>
+              </a:cxn>
+              <a:cxn ang="0">
+                <a:pos x="connsiteX22" y="connsiteY22"/>
+              </a:cxn>
+              <a:cxn ang="0">
+                <a:pos x="connsiteX23" y="connsiteY23"/>
+              </a:cxn>
+              <a:cxn ang="0">
+                <a:pos x="connsiteX24" y="connsiteY24"/>
+              </a:cxn>
+              <a:cxn ang="0">
+                <a:pos x="connsiteX25" y="connsiteY25"/>
+              </a:cxn>
+              <a:cxn ang="0">
+                <a:pos x="connsiteX26" y="connsiteY26"/>
+              </a:cxn>
+              <a:cxn ang="0">
+                <a:pos x="connsiteX27" y="connsiteY27"/>
+              </a:cxn>
+              <a:cxn ang="0">
+                <a:pos x="connsiteX28" y="connsiteY28"/>
+              </a:cxn>
+              <a:cxn ang="0">
+                <a:pos x="connsiteX29" y="connsiteY29"/>
+              </a:cxn>
+              <a:cxn ang="0">
+                <a:pos x="connsiteX30" y="connsiteY30"/>
+              </a:cxn>
+              <a:cxn ang="0">
+                <a:pos x="connsiteX31" y="connsiteY31"/>
+              </a:cxn>
+              <a:cxn ang="0">
+                <a:pos x="connsiteX32" y="connsiteY32"/>
+              </a:cxn>
+              <a:cxn ang="0">
+                <a:pos x="connsiteX33" y="connsiteY33"/>
+              </a:cxn>
+              <a:cxn ang="0">
+                <a:pos x="connsiteX34" y="connsiteY34"/>
+              </a:cxn>
+              <a:cxn ang="0">
+                <a:pos x="connsiteX35" y="connsiteY35"/>
+              </a:cxn>
+              <a:cxn ang="0">
+                <a:pos x="connsiteX36" y="connsiteY36"/>
+              </a:cxn>
+              <a:cxn ang="0">
+                <a:pos x="connsiteX37" y="connsiteY37"/>
+              </a:cxn>
+              <a:cxn ang="0">
+                <a:pos x="connsiteX38" y="connsiteY38"/>
+              </a:cxn>
+              <a:cxn ang="0">
+                <a:pos x="connsiteX39" y="connsiteY39"/>
+              </a:cxn>
+              <a:cxn ang="0">
+                <a:pos x="connsiteX40" y="connsiteY40"/>
+              </a:cxn>
+              <a:cxn ang="0">
+                <a:pos x="connsiteX41" y="connsiteY41"/>
+              </a:cxn>
+              <a:cxn ang="0">
+                <a:pos x="connsiteX42" y="connsiteY42"/>
+              </a:cxn>
+              <a:cxn ang="0">
+                <a:pos x="connsiteX43" y="connsiteY43"/>
+              </a:cxn>
+              <a:cxn ang="0">
+                <a:pos x="connsiteX44" y="connsiteY44"/>
+              </a:cxn>
+              <a:cxn ang="0">
+                <a:pos x="connsiteX45" y="connsiteY45"/>
+              </a:cxn>
+              <a:cxn ang="0">
+                <a:pos x="connsiteX46" y="connsiteY46"/>
+              </a:cxn>
+            </a:cxnLst>
+            <a:rect l="l" t="t" r="r" b="b"/>
+            <a:pathLst>
+              <a:path w="4381009" h="5892104">
+                <a:moveTo>
+                  <a:pt x="0" y="0"/>
+                </a:moveTo>
+                <a:lnTo>
+                  <a:pt x="4157628" y="0"/>
+                </a:lnTo>
+                <a:lnTo>
+                  <a:pt x="4169302" y="68659"/>
+                </a:lnTo>
+                <a:lnTo>
+                  <a:pt x="4191571" y="205472"/>
+                </a:lnTo>
+                <a:lnTo>
+                  <a:pt x="4213368" y="342890"/>
+                </a:lnTo>
+                <a:lnTo>
+                  <a:pt x="4232030" y="480913"/>
+                </a:lnTo>
+                <a:lnTo>
+                  <a:pt x="4250848" y="618332"/>
+                </a:lnTo>
+                <a:lnTo>
+                  <a:pt x="4268412" y="756355"/>
+                </a:lnTo>
+                <a:lnTo>
+                  <a:pt x="4283467" y="892563"/>
+                </a:lnTo>
+                <a:lnTo>
+                  <a:pt x="4297737" y="1030587"/>
+                </a:lnTo>
+                <a:lnTo>
+                  <a:pt x="4310754" y="1168005"/>
+                </a:lnTo>
+                <a:lnTo>
+                  <a:pt x="4322045" y="1303002"/>
+                </a:lnTo>
+                <a:lnTo>
+                  <a:pt x="4333336" y="1439815"/>
+                </a:lnTo>
+                <a:lnTo>
+                  <a:pt x="4342745" y="1574812"/>
+                </a:lnTo>
+                <a:lnTo>
+                  <a:pt x="4350115" y="1709808"/>
+                </a:lnTo>
+                <a:lnTo>
+                  <a:pt x="4357799" y="1844200"/>
+                </a:lnTo>
+                <a:lnTo>
+                  <a:pt x="4364229" y="1977381"/>
+                </a:lnTo>
+                <a:lnTo>
+                  <a:pt x="4368777" y="2109351"/>
+                </a:lnTo>
+                <a:lnTo>
+                  <a:pt x="4372697" y="2241321"/>
+                </a:lnTo>
+                <a:lnTo>
+                  <a:pt x="4376461" y="2372080"/>
+                </a:lnTo>
+                <a:lnTo>
+                  <a:pt x="4378186" y="2501023"/>
+                </a:lnTo>
+                <a:lnTo>
+                  <a:pt x="4380068" y="2629966"/>
+                </a:lnTo>
+                <a:lnTo>
+                  <a:pt x="4381009" y="2757093"/>
+                </a:lnTo>
+                <a:lnTo>
+                  <a:pt x="4380068" y="2883010"/>
+                </a:lnTo>
+                <a:lnTo>
+                  <a:pt x="4380068" y="3007715"/>
+                </a:lnTo>
+                <a:lnTo>
+                  <a:pt x="4378186" y="3131210"/>
+                </a:lnTo>
+                <a:lnTo>
+                  <a:pt x="4375363" y="3252283"/>
+                </a:lnTo>
+                <a:lnTo>
+                  <a:pt x="4372697" y="3372146"/>
+                </a:lnTo>
+                <a:lnTo>
+                  <a:pt x="4369718" y="3489587"/>
+                </a:lnTo>
+                <a:lnTo>
+                  <a:pt x="4365170" y="3606423"/>
+                </a:lnTo>
+                <a:lnTo>
+                  <a:pt x="4360309" y="3721443"/>
+                </a:lnTo>
+                <a:lnTo>
+                  <a:pt x="4355918" y="3834041"/>
+                </a:lnTo>
+                <a:lnTo>
+                  <a:pt x="4343529" y="4053789"/>
+                </a:lnTo>
+                <a:lnTo>
+                  <a:pt x="4330356" y="4264457"/>
+                </a:lnTo>
+                <a:lnTo>
+                  <a:pt x="4316556" y="4466650"/>
+                </a:lnTo>
+                <a:lnTo>
+                  <a:pt x="4301344" y="4657946"/>
+                </a:lnTo>
+                <a:lnTo>
+                  <a:pt x="4285506" y="4840767"/>
+                </a:lnTo>
+                <a:lnTo>
+                  <a:pt x="4268412" y="5010269"/>
+                </a:lnTo>
+                <a:lnTo>
+                  <a:pt x="4251633" y="5169481"/>
+                </a:lnTo>
+                <a:lnTo>
+                  <a:pt x="4234853" y="5315980"/>
+                </a:lnTo>
+                <a:lnTo>
+                  <a:pt x="4219014" y="5450371"/>
+                </a:lnTo>
+                <a:lnTo>
+                  <a:pt x="4203959" y="5569628"/>
+                </a:lnTo>
+                <a:lnTo>
+                  <a:pt x="4189689" y="5677384"/>
+                </a:lnTo>
+                <a:lnTo>
+                  <a:pt x="4177770" y="5768189"/>
+                </a:lnTo>
+                <a:lnTo>
+                  <a:pt x="4166479" y="5844465"/>
+                </a:lnTo>
+                <a:lnTo>
+                  <a:pt x="4159132" y="5892104"/>
+                </a:lnTo>
+                <a:lnTo>
+                  <a:pt x="0" y="5892104"/>
+                </a:lnTo>
+                <a:close/>
+              </a:path>
+            </a:pathLst>
+          </a:custGeom>
+          <a:solidFill>
+            <a:srgbClr val="404040"/>
+          </a:solidFill>
+          <a:ln>
+            <a:noFill/>
+          </a:ln>
+        </p:spPr>
+        <p:style>
+          <a:lnRef idx="2">
+            <a:schemeClr val="accent1">
+              <a:shade val="50000"/>
+            </a:schemeClr>
+          </a:lnRef>
+          <a:fillRef idx="1">
+            <a:schemeClr val="accent1"/>
+          </a:fillRef>
+          <a:effectRef idx="0">
+            <a:schemeClr val="accent1"/>
+          </a:effectRef>
+          <a:fontRef idx="minor">
+            <a:schemeClr val="lt1"/>
+          </a:fontRef>
+        </p:style>
+        <p:txBody>
+          <a:bodyPr wrap="square" rtlCol="0" anchor="ctr">
+            <a:noAutofit/>
+          </a:bodyPr>
+          <a:lstStyle/>
+          <a:p>
+            <a:pPr marL="0" marR="0" lvl="0" indent="0" algn="ctr" defTabSz="457200" rtl="0" eaLnBrk="1" fontAlgn="auto" latinLnBrk="0" hangingPunct="1">
+              <a:lnSpc>
+                <a:spcPct val="100000"/>
+              </a:lnSpc>
+              <a:spcBef>
+                <a:spcPts val="0"/>
+              </a:spcBef>
+              <a:spcAft>
+                <a:spcPts val="0"/>
+              </a:spcAft>
+              <a:buClrTx/>
+              <a:buSzTx/>
+              <a:buFontTx/>
+              <a:buNone/>
+              <a:tabLst/>
+              <a:defRPr/>
+            </a:pPr>
+            <a:endParaRPr kumimoji="0" lang="en-US" sz="1800" b="0" i="0" u="none" strike="noStrike" kern="1200" cap="none" spc="0" normalizeH="0" baseline="0" noProof="0">
+              <a:ln>
+                <a:noFill/>
+              </a:ln>
+              <a:solidFill>
+                <a:prstClr val="white"/>
+              </a:solidFill>
+              <a:effectLst/>
+              <a:uLnTx/>
+              <a:uFillTx/>
+              <a:latin typeface="Calibri" panose="020F0502020204030204"/>
+              <a:ea typeface="+mn-ea"/>
+              <a:cs typeface="+mn-cs"/>
+            </a:endParaRPr>
+          </a:p>
+        </p:txBody>
+      </p:sp>
+      <p:sp>
+        <p:nvSpPr>
+          <p:cNvPr id="2" name="Title 1">
+            <a:extLst>
+              <a:ext uri="{FF2B5EF4-FFF2-40B4-BE49-F238E27FC236}">
+                <a16:creationId xmlns:a16="http://schemas.microsoft.com/office/drawing/2014/main" id="{69F7AD8F-E1AC-495F-ABF1-95CAF605B7D7}"/>
+              </a:ext>
+            </a:extLst>
+          </p:cNvPr>
+          <p:cNvSpPr>
+            <a:spLocks noGrp="1"/>
+          </p:cNvSpPr>
+          <p:nvPr>
+            <p:ph type="title"/>
+          </p:nvPr>
+        </p:nvSpPr>
+        <p:spPr>
+          <a:xfrm>
+            <a:off x="863029" y="1012004"/>
+            <a:ext cx="3416158" cy="4795408"/>
+          </a:xfrm>
+        </p:spPr>
+        <p:txBody>
+          <a:bodyPr>
+            <a:normAutofit/>
+          </a:bodyPr>
+          <a:lstStyle/>
+          <a:p>
+            <a:pPr algn="ctr"/>
+            <a:r>
+              <a:rPr lang="en-US" dirty="0">
+                <a:solidFill>
+                  <a:srgbClr val="FFFFFF"/>
+                </a:solidFill>
+                <a:cs typeface="Calibri Light"/>
+              </a:rPr>
+              <a:t>FUTURE </a:t>
+            </a:r>
+            <a:r>
+              <a:rPr lang="en-US">
+                <a:solidFill>
+                  <a:srgbClr val="FFFFFF"/>
+                </a:solidFill>
+                <a:cs typeface="Calibri Light"/>
+              </a:rPr>
+              <a:t>SCOPE</a:t>
+            </a:r>
+          </a:p>
+        </p:txBody>
+      </p:sp>
+      <p:graphicFrame>
+        <p:nvGraphicFramePr>
+          <p:cNvPr id="7" name="Content Placeholder 2">
+            <a:extLst>
+              <a:ext uri="{FF2B5EF4-FFF2-40B4-BE49-F238E27FC236}">
+                <a16:creationId xmlns:a16="http://schemas.microsoft.com/office/drawing/2014/main" id="{3CDD4F79-C271-4935-BBEA-7795EB3F017A}"/>
+              </a:ext>
+            </a:extLst>
+          </p:cNvPr>
+          <p:cNvGraphicFramePr>
+            <a:graphicFrameLocks noGrp="1"/>
+          </p:cNvGraphicFramePr>
+          <p:nvPr>
+            <p:ph idx="1"/>
+            <p:extLst>
+              <p:ext uri="{D42A27DB-BD31-4B8C-83A1-F6EECF244321}">
+                <p14:modId xmlns:p14="http://schemas.microsoft.com/office/powerpoint/2010/main" val="1254178132"/>
+              </p:ext>
+            </p:extLst>
+          </p:nvPr>
+        </p:nvGraphicFramePr>
+        <p:xfrm>
+          <a:off x="5194300" y="470924"/>
+          <a:ext cx="6513604" cy="5885426"/>
+        </p:xfrm>
+        <a:graphic>
+          <a:graphicData uri="http://schemas.openxmlformats.org/drawingml/2006/diagram">
+            <dgm:relIds xmlns:dgm="http://schemas.openxmlformats.org/drawingml/2006/diagram" xmlns:r="http://schemas.openxmlformats.org/officeDocument/2006/relationships" r:dm="rId2" r:lo="rId3" r:qs="rId4" r:cs="rId5"/>
+          </a:graphicData>
+        </a:graphic>
+      </p:graphicFrame>
+    </p:spTree>
+    <p:extLst>
+      <p:ext uri="{BB962C8B-B14F-4D97-AF65-F5344CB8AC3E}">
+        <p14:creationId xmlns:p14="http://schemas.microsoft.com/office/powerpoint/2010/main" val="2854001225"/>
+      </p:ext>
+    </p:extLst>
+  </p:cSld>
+  <p:clrMapOvr>
+    <a:masterClrMapping/>
+  </p:clrMapOvr>
+</p:sld>
+</file>
+
+<file path=ppt/slides/slide11.xml><?xml version="1.0" encoding="utf-8"?>
+<p:sld xmlns:a="http://schemas.openxmlformats.org/drawingml/2006/main" xmlns:r="http://schemas.openxmlformats.org/officeDocument/2006/relationships" xmlns:p="http://schemas.openxmlformats.org/presentationml/2006/main">
+  <p:cSld>
+    <p:bg>
+      <p:bgPr>
+        <a:solidFill>
+          <a:schemeClr val="bg1"/>
+        </a:solidFill>
+        <a:effectLst/>
+      </p:bgPr>
+    </p:bg>
+    <p:spTree>
+      <p:nvGrpSpPr>
+        <p:cNvPr id="1" name=""/>
+        <p:cNvGrpSpPr/>
+        <p:nvPr/>
+      </p:nvGrpSpPr>
+      <p:grpSpPr>
+        <a:xfrm>
+          <a:off x="0" y="0"/>
+          <a:ext cx="0" cy="0"/>
+          <a:chOff x="0" y="0"/>
+          <a:chExt cx="0" cy="0"/>
+        </a:xfrm>
+      </p:grpSpPr>
+      <p:sp>
+        <p:nvSpPr>
           <p:cNvPr id="11" name="Rectangle 10">
             <a:extLst>
               <a:ext uri="{FF2B5EF4-FFF2-40B4-BE49-F238E27FC236}">
@@ -17413,8 +20694,8 @@
         </p:nvSpPr>
         <p:spPr>
           <a:xfrm>
-            <a:off x="1028700" y="1967266"/>
-            <a:ext cx="2628900" cy="2547257"/>
+            <a:off x="453606" y="1952889"/>
+            <a:ext cx="4037881" cy="2547257"/>
           </a:xfrm>
           <a:prstGeom prst="ellipse">
             <a:avLst/>
@@ -17429,16 +20710,21 @@
           <a:p>
             <a:pPr algn="ctr"/>
             <a:r>
-              <a:rPr lang="en-US" sz="3600" kern="1200">
+              <a:rPr lang="en-US" sz="3600" dirty="0">
                 <a:solidFill>
                   <a:srgbClr val="FFFFFF"/>
                 </a:solidFill>
-                <a:latin typeface="+mj-lt"/>
-                <a:ea typeface="+mj-ea"/>
-                <a:cs typeface="+mj-cs"/>
               </a:rPr>
-              <a:t>IMPACT</a:t>
+              <a:t>OPPORTUNITY</a:t>
             </a:r>
+            <a:endParaRPr lang="en-US" sz="3600" kern="1200" dirty="0">
+              <a:solidFill>
+                <a:srgbClr val="FFFFFF"/>
+              </a:solidFill>
+              <a:latin typeface="+mj-lt"/>
+              <a:ea typeface="+mj-ea"/>
+              <a:cs typeface="+mj-cs"/>
+            </a:endParaRPr>
           </a:p>
         </p:txBody>
       </p:sp>
@@ -17486,6 +20772,597 @@
 </file>
 
 <file path=ppt/slides/slide3.xml><?xml version="1.0" encoding="utf-8"?>
+<p:sld xmlns:a="http://schemas.openxmlformats.org/drawingml/2006/main" xmlns:r="http://schemas.openxmlformats.org/officeDocument/2006/relationships" xmlns:p="http://schemas.openxmlformats.org/presentationml/2006/main">
+  <p:cSld>
+    <p:bg>
+      <p:bgPr>
+        <a:solidFill>
+          <a:schemeClr val="bg1"/>
+        </a:solidFill>
+        <a:effectLst/>
+      </p:bgPr>
+    </p:bg>
+    <p:spTree>
+      <p:nvGrpSpPr>
+        <p:cNvPr id="1" name=""/>
+        <p:cNvGrpSpPr/>
+        <p:nvPr/>
+      </p:nvGrpSpPr>
+      <p:grpSpPr>
+        <a:xfrm>
+          <a:off x="0" y="0"/>
+          <a:ext cx="0" cy="0"/>
+          <a:chOff x="0" y="0"/>
+          <a:chExt cx="0" cy="0"/>
+        </a:xfrm>
+      </p:grpSpPr>
+      <p:sp>
+        <p:nvSpPr>
+          <p:cNvPr id="6" name="Freeform: Shape 9">
+            <a:extLst>
+              <a:ext uri="{FF2B5EF4-FFF2-40B4-BE49-F238E27FC236}">
+                <a16:creationId xmlns:a16="http://schemas.microsoft.com/office/drawing/2014/main" id="{46C2E80F-49A6-4372-B103-219D417A55ED}"/>
+              </a:ext>
+              <a:ext uri="{C183D7F6-B498-43B3-948B-1728B52AA6E4}">
+                <adec:decorative xmlns:adec="http://schemas.microsoft.com/office/drawing/2017/decorative" val="1"/>
+              </a:ext>
+            </a:extLst>
+          </p:cNvPr>
+          <p:cNvSpPr>
+            <a:spLocks noGrp="1" noRot="1" noChangeAspect="1" noMove="1" noResize="1" noEditPoints="1" noAdjustHandles="1" noChangeArrowheads="1" noChangeShapeType="1" noTextEdit="1"/>
+          </p:cNvSpPr>
+          <p:nvPr>
+            <p:extLst>
+              <p:ext uri="{386F3935-93C4-4BCD-93E2-E3B085C9AB24}">
+                <p16:designElem xmlns:p16="http://schemas.microsoft.com/office/powerpoint/2015/main" val="1"/>
+              </p:ext>
+            </p:extLst>
+          </p:nvPr>
+        </p:nvSpPr>
+        <p:spPr>
+          <a:xfrm>
+            <a:off x="484096" y="470925"/>
+            <a:ext cx="4381009" cy="5892104"/>
+          </a:xfrm>
+          <a:custGeom>
+            <a:avLst/>
+            <a:gdLst>
+              <a:gd name="connsiteX0" fmla="*/ 0 w 4381009"/>
+              <a:gd name="connsiteY0" fmla="*/ 0 h 5892104"/>
+              <a:gd name="connsiteX1" fmla="*/ 4157628 w 4381009"/>
+              <a:gd name="connsiteY1" fmla="*/ 0 h 5892104"/>
+              <a:gd name="connsiteX2" fmla="*/ 4169302 w 4381009"/>
+              <a:gd name="connsiteY2" fmla="*/ 68659 h 5892104"/>
+              <a:gd name="connsiteX3" fmla="*/ 4191571 w 4381009"/>
+              <a:gd name="connsiteY3" fmla="*/ 205472 h 5892104"/>
+              <a:gd name="connsiteX4" fmla="*/ 4213368 w 4381009"/>
+              <a:gd name="connsiteY4" fmla="*/ 342890 h 5892104"/>
+              <a:gd name="connsiteX5" fmla="*/ 4232030 w 4381009"/>
+              <a:gd name="connsiteY5" fmla="*/ 480913 h 5892104"/>
+              <a:gd name="connsiteX6" fmla="*/ 4250848 w 4381009"/>
+              <a:gd name="connsiteY6" fmla="*/ 618332 h 5892104"/>
+              <a:gd name="connsiteX7" fmla="*/ 4268412 w 4381009"/>
+              <a:gd name="connsiteY7" fmla="*/ 756355 h 5892104"/>
+              <a:gd name="connsiteX8" fmla="*/ 4283467 w 4381009"/>
+              <a:gd name="connsiteY8" fmla="*/ 892563 h 5892104"/>
+              <a:gd name="connsiteX9" fmla="*/ 4297737 w 4381009"/>
+              <a:gd name="connsiteY9" fmla="*/ 1030587 h 5892104"/>
+              <a:gd name="connsiteX10" fmla="*/ 4310754 w 4381009"/>
+              <a:gd name="connsiteY10" fmla="*/ 1168005 h 5892104"/>
+              <a:gd name="connsiteX11" fmla="*/ 4322045 w 4381009"/>
+              <a:gd name="connsiteY11" fmla="*/ 1303002 h 5892104"/>
+              <a:gd name="connsiteX12" fmla="*/ 4333336 w 4381009"/>
+              <a:gd name="connsiteY12" fmla="*/ 1439815 h 5892104"/>
+              <a:gd name="connsiteX13" fmla="*/ 4342745 w 4381009"/>
+              <a:gd name="connsiteY13" fmla="*/ 1574812 h 5892104"/>
+              <a:gd name="connsiteX14" fmla="*/ 4350115 w 4381009"/>
+              <a:gd name="connsiteY14" fmla="*/ 1709808 h 5892104"/>
+              <a:gd name="connsiteX15" fmla="*/ 4357799 w 4381009"/>
+              <a:gd name="connsiteY15" fmla="*/ 1844200 h 5892104"/>
+              <a:gd name="connsiteX16" fmla="*/ 4364229 w 4381009"/>
+              <a:gd name="connsiteY16" fmla="*/ 1977381 h 5892104"/>
+              <a:gd name="connsiteX17" fmla="*/ 4368777 w 4381009"/>
+              <a:gd name="connsiteY17" fmla="*/ 2109351 h 5892104"/>
+              <a:gd name="connsiteX18" fmla="*/ 4372697 w 4381009"/>
+              <a:gd name="connsiteY18" fmla="*/ 2241321 h 5892104"/>
+              <a:gd name="connsiteX19" fmla="*/ 4376461 w 4381009"/>
+              <a:gd name="connsiteY19" fmla="*/ 2372080 h 5892104"/>
+              <a:gd name="connsiteX20" fmla="*/ 4378186 w 4381009"/>
+              <a:gd name="connsiteY20" fmla="*/ 2501023 h 5892104"/>
+              <a:gd name="connsiteX21" fmla="*/ 4380068 w 4381009"/>
+              <a:gd name="connsiteY21" fmla="*/ 2629966 h 5892104"/>
+              <a:gd name="connsiteX22" fmla="*/ 4381009 w 4381009"/>
+              <a:gd name="connsiteY22" fmla="*/ 2757093 h 5892104"/>
+              <a:gd name="connsiteX23" fmla="*/ 4380068 w 4381009"/>
+              <a:gd name="connsiteY23" fmla="*/ 2883010 h 5892104"/>
+              <a:gd name="connsiteX24" fmla="*/ 4380068 w 4381009"/>
+              <a:gd name="connsiteY24" fmla="*/ 3007715 h 5892104"/>
+              <a:gd name="connsiteX25" fmla="*/ 4378186 w 4381009"/>
+              <a:gd name="connsiteY25" fmla="*/ 3131210 h 5892104"/>
+              <a:gd name="connsiteX26" fmla="*/ 4375363 w 4381009"/>
+              <a:gd name="connsiteY26" fmla="*/ 3252283 h 5892104"/>
+              <a:gd name="connsiteX27" fmla="*/ 4372697 w 4381009"/>
+              <a:gd name="connsiteY27" fmla="*/ 3372146 h 5892104"/>
+              <a:gd name="connsiteX28" fmla="*/ 4369718 w 4381009"/>
+              <a:gd name="connsiteY28" fmla="*/ 3489587 h 5892104"/>
+              <a:gd name="connsiteX29" fmla="*/ 4365170 w 4381009"/>
+              <a:gd name="connsiteY29" fmla="*/ 3606423 h 5892104"/>
+              <a:gd name="connsiteX30" fmla="*/ 4360309 w 4381009"/>
+              <a:gd name="connsiteY30" fmla="*/ 3721443 h 5892104"/>
+              <a:gd name="connsiteX31" fmla="*/ 4355918 w 4381009"/>
+              <a:gd name="connsiteY31" fmla="*/ 3834041 h 5892104"/>
+              <a:gd name="connsiteX32" fmla="*/ 4343529 w 4381009"/>
+              <a:gd name="connsiteY32" fmla="*/ 4053789 h 5892104"/>
+              <a:gd name="connsiteX33" fmla="*/ 4330356 w 4381009"/>
+              <a:gd name="connsiteY33" fmla="*/ 4264457 h 5892104"/>
+              <a:gd name="connsiteX34" fmla="*/ 4316556 w 4381009"/>
+              <a:gd name="connsiteY34" fmla="*/ 4466650 h 5892104"/>
+              <a:gd name="connsiteX35" fmla="*/ 4301344 w 4381009"/>
+              <a:gd name="connsiteY35" fmla="*/ 4657946 h 5892104"/>
+              <a:gd name="connsiteX36" fmla="*/ 4285506 w 4381009"/>
+              <a:gd name="connsiteY36" fmla="*/ 4840767 h 5892104"/>
+              <a:gd name="connsiteX37" fmla="*/ 4268412 w 4381009"/>
+              <a:gd name="connsiteY37" fmla="*/ 5010269 h 5892104"/>
+              <a:gd name="connsiteX38" fmla="*/ 4251633 w 4381009"/>
+              <a:gd name="connsiteY38" fmla="*/ 5169481 h 5892104"/>
+              <a:gd name="connsiteX39" fmla="*/ 4234853 w 4381009"/>
+              <a:gd name="connsiteY39" fmla="*/ 5315980 h 5892104"/>
+              <a:gd name="connsiteX40" fmla="*/ 4219014 w 4381009"/>
+              <a:gd name="connsiteY40" fmla="*/ 5450371 h 5892104"/>
+              <a:gd name="connsiteX41" fmla="*/ 4203959 w 4381009"/>
+              <a:gd name="connsiteY41" fmla="*/ 5569628 h 5892104"/>
+              <a:gd name="connsiteX42" fmla="*/ 4189689 w 4381009"/>
+              <a:gd name="connsiteY42" fmla="*/ 5677384 h 5892104"/>
+              <a:gd name="connsiteX43" fmla="*/ 4177770 w 4381009"/>
+              <a:gd name="connsiteY43" fmla="*/ 5768189 h 5892104"/>
+              <a:gd name="connsiteX44" fmla="*/ 4166479 w 4381009"/>
+              <a:gd name="connsiteY44" fmla="*/ 5844465 h 5892104"/>
+              <a:gd name="connsiteX45" fmla="*/ 4159132 w 4381009"/>
+              <a:gd name="connsiteY45" fmla="*/ 5892104 h 5892104"/>
+              <a:gd name="connsiteX46" fmla="*/ 0 w 4381009"/>
+              <a:gd name="connsiteY46" fmla="*/ 5892104 h 5892104"/>
+            </a:gdLst>
+            <a:ahLst/>
+            <a:cxnLst>
+              <a:cxn ang="0">
+                <a:pos x="connsiteX0" y="connsiteY0"/>
+              </a:cxn>
+              <a:cxn ang="0">
+                <a:pos x="connsiteX1" y="connsiteY1"/>
+              </a:cxn>
+              <a:cxn ang="0">
+                <a:pos x="connsiteX2" y="connsiteY2"/>
+              </a:cxn>
+              <a:cxn ang="0">
+                <a:pos x="connsiteX3" y="connsiteY3"/>
+              </a:cxn>
+              <a:cxn ang="0">
+                <a:pos x="connsiteX4" y="connsiteY4"/>
+              </a:cxn>
+              <a:cxn ang="0">
+                <a:pos x="connsiteX5" y="connsiteY5"/>
+              </a:cxn>
+              <a:cxn ang="0">
+                <a:pos x="connsiteX6" y="connsiteY6"/>
+              </a:cxn>
+              <a:cxn ang="0">
+                <a:pos x="connsiteX7" y="connsiteY7"/>
+              </a:cxn>
+              <a:cxn ang="0">
+                <a:pos x="connsiteX8" y="connsiteY8"/>
+              </a:cxn>
+              <a:cxn ang="0">
+                <a:pos x="connsiteX9" y="connsiteY9"/>
+              </a:cxn>
+              <a:cxn ang="0">
+                <a:pos x="connsiteX10" y="connsiteY10"/>
+              </a:cxn>
+              <a:cxn ang="0">
+                <a:pos x="connsiteX11" y="connsiteY11"/>
+              </a:cxn>
+              <a:cxn ang="0">
+                <a:pos x="connsiteX12" y="connsiteY12"/>
+              </a:cxn>
+              <a:cxn ang="0">
+                <a:pos x="connsiteX13" y="connsiteY13"/>
+              </a:cxn>
+              <a:cxn ang="0">
+                <a:pos x="connsiteX14" y="connsiteY14"/>
+              </a:cxn>
+              <a:cxn ang="0">
+                <a:pos x="connsiteX15" y="connsiteY15"/>
+              </a:cxn>
+              <a:cxn ang="0">
+                <a:pos x="connsiteX16" y="connsiteY16"/>
+              </a:cxn>
+              <a:cxn ang="0">
+                <a:pos x="connsiteX17" y="connsiteY17"/>
+              </a:cxn>
+              <a:cxn ang="0">
+                <a:pos x="connsiteX18" y="connsiteY18"/>
+              </a:cxn>
+              <a:cxn ang="0">
+                <a:pos x="connsiteX19" y="connsiteY19"/>
+              </a:cxn>
+              <a:cxn ang="0">
+                <a:pos x="connsiteX20" y="connsiteY20"/>
+              </a:cxn>
+              <a:cxn ang="0">
+                <a:pos x="connsiteX21" y="connsiteY21"/>
+              </a:cxn>
+              <a:cxn ang="0">
+                <a:pos x="connsiteX22" y="connsiteY22"/>
+              </a:cxn>
+              <a:cxn ang="0">
+                <a:pos x="connsiteX23" y="connsiteY23"/>
+              </a:cxn>
+              <a:cxn ang="0">
+                <a:pos x="connsiteX24" y="connsiteY24"/>
+              </a:cxn>
+              <a:cxn ang="0">
+                <a:pos x="connsiteX25" y="connsiteY25"/>
+              </a:cxn>
+              <a:cxn ang="0">
+                <a:pos x="connsiteX26" y="connsiteY26"/>
+              </a:cxn>
+              <a:cxn ang="0">
+                <a:pos x="connsiteX27" y="connsiteY27"/>
+              </a:cxn>
+              <a:cxn ang="0">
+                <a:pos x="connsiteX28" y="connsiteY28"/>
+              </a:cxn>
+              <a:cxn ang="0">
+                <a:pos x="connsiteX29" y="connsiteY29"/>
+              </a:cxn>
+              <a:cxn ang="0">
+                <a:pos x="connsiteX30" y="connsiteY30"/>
+              </a:cxn>
+              <a:cxn ang="0">
+                <a:pos x="connsiteX31" y="connsiteY31"/>
+              </a:cxn>
+              <a:cxn ang="0">
+                <a:pos x="connsiteX32" y="connsiteY32"/>
+              </a:cxn>
+              <a:cxn ang="0">
+                <a:pos x="connsiteX33" y="connsiteY33"/>
+              </a:cxn>
+              <a:cxn ang="0">
+                <a:pos x="connsiteX34" y="connsiteY34"/>
+              </a:cxn>
+              <a:cxn ang="0">
+                <a:pos x="connsiteX35" y="connsiteY35"/>
+              </a:cxn>
+              <a:cxn ang="0">
+                <a:pos x="connsiteX36" y="connsiteY36"/>
+              </a:cxn>
+              <a:cxn ang="0">
+                <a:pos x="connsiteX37" y="connsiteY37"/>
+              </a:cxn>
+              <a:cxn ang="0">
+                <a:pos x="connsiteX38" y="connsiteY38"/>
+              </a:cxn>
+              <a:cxn ang="0">
+                <a:pos x="connsiteX39" y="connsiteY39"/>
+              </a:cxn>
+              <a:cxn ang="0">
+                <a:pos x="connsiteX40" y="connsiteY40"/>
+              </a:cxn>
+              <a:cxn ang="0">
+                <a:pos x="connsiteX41" y="connsiteY41"/>
+              </a:cxn>
+              <a:cxn ang="0">
+                <a:pos x="connsiteX42" y="connsiteY42"/>
+              </a:cxn>
+              <a:cxn ang="0">
+                <a:pos x="connsiteX43" y="connsiteY43"/>
+              </a:cxn>
+              <a:cxn ang="0">
+                <a:pos x="connsiteX44" y="connsiteY44"/>
+              </a:cxn>
+              <a:cxn ang="0">
+                <a:pos x="connsiteX45" y="connsiteY45"/>
+              </a:cxn>
+              <a:cxn ang="0">
+                <a:pos x="connsiteX46" y="connsiteY46"/>
+              </a:cxn>
+            </a:cxnLst>
+            <a:rect l="l" t="t" r="r" b="b"/>
+            <a:pathLst>
+              <a:path w="4381009" h="5892104">
+                <a:moveTo>
+                  <a:pt x="0" y="0"/>
+                </a:moveTo>
+                <a:lnTo>
+                  <a:pt x="4157628" y="0"/>
+                </a:lnTo>
+                <a:lnTo>
+                  <a:pt x="4169302" y="68659"/>
+                </a:lnTo>
+                <a:lnTo>
+                  <a:pt x="4191571" y="205472"/>
+                </a:lnTo>
+                <a:lnTo>
+                  <a:pt x="4213368" y="342890"/>
+                </a:lnTo>
+                <a:lnTo>
+                  <a:pt x="4232030" y="480913"/>
+                </a:lnTo>
+                <a:lnTo>
+                  <a:pt x="4250848" y="618332"/>
+                </a:lnTo>
+                <a:lnTo>
+                  <a:pt x="4268412" y="756355"/>
+                </a:lnTo>
+                <a:lnTo>
+                  <a:pt x="4283467" y="892563"/>
+                </a:lnTo>
+                <a:lnTo>
+                  <a:pt x="4297737" y="1030587"/>
+                </a:lnTo>
+                <a:lnTo>
+                  <a:pt x="4310754" y="1168005"/>
+                </a:lnTo>
+                <a:lnTo>
+                  <a:pt x="4322045" y="1303002"/>
+                </a:lnTo>
+                <a:lnTo>
+                  <a:pt x="4333336" y="1439815"/>
+                </a:lnTo>
+                <a:lnTo>
+                  <a:pt x="4342745" y="1574812"/>
+                </a:lnTo>
+                <a:lnTo>
+                  <a:pt x="4350115" y="1709808"/>
+                </a:lnTo>
+                <a:lnTo>
+                  <a:pt x="4357799" y="1844200"/>
+                </a:lnTo>
+                <a:lnTo>
+                  <a:pt x="4364229" y="1977381"/>
+                </a:lnTo>
+                <a:lnTo>
+                  <a:pt x="4368777" y="2109351"/>
+                </a:lnTo>
+                <a:lnTo>
+                  <a:pt x="4372697" y="2241321"/>
+                </a:lnTo>
+                <a:lnTo>
+                  <a:pt x="4376461" y="2372080"/>
+                </a:lnTo>
+                <a:lnTo>
+                  <a:pt x="4378186" y="2501023"/>
+                </a:lnTo>
+                <a:lnTo>
+                  <a:pt x="4380068" y="2629966"/>
+                </a:lnTo>
+                <a:lnTo>
+                  <a:pt x="4381009" y="2757093"/>
+                </a:lnTo>
+                <a:lnTo>
+                  <a:pt x="4380068" y="2883010"/>
+                </a:lnTo>
+                <a:lnTo>
+                  <a:pt x="4380068" y="3007715"/>
+                </a:lnTo>
+                <a:lnTo>
+                  <a:pt x="4378186" y="3131210"/>
+                </a:lnTo>
+                <a:lnTo>
+                  <a:pt x="4375363" y="3252283"/>
+                </a:lnTo>
+                <a:lnTo>
+                  <a:pt x="4372697" y="3372146"/>
+                </a:lnTo>
+                <a:lnTo>
+                  <a:pt x="4369718" y="3489587"/>
+                </a:lnTo>
+                <a:lnTo>
+                  <a:pt x="4365170" y="3606423"/>
+                </a:lnTo>
+                <a:lnTo>
+                  <a:pt x="4360309" y="3721443"/>
+                </a:lnTo>
+                <a:lnTo>
+                  <a:pt x="4355918" y="3834041"/>
+                </a:lnTo>
+                <a:lnTo>
+                  <a:pt x="4343529" y="4053789"/>
+                </a:lnTo>
+                <a:lnTo>
+                  <a:pt x="4330356" y="4264457"/>
+                </a:lnTo>
+                <a:lnTo>
+                  <a:pt x="4316556" y="4466650"/>
+                </a:lnTo>
+                <a:lnTo>
+                  <a:pt x="4301344" y="4657946"/>
+                </a:lnTo>
+                <a:lnTo>
+                  <a:pt x="4285506" y="4840767"/>
+                </a:lnTo>
+                <a:lnTo>
+                  <a:pt x="4268412" y="5010269"/>
+                </a:lnTo>
+                <a:lnTo>
+                  <a:pt x="4251633" y="5169481"/>
+                </a:lnTo>
+                <a:lnTo>
+                  <a:pt x="4234853" y="5315980"/>
+                </a:lnTo>
+                <a:lnTo>
+                  <a:pt x="4219014" y="5450371"/>
+                </a:lnTo>
+                <a:lnTo>
+                  <a:pt x="4203959" y="5569628"/>
+                </a:lnTo>
+                <a:lnTo>
+                  <a:pt x="4189689" y="5677384"/>
+                </a:lnTo>
+                <a:lnTo>
+                  <a:pt x="4177770" y="5768189"/>
+                </a:lnTo>
+                <a:lnTo>
+                  <a:pt x="4166479" y="5844465"/>
+                </a:lnTo>
+                <a:lnTo>
+                  <a:pt x="4159132" y="5892104"/>
+                </a:lnTo>
+                <a:lnTo>
+                  <a:pt x="0" y="5892104"/>
+                </a:lnTo>
+                <a:close/>
+              </a:path>
+            </a:pathLst>
+          </a:custGeom>
+          <a:solidFill>
+            <a:srgbClr val="404040"/>
+          </a:solidFill>
+          <a:ln>
+            <a:noFill/>
+          </a:ln>
+        </p:spPr>
+        <p:style>
+          <a:lnRef idx="2">
+            <a:schemeClr val="accent1">
+              <a:shade val="50000"/>
+            </a:schemeClr>
+          </a:lnRef>
+          <a:fillRef idx="1">
+            <a:schemeClr val="accent1"/>
+          </a:fillRef>
+          <a:effectRef idx="0">
+            <a:schemeClr val="accent1"/>
+          </a:effectRef>
+          <a:fontRef idx="minor">
+            <a:schemeClr val="lt1"/>
+          </a:fontRef>
+        </p:style>
+        <p:txBody>
+          <a:bodyPr wrap="square" rtlCol="0" anchor="ctr">
+            <a:noAutofit/>
+          </a:bodyPr>
+          <a:lstStyle/>
+          <a:p>
+            <a:pPr marL="0" marR="0" lvl="0" indent="0" algn="ctr" defTabSz="457200" rtl="0" eaLnBrk="1" fontAlgn="auto" latinLnBrk="0" hangingPunct="1">
+              <a:lnSpc>
+                <a:spcPct val="100000"/>
+              </a:lnSpc>
+              <a:spcBef>
+                <a:spcPts val="0"/>
+              </a:spcBef>
+              <a:spcAft>
+                <a:spcPts val="0"/>
+              </a:spcAft>
+              <a:buClrTx/>
+              <a:buSzTx/>
+              <a:buFontTx/>
+              <a:buNone/>
+              <a:tabLst/>
+              <a:defRPr/>
+            </a:pPr>
+            <a:endParaRPr kumimoji="0" lang="en-US" sz="1800" b="0" i="0" u="none" strike="noStrike" kern="1200" cap="none" spc="0" normalizeH="0" baseline="0" noProof="0">
+              <a:ln>
+                <a:noFill/>
+              </a:ln>
+              <a:solidFill>
+                <a:prstClr val="white"/>
+              </a:solidFill>
+              <a:effectLst/>
+              <a:uLnTx/>
+              <a:uFillTx/>
+              <a:latin typeface="Calibri" panose="020F0502020204030204"/>
+              <a:ea typeface="+mn-ea"/>
+              <a:cs typeface="+mn-cs"/>
+            </a:endParaRPr>
+          </a:p>
+        </p:txBody>
+      </p:sp>
+      <p:sp>
+        <p:nvSpPr>
+          <p:cNvPr id="2" name="Title 1">
+            <a:extLst>
+              <a:ext uri="{FF2B5EF4-FFF2-40B4-BE49-F238E27FC236}">
+                <a16:creationId xmlns:a16="http://schemas.microsoft.com/office/drawing/2014/main" id="{0AC7536D-C588-44F2-BAD8-F9E41760E55F}"/>
+              </a:ext>
+            </a:extLst>
+          </p:cNvPr>
+          <p:cNvSpPr>
+            <a:spLocks noGrp="1"/>
+          </p:cNvSpPr>
+          <p:nvPr>
+            <p:ph type="title"/>
+          </p:nvPr>
+        </p:nvSpPr>
+        <p:spPr>
+          <a:xfrm>
+            <a:off x="863029" y="1012004"/>
+            <a:ext cx="3416158" cy="4795408"/>
+          </a:xfrm>
+        </p:spPr>
+        <p:txBody>
+          <a:bodyPr>
+            <a:normAutofit/>
+          </a:bodyPr>
+          <a:lstStyle/>
+          <a:p>
+            <a:pPr algn="ctr"/>
+            <a:r>
+              <a:rPr lang="en-US" dirty="0">
+                <a:solidFill>
+                  <a:srgbClr val="FFFFFF"/>
+                </a:solidFill>
+                <a:cs typeface="Calibri Light"/>
+              </a:rPr>
+              <a:t>IMPACT:</a:t>
+            </a:r>
+          </a:p>
+        </p:txBody>
+      </p:sp>
+      <p:graphicFrame>
+        <p:nvGraphicFramePr>
+          <p:cNvPr id="5" name="Content Placeholder 2">
+            <a:extLst>
+              <a:ext uri="{FF2B5EF4-FFF2-40B4-BE49-F238E27FC236}">
+                <a16:creationId xmlns:a16="http://schemas.microsoft.com/office/drawing/2014/main" id="{4107AB8D-63B6-420E-919A-0EC30EF9EE6D}"/>
+              </a:ext>
+            </a:extLst>
+          </p:cNvPr>
+          <p:cNvGraphicFramePr>
+            <a:graphicFrameLocks noGrp="1"/>
+          </p:cNvGraphicFramePr>
+          <p:nvPr>
+            <p:ph idx="1"/>
+            <p:extLst>
+              <p:ext uri="{D42A27DB-BD31-4B8C-83A1-F6EECF244321}">
+                <p14:modId xmlns:p14="http://schemas.microsoft.com/office/powerpoint/2010/main" val="1915691971"/>
+              </p:ext>
+            </p:extLst>
+          </p:nvPr>
+        </p:nvGraphicFramePr>
+        <p:xfrm>
+          <a:off x="5194300" y="470924"/>
+          <a:ext cx="6513604" cy="5885426"/>
+        </p:xfrm>
+        <a:graphic>
+          <a:graphicData uri="http://schemas.openxmlformats.org/drawingml/2006/diagram">
+            <dgm:relIds xmlns:dgm="http://schemas.openxmlformats.org/drawingml/2006/diagram" xmlns:r="http://schemas.openxmlformats.org/officeDocument/2006/relationships" r:dm="rId2" r:lo="rId3" r:qs="rId4" r:cs="rId5"/>
+          </a:graphicData>
+        </a:graphic>
+      </p:graphicFrame>
+    </p:spTree>
+    <p:extLst>
+      <p:ext uri="{BB962C8B-B14F-4D97-AF65-F5344CB8AC3E}">
+        <p14:creationId xmlns:p14="http://schemas.microsoft.com/office/powerpoint/2010/main" val="1288059223"/>
+      </p:ext>
+    </p:extLst>
+  </p:cSld>
+  <p:clrMapOvr>
+    <a:masterClrMapping/>
+  </p:clrMapOvr>
+</p:sld>
+</file>
+
+<file path=ppt/slides/slide4.xml><?xml version="1.0" encoding="utf-8"?>
 <p:sld xmlns:a="http://schemas.openxmlformats.org/drawingml/2006/main" xmlns:r="http://schemas.openxmlformats.org/officeDocument/2006/relationships" xmlns:p="http://schemas.openxmlformats.org/presentationml/2006/main">
   <p:cSld>
     <p:bg>
@@ -18009,8 +21886,8 @@
         </p:nvSpPr>
         <p:spPr>
           <a:xfrm>
-            <a:off x="863029" y="1012004"/>
-            <a:ext cx="3416158" cy="4795408"/>
+            <a:off x="316689" y="1012004"/>
+            <a:ext cx="4393818" cy="4795408"/>
           </a:xfrm>
           <a:prstGeom prst="ellipse">
             <a:avLst/>
@@ -18024,7 +21901,7 @@
           <a:p>
             <a:pPr algn="ctr"/>
             <a:r>
-              <a:rPr lang="en-US" sz="3400">
+              <a:rPr lang="en-US" dirty="0">
                 <a:solidFill>
                   <a:srgbClr val="FFFFFF"/>
                 </a:solidFill>
@@ -18076,7 +21953,7 @@
 </p:sld>
 </file>
 
-<file path=ppt/slides/slide4.xml><?xml version="1.0" encoding="utf-8"?>
+<file path=ppt/slides/slide5.xml><?xml version="1.0" encoding="utf-8"?>
 <p:sld xmlns:a="http://schemas.openxmlformats.org/drawingml/2006/main" xmlns:r="http://schemas.openxmlformats.org/officeDocument/2006/relationships" xmlns:p="http://schemas.openxmlformats.org/presentationml/2006/main">
   <p:cSld>
     <p:bg>
@@ -18615,7 +22492,7 @@
           <a:p>
             <a:pPr algn="ctr"/>
             <a:r>
-              <a:rPr lang="en-US" sz="3700">
+              <a:rPr lang="en-US" dirty="0">
                 <a:solidFill>
                   <a:srgbClr val="FFFFFF"/>
                 </a:solidFill>
@@ -18669,7 +22546,7 @@
 </p:sld>
 </file>
 
-<file path=ppt/slides/slide5.xml><?xml version="1.0" encoding="utf-8"?>
+<file path=ppt/slides/slide6.xml><?xml version="1.0" encoding="utf-8"?>
 <p:sld xmlns:a="http://schemas.openxmlformats.org/drawingml/2006/main" xmlns:r="http://schemas.openxmlformats.org/officeDocument/2006/relationships" xmlns:p="http://schemas.openxmlformats.org/presentationml/2006/main">
   <p:cSld>
     <p:bg>
@@ -19262,7 +23139,7 @@
 </p:sld>
 </file>
 
-<file path=ppt/slides/slide6.xml><?xml version="1.0" encoding="utf-8"?>
+<file path=ppt/slides/slide7.xml><?xml version="1.0" encoding="utf-8"?>
 <p:sld xmlns:a="http://schemas.openxmlformats.org/drawingml/2006/main" xmlns:r="http://schemas.openxmlformats.org/officeDocument/2006/relationships" xmlns:p="http://schemas.openxmlformats.org/presentationml/2006/main">
   <p:cSld>
     <p:bg>
@@ -19941,7 +23818,7 @@
 </p:sld>
 </file>
 
-<file path=ppt/slides/slide7.xml><?xml version="1.0" encoding="utf-8"?>
+<file path=ppt/slides/slide8.xml><?xml version="1.0" encoding="utf-8"?>
 <p:sld xmlns:a="http://schemas.openxmlformats.org/drawingml/2006/main" xmlns:r="http://schemas.openxmlformats.org/officeDocument/2006/relationships" xmlns:p="http://schemas.openxmlformats.org/presentationml/2006/main">
   <p:cSld>
     <p:bg>
@@ -20530,7 +24407,7 @@
 </p:sld>
 </file>
 
-<file path=ppt/slides/slide8.xml><?xml version="1.0" encoding="utf-8"?>
+<file path=ppt/slides/slide9.xml><?xml version="1.0" encoding="utf-8"?>
 <p:sld xmlns:a="http://schemas.openxmlformats.org/drawingml/2006/main" xmlns:r="http://schemas.openxmlformats.org/officeDocument/2006/relationships" xmlns:p="http://schemas.openxmlformats.org/presentationml/2006/main">
   <p:cSld>
     <p:bg>
@@ -20761,606 +24638,6 @@
     <p:extLst>
       <p:ext uri="{BB962C8B-B14F-4D97-AF65-F5344CB8AC3E}">
         <p14:creationId xmlns:p14="http://schemas.microsoft.com/office/powerpoint/2010/main" val="3277393641"/>
-      </p:ext>
-    </p:extLst>
-  </p:cSld>
-  <p:clrMapOvr>
-    <a:masterClrMapping/>
-  </p:clrMapOvr>
-</p:sld>
-</file>
-
-<file path=ppt/slides/slide9.xml><?xml version="1.0" encoding="utf-8"?>
-<p:sld xmlns:a="http://schemas.openxmlformats.org/drawingml/2006/main" xmlns:r="http://schemas.openxmlformats.org/officeDocument/2006/relationships" xmlns:p="http://schemas.openxmlformats.org/presentationml/2006/main">
-  <p:cSld>
-    <p:bg>
-      <p:bgPr>
-        <a:solidFill>
-          <a:schemeClr val="bg1"/>
-        </a:solidFill>
-        <a:effectLst/>
-      </p:bgPr>
-    </p:bg>
-    <p:spTree>
-      <p:nvGrpSpPr>
-        <p:cNvPr id="1" name=""/>
-        <p:cNvGrpSpPr/>
-        <p:nvPr/>
-      </p:nvGrpSpPr>
-      <p:grpSpPr>
-        <a:xfrm>
-          <a:off x="0" y="0"/>
-          <a:ext cx="0" cy="0"/>
-          <a:chOff x="0" y="0"/>
-          <a:chExt cx="0" cy="0"/>
-        </a:xfrm>
-      </p:grpSpPr>
-      <p:sp>
-        <p:nvSpPr>
-          <p:cNvPr id="6" name="Freeform: Shape 9">
-            <a:extLst>
-              <a:ext uri="{FF2B5EF4-FFF2-40B4-BE49-F238E27FC236}">
-                <a16:creationId xmlns:a16="http://schemas.microsoft.com/office/drawing/2014/main" id="{46C2E80F-49A6-4372-B103-219D417A55ED}"/>
-              </a:ext>
-              <a:ext uri="{C183D7F6-B498-43B3-948B-1728B52AA6E4}">
-                <adec:decorative xmlns:adec="http://schemas.microsoft.com/office/drawing/2017/decorative" val="1"/>
-              </a:ext>
-            </a:extLst>
-          </p:cNvPr>
-          <p:cNvSpPr>
-            <a:spLocks noGrp="1" noRot="1" noChangeAspect="1" noMove="1" noResize="1" noEditPoints="1" noAdjustHandles="1" noChangeArrowheads="1" noChangeShapeType="1" noTextEdit="1"/>
-          </p:cNvSpPr>
-          <p:nvPr>
-            <p:extLst>
-              <p:ext uri="{386F3935-93C4-4BCD-93E2-E3B085C9AB24}">
-                <p16:designElem xmlns:p16="http://schemas.microsoft.com/office/powerpoint/2015/main" val="1"/>
-              </p:ext>
-            </p:extLst>
-          </p:nvPr>
-        </p:nvSpPr>
-        <p:spPr>
-          <a:xfrm>
-            <a:off x="484096" y="470925"/>
-            <a:ext cx="4381009" cy="5892104"/>
-          </a:xfrm>
-          <a:custGeom>
-            <a:avLst/>
-            <a:gdLst>
-              <a:gd name="connsiteX0" fmla="*/ 0 w 4381009"/>
-              <a:gd name="connsiteY0" fmla="*/ 0 h 5892104"/>
-              <a:gd name="connsiteX1" fmla="*/ 4157628 w 4381009"/>
-              <a:gd name="connsiteY1" fmla="*/ 0 h 5892104"/>
-              <a:gd name="connsiteX2" fmla="*/ 4169302 w 4381009"/>
-              <a:gd name="connsiteY2" fmla="*/ 68659 h 5892104"/>
-              <a:gd name="connsiteX3" fmla="*/ 4191571 w 4381009"/>
-              <a:gd name="connsiteY3" fmla="*/ 205472 h 5892104"/>
-              <a:gd name="connsiteX4" fmla="*/ 4213368 w 4381009"/>
-              <a:gd name="connsiteY4" fmla="*/ 342890 h 5892104"/>
-              <a:gd name="connsiteX5" fmla="*/ 4232030 w 4381009"/>
-              <a:gd name="connsiteY5" fmla="*/ 480913 h 5892104"/>
-              <a:gd name="connsiteX6" fmla="*/ 4250848 w 4381009"/>
-              <a:gd name="connsiteY6" fmla="*/ 618332 h 5892104"/>
-              <a:gd name="connsiteX7" fmla="*/ 4268412 w 4381009"/>
-              <a:gd name="connsiteY7" fmla="*/ 756355 h 5892104"/>
-              <a:gd name="connsiteX8" fmla="*/ 4283467 w 4381009"/>
-              <a:gd name="connsiteY8" fmla="*/ 892563 h 5892104"/>
-              <a:gd name="connsiteX9" fmla="*/ 4297737 w 4381009"/>
-              <a:gd name="connsiteY9" fmla="*/ 1030587 h 5892104"/>
-              <a:gd name="connsiteX10" fmla="*/ 4310754 w 4381009"/>
-              <a:gd name="connsiteY10" fmla="*/ 1168005 h 5892104"/>
-              <a:gd name="connsiteX11" fmla="*/ 4322045 w 4381009"/>
-              <a:gd name="connsiteY11" fmla="*/ 1303002 h 5892104"/>
-              <a:gd name="connsiteX12" fmla="*/ 4333336 w 4381009"/>
-              <a:gd name="connsiteY12" fmla="*/ 1439815 h 5892104"/>
-              <a:gd name="connsiteX13" fmla="*/ 4342745 w 4381009"/>
-              <a:gd name="connsiteY13" fmla="*/ 1574812 h 5892104"/>
-              <a:gd name="connsiteX14" fmla="*/ 4350115 w 4381009"/>
-              <a:gd name="connsiteY14" fmla="*/ 1709808 h 5892104"/>
-              <a:gd name="connsiteX15" fmla="*/ 4357799 w 4381009"/>
-              <a:gd name="connsiteY15" fmla="*/ 1844200 h 5892104"/>
-              <a:gd name="connsiteX16" fmla="*/ 4364229 w 4381009"/>
-              <a:gd name="connsiteY16" fmla="*/ 1977381 h 5892104"/>
-              <a:gd name="connsiteX17" fmla="*/ 4368777 w 4381009"/>
-              <a:gd name="connsiteY17" fmla="*/ 2109351 h 5892104"/>
-              <a:gd name="connsiteX18" fmla="*/ 4372697 w 4381009"/>
-              <a:gd name="connsiteY18" fmla="*/ 2241321 h 5892104"/>
-              <a:gd name="connsiteX19" fmla="*/ 4376461 w 4381009"/>
-              <a:gd name="connsiteY19" fmla="*/ 2372080 h 5892104"/>
-              <a:gd name="connsiteX20" fmla="*/ 4378186 w 4381009"/>
-              <a:gd name="connsiteY20" fmla="*/ 2501023 h 5892104"/>
-              <a:gd name="connsiteX21" fmla="*/ 4380068 w 4381009"/>
-              <a:gd name="connsiteY21" fmla="*/ 2629966 h 5892104"/>
-              <a:gd name="connsiteX22" fmla="*/ 4381009 w 4381009"/>
-              <a:gd name="connsiteY22" fmla="*/ 2757093 h 5892104"/>
-              <a:gd name="connsiteX23" fmla="*/ 4380068 w 4381009"/>
-              <a:gd name="connsiteY23" fmla="*/ 2883010 h 5892104"/>
-              <a:gd name="connsiteX24" fmla="*/ 4380068 w 4381009"/>
-              <a:gd name="connsiteY24" fmla="*/ 3007715 h 5892104"/>
-              <a:gd name="connsiteX25" fmla="*/ 4378186 w 4381009"/>
-              <a:gd name="connsiteY25" fmla="*/ 3131210 h 5892104"/>
-              <a:gd name="connsiteX26" fmla="*/ 4375363 w 4381009"/>
-              <a:gd name="connsiteY26" fmla="*/ 3252283 h 5892104"/>
-              <a:gd name="connsiteX27" fmla="*/ 4372697 w 4381009"/>
-              <a:gd name="connsiteY27" fmla="*/ 3372146 h 5892104"/>
-              <a:gd name="connsiteX28" fmla="*/ 4369718 w 4381009"/>
-              <a:gd name="connsiteY28" fmla="*/ 3489587 h 5892104"/>
-              <a:gd name="connsiteX29" fmla="*/ 4365170 w 4381009"/>
-              <a:gd name="connsiteY29" fmla="*/ 3606423 h 5892104"/>
-              <a:gd name="connsiteX30" fmla="*/ 4360309 w 4381009"/>
-              <a:gd name="connsiteY30" fmla="*/ 3721443 h 5892104"/>
-              <a:gd name="connsiteX31" fmla="*/ 4355918 w 4381009"/>
-              <a:gd name="connsiteY31" fmla="*/ 3834041 h 5892104"/>
-              <a:gd name="connsiteX32" fmla="*/ 4343529 w 4381009"/>
-              <a:gd name="connsiteY32" fmla="*/ 4053789 h 5892104"/>
-              <a:gd name="connsiteX33" fmla="*/ 4330356 w 4381009"/>
-              <a:gd name="connsiteY33" fmla="*/ 4264457 h 5892104"/>
-              <a:gd name="connsiteX34" fmla="*/ 4316556 w 4381009"/>
-              <a:gd name="connsiteY34" fmla="*/ 4466650 h 5892104"/>
-              <a:gd name="connsiteX35" fmla="*/ 4301344 w 4381009"/>
-              <a:gd name="connsiteY35" fmla="*/ 4657946 h 5892104"/>
-              <a:gd name="connsiteX36" fmla="*/ 4285506 w 4381009"/>
-              <a:gd name="connsiteY36" fmla="*/ 4840767 h 5892104"/>
-              <a:gd name="connsiteX37" fmla="*/ 4268412 w 4381009"/>
-              <a:gd name="connsiteY37" fmla="*/ 5010269 h 5892104"/>
-              <a:gd name="connsiteX38" fmla="*/ 4251633 w 4381009"/>
-              <a:gd name="connsiteY38" fmla="*/ 5169481 h 5892104"/>
-              <a:gd name="connsiteX39" fmla="*/ 4234853 w 4381009"/>
-              <a:gd name="connsiteY39" fmla="*/ 5315980 h 5892104"/>
-              <a:gd name="connsiteX40" fmla="*/ 4219014 w 4381009"/>
-              <a:gd name="connsiteY40" fmla="*/ 5450371 h 5892104"/>
-              <a:gd name="connsiteX41" fmla="*/ 4203959 w 4381009"/>
-              <a:gd name="connsiteY41" fmla="*/ 5569628 h 5892104"/>
-              <a:gd name="connsiteX42" fmla="*/ 4189689 w 4381009"/>
-              <a:gd name="connsiteY42" fmla="*/ 5677384 h 5892104"/>
-              <a:gd name="connsiteX43" fmla="*/ 4177770 w 4381009"/>
-              <a:gd name="connsiteY43" fmla="*/ 5768189 h 5892104"/>
-              <a:gd name="connsiteX44" fmla="*/ 4166479 w 4381009"/>
-              <a:gd name="connsiteY44" fmla="*/ 5844465 h 5892104"/>
-              <a:gd name="connsiteX45" fmla="*/ 4159132 w 4381009"/>
-              <a:gd name="connsiteY45" fmla="*/ 5892104 h 5892104"/>
-              <a:gd name="connsiteX46" fmla="*/ 0 w 4381009"/>
-              <a:gd name="connsiteY46" fmla="*/ 5892104 h 5892104"/>
-            </a:gdLst>
-            <a:ahLst/>
-            <a:cxnLst>
-              <a:cxn ang="0">
-                <a:pos x="connsiteX0" y="connsiteY0"/>
-              </a:cxn>
-              <a:cxn ang="0">
-                <a:pos x="connsiteX1" y="connsiteY1"/>
-              </a:cxn>
-              <a:cxn ang="0">
-                <a:pos x="connsiteX2" y="connsiteY2"/>
-              </a:cxn>
-              <a:cxn ang="0">
-                <a:pos x="connsiteX3" y="connsiteY3"/>
-              </a:cxn>
-              <a:cxn ang="0">
-                <a:pos x="connsiteX4" y="connsiteY4"/>
-              </a:cxn>
-              <a:cxn ang="0">
-                <a:pos x="connsiteX5" y="connsiteY5"/>
-              </a:cxn>
-              <a:cxn ang="0">
-                <a:pos x="connsiteX6" y="connsiteY6"/>
-              </a:cxn>
-              <a:cxn ang="0">
-                <a:pos x="connsiteX7" y="connsiteY7"/>
-              </a:cxn>
-              <a:cxn ang="0">
-                <a:pos x="connsiteX8" y="connsiteY8"/>
-              </a:cxn>
-              <a:cxn ang="0">
-                <a:pos x="connsiteX9" y="connsiteY9"/>
-              </a:cxn>
-              <a:cxn ang="0">
-                <a:pos x="connsiteX10" y="connsiteY10"/>
-              </a:cxn>
-              <a:cxn ang="0">
-                <a:pos x="connsiteX11" y="connsiteY11"/>
-              </a:cxn>
-              <a:cxn ang="0">
-                <a:pos x="connsiteX12" y="connsiteY12"/>
-              </a:cxn>
-              <a:cxn ang="0">
-                <a:pos x="connsiteX13" y="connsiteY13"/>
-              </a:cxn>
-              <a:cxn ang="0">
-                <a:pos x="connsiteX14" y="connsiteY14"/>
-              </a:cxn>
-              <a:cxn ang="0">
-                <a:pos x="connsiteX15" y="connsiteY15"/>
-              </a:cxn>
-              <a:cxn ang="0">
-                <a:pos x="connsiteX16" y="connsiteY16"/>
-              </a:cxn>
-              <a:cxn ang="0">
-                <a:pos x="connsiteX17" y="connsiteY17"/>
-              </a:cxn>
-              <a:cxn ang="0">
-                <a:pos x="connsiteX18" y="connsiteY18"/>
-              </a:cxn>
-              <a:cxn ang="0">
-                <a:pos x="connsiteX19" y="connsiteY19"/>
-              </a:cxn>
-              <a:cxn ang="0">
-                <a:pos x="connsiteX20" y="connsiteY20"/>
-              </a:cxn>
-              <a:cxn ang="0">
-                <a:pos x="connsiteX21" y="connsiteY21"/>
-              </a:cxn>
-              <a:cxn ang="0">
-                <a:pos x="connsiteX22" y="connsiteY22"/>
-              </a:cxn>
-              <a:cxn ang="0">
-                <a:pos x="connsiteX23" y="connsiteY23"/>
-              </a:cxn>
-              <a:cxn ang="0">
-                <a:pos x="connsiteX24" y="connsiteY24"/>
-              </a:cxn>
-              <a:cxn ang="0">
-                <a:pos x="connsiteX25" y="connsiteY25"/>
-              </a:cxn>
-              <a:cxn ang="0">
-                <a:pos x="connsiteX26" y="connsiteY26"/>
-              </a:cxn>
-              <a:cxn ang="0">
-                <a:pos x="connsiteX27" y="connsiteY27"/>
-              </a:cxn>
-              <a:cxn ang="0">
-                <a:pos x="connsiteX28" y="connsiteY28"/>
-              </a:cxn>
-              <a:cxn ang="0">
-                <a:pos x="connsiteX29" y="connsiteY29"/>
-              </a:cxn>
-              <a:cxn ang="0">
-                <a:pos x="connsiteX30" y="connsiteY30"/>
-              </a:cxn>
-              <a:cxn ang="0">
-                <a:pos x="connsiteX31" y="connsiteY31"/>
-              </a:cxn>
-              <a:cxn ang="0">
-                <a:pos x="connsiteX32" y="connsiteY32"/>
-              </a:cxn>
-              <a:cxn ang="0">
-                <a:pos x="connsiteX33" y="connsiteY33"/>
-              </a:cxn>
-              <a:cxn ang="0">
-                <a:pos x="connsiteX34" y="connsiteY34"/>
-              </a:cxn>
-              <a:cxn ang="0">
-                <a:pos x="connsiteX35" y="connsiteY35"/>
-              </a:cxn>
-              <a:cxn ang="0">
-                <a:pos x="connsiteX36" y="connsiteY36"/>
-              </a:cxn>
-              <a:cxn ang="0">
-                <a:pos x="connsiteX37" y="connsiteY37"/>
-              </a:cxn>
-              <a:cxn ang="0">
-                <a:pos x="connsiteX38" y="connsiteY38"/>
-              </a:cxn>
-              <a:cxn ang="0">
-                <a:pos x="connsiteX39" y="connsiteY39"/>
-              </a:cxn>
-              <a:cxn ang="0">
-                <a:pos x="connsiteX40" y="connsiteY40"/>
-              </a:cxn>
-              <a:cxn ang="0">
-                <a:pos x="connsiteX41" y="connsiteY41"/>
-              </a:cxn>
-              <a:cxn ang="0">
-                <a:pos x="connsiteX42" y="connsiteY42"/>
-              </a:cxn>
-              <a:cxn ang="0">
-                <a:pos x="connsiteX43" y="connsiteY43"/>
-              </a:cxn>
-              <a:cxn ang="0">
-                <a:pos x="connsiteX44" y="connsiteY44"/>
-              </a:cxn>
-              <a:cxn ang="0">
-                <a:pos x="connsiteX45" y="connsiteY45"/>
-              </a:cxn>
-              <a:cxn ang="0">
-                <a:pos x="connsiteX46" y="connsiteY46"/>
-              </a:cxn>
-            </a:cxnLst>
-            <a:rect l="l" t="t" r="r" b="b"/>
-            <a:pathLst>
-              <a:path w="4381009" h="5892104">
-                <a:moveTo>
-                  <a:pt x="0" y="0"/>
-                </a:moveTo>
-                <a:lnTo>
-                  <a:pt x="4157628" y="0"/>
-                </a:lnTo>
-                <a:lnTo>
-                  <a:pt x="4169302" y="68659"/>
-                </a:lnTo>
-                <a:lnTo>
-                  <a:pt x="4191571" y="205472"/>
-                </a:lnTo>
-                <a:lnTo>
-                  <a:pt x="4213368" y="342890"/>
-                </a:lnTo>
-                <a:lnTo>
-                  <a:pt x="4232030" y="480913"/>
-                </a:lnTo>
-                <a:lnTo>
-                  <a:pt x="4250848" y="618332"/>
-                </a:lnTo>
-                <a:lnTo>
-                  <a:pt x="4268412" y="756355"/>
-                </a:lnTo>
-                <a:lnTo>
-                  <a:pt x="4283467" y="892563"/>
-                </a:lnTo>
-                <a:lnTo>
-                  <a:pt x="4297737" y="1030587"/>
-                </a:lnTo>
-                <a:lnTo>
-                  <a:pt x="4310754" y="1168005"/>
-                </a:lnTo>
-                <a:lnTo>
-                  <a:pt x="4322045" y="1303002"/>
-                </a:lnTo>
-                <a:lnTo>
-                  <a:pt x="4333336" y="1439815"/>
-                </a:lnTo>
-                <a:lnTo>
-                  <a:pt x="4342745" y="1574812"/>
-                </a:lnTo>
-                <a:lnTo>
-                  <a:pt x="4350115" y="1709808"/>
-                </a:lnTo>
-                <a:lnTo>
-                  <a:pt x="4357799" y="1844200"/>
-                </a:lnTo>
-                <a:lnTo>
-                  <a:pt x="4364229" y="1977381"/>
-                </a:lnTo>
-                <a:lnTo>
-                  <a:pt x="4368777" y="2109351"/>
-                </a:lnTo>
-                <a:lnTo>
-                  <a:pt x="4372697" y="2241321"/>
-                </a:lnTo>
-                <a:lnTo>
-                  <a:pt x="4376461" y="2372080"/>
-                </a:lnTo>
-                <a:lnTo>
-                  <a:pt x="4378186" y="2501023"/>
-                </a:lnTo>
-                <a:lnTo>
-                  <a:pt x="4380068" y="2629966"/>
-                </a:lnTo>
-                <a:lnTo>
-                  <a:pt x="4381009" y="2757093"/>
-                </a:lnTo>
-                <a:lnTo>
-                  <a:pt x="4380068" y="2883010"/>
-                </a:lnTo>
-                <a:lnTo>
-                  <a:pt x="4380068" y="3007715"/>
-                </a:lnTo>
-                <a:lnTo>
-                  <a:pt x="4378186" y="3131210"/>
-                </a:lnTo>
-                <a:lnTo>
-                  <a:pt x="4375363" y="3252283"/>
-                </a:lnTo>
-                <a:lnTo>
-                  <a:pt x="4372697" y="3372146"/>
-                </a:lnTo>
-                <a:lnTo>
-                  <a:pt x="4369718" y="3489587"/>
-                </a:lnTo>
-                <a:lnTo>
-                  <a:pt x="4365170" y="3606423"/>
-                </a:lnTo>
-                <a:lnTo>
-                  <a:pt x="4360309" y="3721443"/>
-                </a:lnTo>
-                <a:lnTo>
-                  <a:pt x="4355918" y="3834041"/>
-                </a:lnTo>
-                <a:lnTo>
-                  <a:pt x="4343529" y="4053789"/>
-                </a:lnTo>
-                <a:lnTo>
-                  <a:pt x="4330356" y="4264457"/>
-                </a:lnTo>
-                <a:lnTo>
-                  <a:pt x="4316556" y="4466650"/>
-                </a:lnTo>
-                <a:lnTo>
-                  <a:pt x="4301344" y="4657946"/>
-                </a:lnTo>
-                <a:lnTo>
-                  <a:pt x="4285506" y="4840767"/>
-                </a:lnTo>
-                <a:lnTo>
-                  <a:pt x="4268412" y="5010269"/>
-                </a:lnTo>
-                <a:lnTo>
-                  <a:pt x="4251633" y="5169481"/>
-                </a:lnTo>
-                <a:lnTo>
-                  <a:pt x="4234853" y="5315980"/>
-                </a:lnTo>
-                <a:lnTo>
-                  <a:pt x="4219014" y="5450371"/>
-                </a:lnTo>
-                <a:lnTo>
-                  <a:pt x="4203959" y="5569628"/>
-                </a:lnTo>
-                <a:lnTo>
-                  <a:pt x="4189689" y="5677384"/>
-                </a:lnTo>
-                <a:lnTo>
-                  <a:pt x="4177770" y="5768189"/>
-                </a:lnTo>
-                <a:lnTo>
-                  <a:pt x="4166479" y="5844465"/>
-                </a:lnTo>
-                <a:lnTo>
-                  <a:pt x="4159132" y="5892104"/>
-                </a:lnTo>
-                <a:lnTo>
-                  <a:pt x="0" y="5892104"/>
-                </a:lnTo>
-                <a:close/>
-              </a:path>
-            </a:pathLst>
-          </a:custGeom>
-          <a:solidFill>
-            <a:srgbClr val="404040"/>
-          </a:solidFill>
-          <a:ln>
-            <a:noFill/>
-          </a:ln>
-        </p:spPr>
-        <p:style>
-          <a:lnRef idx="2">
-            <a:schemeClr val="accent1">
-              <a:shade val="50000"/>
-            </a:schemeClr>
-          </a:lnRef>
-          <a:fillRef idx="1">
-            <a:schemeClr val="accent1"/>
-          </a:fillRef>
-          <a:effectRef idx="0">
-            <a:schemeClr val="accent1"/>
-          </a:effectRef>
-          <a:fontRef idx="minor">
-            <a:schemeClr val="lt1"/>
-          </a:fontRef>
-        </p:style>
-        <p:txBody>
-          <a:bodyPr wrap="square" rtlCol="0" anchor="ctr">
-            <a:noAutofit/>
-          </a:bodyPr>
-          <a:lstStyle/>
-          <a:p>
-            <a:pPr marL="0" marR="0" lvl="0" indent="0" algn="ctr" defTabSz="457200" rtl="0" eaLnBrk="1" fontAlgn="auto" latinLnBrk="0" hangingPunct="1">
-              <a:lnSpc>
-                <a:spcPct val="100000"/>
-              </a:lnSpc>
-              <a:spcBef>
-                <a:spcPts val="0"/>
-              </a:spcBef>
-              <a:spcAft>
-                <a:spcPts val="0"/>
-              </a:spcAft>
-              <a:buClrTx/>
-              <a:buSzTx/>
-              <a:buFontTx/>
-              <a:buNone/>
-              <a:tabLst/>
-              <a:defRPr/>
-            </a:pPr>
-            <a:endParaRPr kumimoji="0" lang="en-US" sz="1800" b="0" i="0" u="none" strike="noStrike" kern="1200" cap="none" spc="0" normalizeH="0" baseline="0" noProof="0">
-              <a:ln>
-                <a:noFill/>
-              </a:ln>
-              <a:solidFill>
-                <a:prstClr val="white"/>
-              </a:solidFill>
-              <a:effectLst/>
-              <a:uLnTx/>
-              <a:uFillTx/>
-              <a:latin typeface="Calibri" panose="020F0502020204030204"/>
-              <a:ea typeface="+mn-ea"/>
-              <a:cs typeface="+mn-cs"/>
-            </a:endParaRPr>
-          </a:p>
-        </p:txBody>
-      </p:sp>
-      <p:sp>
-        <p:nvSpPr>
-          <p:cNvPr id="2" name="Title 1">
-            <a:extLst>
-              <a:ext uri="{FF2B5EF4-FFF2-40B4-BE49-F238E27FC236}">
-                <a16:creationId xmlns:a16="http://schemas.microsoft.com/office/drawing/2014/main" id="{69F7AD8F-E1AC-495F-ABF1-95CAF605B7D7}"/>
-              </a:ext>
-            </a:extLst>
-          </p:cNvPr>
-          <p:cNvSpPr>
-            <a:spLocks noGrp="1"/>
-          </p:cNvSpPr>
-          <p:nvPr>
-            <p:ph type="title"/>
-          </p:nvPr>
-        </p:nvSpPr>
-        <p:spPr>
-          <a:xfrm>
-            <a:off x="863029" y="1012004"/>
-            <a:ext cx="3416158" cy="4795408"/>
-          </a:xfrm>
-        </p:spPr>
-        <p:txBody>
-          <a:bodyPr>
-            <a:normAutofit/>
-          </a:bodyPr>
-          <a:lstStyle/>
-          <a:p>
-            <a:pPr algn="ctr"/>
-            <a:r>
-              <a:rPr lang="en-US" dirty="0">
-                <a:solidFill>
-                  <a:srgbClr val="FFFFFF"/>
-                </a:solidFill>
-                <a:cs typeface="Calibri Light"/>
-              </a:rPr>
-              <a:t>FUTURE </a:t>
-            </a:r>
-            <a:r>
-              <a:rPr lang="en-US">
-                <a:solidFill>
-                  <a:srgbClr val="FFFFFF"/>
-                </a:solidFill>
-                <a:cs typeface="Calibri Light"/>
-              </a:rPr>
-              <a:t>SCOPE</a:t>
-            </a:r>
-          </a:p>
-        </p:txBody>
-      </p:sp>
-      <p:graphicFrame>
-        <p:nvGraphicFramePr>
-          <p:cNvPr id="7" name="Content Placeholder 2">
-            <a:extLst>
-              <a:ext uri="{FF2B5EF4-FFF2-40B4-BE49-F238E27FC236}">
-                <a16:creationId xmlns:a16="http://schemas.microsoft.com/office/drawing/2014/main" id="{3CDD4F79-C271-4935-BBEA-7795EB3F017A}"/>
-              </a:ext>
-            </a:extLst>
-          </p:cNvPr>
-          <p:cNvGraphicFramePr>
-            <a:graphicFrameLocks noGrp="1"/>
-          </p:cNvGraphicFramePr>
-          <p:nvPr>
-            <p:ph idx="1"/>
-            <p:extLst>
-              <p:ext uri="{D42A27DB-BD31-4B8C-83A1-F6EECF244321}">
-                <p14:modId xmlns:p14="http://schemas.microsoft.com/office/powerpoint/2010/main" val="1254178132"/>
-              </p:ext>
-            </p:extLst>
-          </p:nvPr>
-        </p:nvGraphicFramePr>
-        <p:xfrm>
-          <a:off x="5194300" y="470924"/>
-          <a:ext cx="6513604" cy="5885426"/>
-        </p:xfrm>
-        <a:graphic>
-          <a:graphicData uri="http://schemas.openxmlformats.org/drawingml/2006/diagram">
-            <dgm:relIds xmlns:dgm="http://schemas.openxmlformats.org/drawingml/2006/diagram" xmlns:r="http://schemas.openxmlformats.org/officeDocument/2006/relationships" r:dm="rId2" r:lo="rId3" r:qs="rId4" r:cs="rId5"/>
-          </a:graphicData>
-        </a:graphic>
-      </p:graphicFrame>
-    </p:spTree>
-    <p:extLst>
-      <p:ext uri="{BB962C8B-B14F-4D97-AF65-F5344CB8AC3E}">
-        <p14:creationId xmlns:p14="http://schemas.microsoft.com/office/powerpoint/2010/main" val="2854001225"/>
       </p:ext>
     </p:extLst>
   </p:cSld>
